--- a/presentations/DeepLearningKeras.pptx
+++ b/presentations/DeepLearningKeras.pptx
@@ -331,7 +331,7 @@
           <a:p>
             <a:fld id="{F2853615-BFDE-46DE-814C-47EC6EF6D371}" type="datetimeFigureOut">
               <a:rPr lang="el-GR" smtClean="0"/>
-              <a:t>9/6/2018</a:t>
+              <a:t>15/6/2018</a:t>
             </a:fld>
             <a:endParaRPr lang="el-GR"/>
           </a:p>
@@ -531,7 +531,7 @@
           <a:p>
             <a:fld id="{F2853615-BFDE-46DE-814C-47EC6EF6D371}" type="datetimeFigureOut">
               <a:rPr lang="el-GR" smtClean="0"/>
-              <a:t>9/6/2018</a:t>
+              <a:t>15/6/2018</a:t>
             </a:fld>
             <a:endParaRPr lang="el-GR"/>
           </a:p>
@@ -706,7 +706,7 @@
           <a:p>
             <a:fld id="{F2853615-BFDE-46DE-814C-47EC6EF6D371}" type="datetimeFigureOut">
               <a:rPr lang="el-GR" smtClean="0"/>
-              <a:t>9/6/2018</a:t>
+              <a:t>15/6/2018</a:t>
             </a:fld>
             <a:endParaRPr lang="el-GR"/>
           </a:p>
@@ -871,7 +871,7 @@
           <a:p>
             <a:fld id="{F2853615-BFDE-46DE-814C-47EC6EF6D371}" type="datetimeFigureOut">
               <a:rPr lang="el-GR" smtClean="0"/>
-              <a:t>9/6/2018</a:t>
+              <a:t>15/6/2018</a:t>
             </a:fld>
             <a:endParaRPr lang="el-GR"/>
           </a:p>
@@ -1010,7 +1010,7 @@
           <a:p>
             <a:fld id="{F2853615-BFDE-46DE-814C-47EC6EF6D371}" type="datetimeFigureOut">
               <a:rPr lang="el-GR" smtClean="0"/>
-              <a:t>9/6/2018</a:t>
+              <a:t>15/6/2018</a:t>
             </a:fld>
             <a:endParaRPr lang="el-GR"/>
           </a:p>
@@ -1328,7 +1328,7 @@
           <a:p>
             <a:fld id="{F2853615-BFDE-46DE-814C-47EC6EF6D371}" type="datetimeFigureOut">
               <a:rPr lang="el-GR" smtClean="0"/>
-              <a:t>9/6/2018</a:t>
+              <a:t>15/6/2018</a:t>
             </a:fld>
             <a:endParaRPr lang="el-GR"/>
           </a:p>
@@ -1794,7 +1794,7 @@
           <a:p>
             <a:fld id="{F2853615-BFDE-46DE-814C-47EC6EF6D371}" type="datetimeFigureOut">
               <a:rPr lang="el-GR" smtClean="0"/>
-              <a:t>9/6/2018</a:t>
+              <a:t>15/6/2018</a:t>
             </a:fld>
             <a:endParaRPr lang="el-GR"/>
           </a:p>
@@ -1942,7 +1942,7 @@
           <a:p>
             <a:fld id="{F2853615-BFDE-46DE-814C-47EC6EF6D371}" type="datetimeFigureOut">
               <a:rPr lang="el-GR" smtClean="0"/>
-              <a:t>9/6/2018</a:t>
+              <a:t>15/6/2018</a:t>
             </a:fld>
             <a:endParaRPr lang="el-GR"/>
           </a:p>
@@ -2032,7 +2032,7 @@
           <a:p>
             <a:fld id="{F2853615-BFDE-46DE-814C-47EC6EF6D371}" type="datetimeFigureOut">
               <a:rPr lang="el-GR" smtClean="0"/>
-              <a:t>9/6/2018</a:t>
+              <a:t>15/6/2018</a:t>
             </a:fld>
             <a:endParaRPr lang="el-GR"/>
           </a:p>
@@ -2306,7 +2306,7 @@
           <a:p>
             <a:fld id="{F2853615-BFDE-46DE-814C-47EC6EF6D371}" type="datetimeFigureOut">
               <a:rPr lang="el-GR" smtClean="0"/>
-              <a:t>9/6/2018</a:t>
+              <a:t>15/6/2018</a:t>
             </a:fld>
             <a:endParaRPr lang="el-GR"/>
           </a:p>
@@ -2611,7 +2611,7 @@
           <a:p>
             <a:fld id="{F2853615-BFDE-46DE-814C-47EC6EF6D371}" type="datetimeFigureOut">
               <a:rPr lang="el-GR" smtClean="0"/>
-              <a:t>9/6/2018</a:t>
+              <a:t>15/6/2018</a:t>
             </a:fld>
             <a:endParaRPr lang="el-GR"/>
           </a:p>
@@ -2909,7 +2909,7 @@
           <a:p>
             <a:fld id="{F2853615-BFDE-46DE-814C-47EC6EF6D371}" type="datetimeFigureOut">
               <a:rPr lang="el-GR" smtClean="0"/>
-              <a:t>9/6/2018</a:t>
+              <a:t>15/6/2018</a:t>
             </a:fld>
             <a:endParaRPr lang="el-GR"/>
           </a:p>
@@ -6834,7 +6834,11 @@
           <a:p>
             <a:r>
               <a:rPr lang="en-US" dirty="0" smtClean="0"/>
-              <a:t>Day 1:</a:t>
+              <a:t>Part </a:t>
+            </a:r>
+            <a:r>
+              <a:rPr lang="en-US" dirty="0" smtClean="0"/>
+              <a:t>1:</a:t>
             </a:r>
           </a:p>
           <a:p>
@@ -6868,28 +6872,40 @@
           <a:p>
             <a:r>
               <a:rPr lang="en-US" dirty="0" smtClean="0"/>
-              <a:t>Day 2</a:t>
+              <a:t>Part </a:t>
+            </a:r>
+            <a:r>
+              <a:rPr lang="en-US" dirty="0" smtClean="0"/>
+              <a:t>2</a:t>
             </a:r>
           </a:p>
           <a:p>
             <a:pPr lvl="1"/>
             <a:r>
               <a:rPr lang="en-US" dirty="0" smtClean="0"/>
-              <a:t>Sentiment Analysis</a:t>
+              <a:t>Text Classification/Sentiment </a:t>
+            </a:r>
+            <a:r>
+              <a:rPr lang="en-US" dirty="0" smtClean="0"/>
+              <a:t>Analysis</a:t>
             </a:r>
           </a:p>
           <a:p>
             <a:pPr lvl="1"/>
             <a:r>
               <a:rPr lang="en-US" dirty="0" smtClean="0"/>
-              <a:t>Neural Doodle</a:t>
+              <a:t>Text Generation</a:t>
             </a:r>
           </a:p>
           <a:p>
             <a:pPr lvl="1"/>
             <a:r>
               <a:rPr lang="en-US" dirty="0" smtClean="0"/>
-              <a:t>Neural Style Transfer</a:t>
+              <a:t>Neural Doodle/Neural </a:t>
+            </a:r>
+            <a:r>
+              <a:rPr lang="en-US" dirty="0" smtClean="0"/>
+              <a:t>Style Transfer</a:t>
             </a:r>
           </a:p>
           <a:p>
@@ -7318,7 +7334,7 @@
           <a:graphicData uri="http://schemas.openxmlformats.org/presentationml/2006/ole">
             <mc:AlternateContent xmlns:mc="http://schemas.openxmlformats.org/markup-compatibility/2006">
               <mc:Choice xmlns:v="urn:schemas-microsoft-com:vml" Requires="v">
-                <p:oleObj spid="_x0000_s2182" name="Equation" r:id="rId4" imgW="1384200" imgH="228600" progId="Equation.DSMT4">
+                <p:oleObj spid="_x0000_s2183" name="Equation" r:id="rId4" imgW="1384200" imgH="228600" progId="Equation.DSMT4">
                   <p:embed/>
                 </p:oleObj>
               </mc:Choice>
@@ -7648,7 +7664,7 @@
           <a:graphicData uri="http://schemas.openxmlformats.org/presentationml/2006/ole">
             <mc:AlternateContent xmlns:mc="http://schemas.openxmlformats.org/markup-compatibility/2006">
               <mc:Choice xmlns:v="urn:schemas-microsoft-com:vml" Requires="v">
-                <p:oleObj spid="_x0000_s3330" name="Equation" r:id="rId4" imgW="1384200" imgH="228600" progId="Equation.DSMT4">
+                <p:oleObj spid="_x0000_s3332" name="Equation" r:id="rId4" imgW="1384200" imgH="228600" progId="Equation.DSMT4">
                   <p:embed/>
                 </p:oleObj>
               </mc:Choice>
@@ -7705,7 +7721,7 @@
           <a:graphicData uri="http://schemas.openxmlformats.org/presentationml/2006/ole">
             <mc:AlternateContent xmlns:mc="http://schemas.openxmlformats.org/markup-compatibility/2006">
               <mc:Choice xmlns:v="urn:schemas-microsoft-com:vml" Requires="v">
-                <p:oleObj spid="_x0000_s3331" name="Equation" r:id="rId6" imgW="711000" imgH="228600" progId="Equation.DSMT4">
+                <p:oleObj spid="_x0000_s3333" name="Equation" r:id="rId6" imgW="711000" imgH="228600" progId="Equation.DSMT4">
                   <p:embed/>
                 </p:oleObj>
               </mc:Choice>
@@ -14233,7 +14249,7 @@
           <a:graphicData uri="http://schemas.openxmlformats.org/presentationml/2006/ole">
             <mc:AlternateContent xmlns:mc="http://schemas.openxmlformats.org/markup-compatibility/2006">
               <mc:Choice xmlns:v="urn:schemas-microsoft-com:vml" Requires="v">
-                <p:oleObj spid="_x0000_s4316" name="Equation" r:id="rId4" imgW="1193760" imgH="457200" progId="Equation.DSMT4">
+                <p:oleObj spid="_x0000_s4321" name="Equation" r:id="rId4" imgW="1193760" imgH="457200" progId="Equation.DSMT4">
                   <p:embed/>
                 </p:oleObj>
               </mc:Choice>
@@ -14290,7 +14306,7 @@
           <a:graphicData uri="http://schemas.openxmlformats.org/presentationml/2006/ole">
             <mc:AlternateContent xmlns:mc="http://schemas.openxmlformats.org/markup-compatibility/2006">
               <mc:Choice xmlns:v="urn:schemas-microsoft-com:vml" Requires="v">
-                <p:oleObj spid="_x0000_s4317" name="Equation" r:id="rId6" imgW="1307880" imgH="457200" progId="Equation.DSMT4">
+                <p:oleObj spid="_x0000_s4322" name="Equation" r:id="rId6" imgW="1307880" imgH="457200" progId="Equation.DSMT4">
                   <p:embed/>
                 </p:oleObj>
               </mc:Choice>
@@ -14373,7 +14389,7 @@
           <a:graphicData uri="http://schemas.openxmlformats.org/presentationml/2006/ole">
             <mc:AlternateContent xmlns:mc="http://schemas.openxmlformats.org/markup-compatibility/2006">
               <mc:Choice xmlns:v="urn:schemas-microsoft-com:vml" Requires="v">
-                <p:oleObj spid="_x0000_s4318" name="Equation" r:id="rId8" imgW="838080" imgH="431640" progId="Equation.DSMT4">
+                <p:oleObj spid="_x0000_s4323" name="Equation" r:id="rId8" imgW="838080" imgH="431640" progId="Equation.DSMT4">
                   <p:embed/>
                 </p:oleObj>
               </mc:Choice>
@@ -14456,7 +14472,7 @@
           <a:graphicData uri="http://schemas.openxmlformats.org/presentationml/2006/ole">
             <mc:AlternateContent xmlns:mc="http://schemas.openxmlformats.org/markup-compatibility/2006">
               <mc:Choice xmlns:v="urn:schemas-microsoft-com:vml" Requires="v">
-                <p:oleObj spid="_x0000_s4319" name="Equation" r:id="rId10" imgW="1193760" imgH="457200" progId="Equation.DSMT4">
+                <p:oleObj spid="_x0000_s4324" name="Equation" r:id="rId10" imgW="1193760" imgH="457200" progId="Equation.DSMT4">
                   <p:embed/>
                 </p:oleObj>
               </mc:Choice>
@@ -14539,7 +14555,7 @@
           <a:graphicData uri="http://schemas.openxmlformats.org/presentationml/2006/ole">
             <mc:AlternateContent xmlns:mc="http://schemas.openxmlformats.org/markup-compatibility/2006">
               <mc:Choice xmlns:v="urn:schemas-microsoft-com:vml" Requires="v">
-                <p:oleObj spid="_x0000_s4320" name="Equation" r:id="rId12" imgW="1168200" imgH="457200" progId="Equation.DSMT4">
+                <p:oleObj spid="_x0000_s4325" name="Equation" r:id="rId12" imgW="1168200" imgH="457200" progId="Equation.DSMT4">
                   <p:embed/>
                 </p:oleObj>
               </mc:Choice>

--- a/presentations/DeepLearningKeras.pptx
+++ b/presentations/DeepLearningKeras.pptx
@@ -21,27 +21,30 @@
     <p:sldId id="266" r:id="rId15"/>
     <p:sldId id="269" r:id="rId16"/>
     <p:sldId id="272" r:id="rId17"/>
-    <p:sldId id="270" r:id="rId18"/>
-    <p:sldId id="271" r:id="rId19"/>
-    <p:sldId id="273" r:id="rId20"/>
-    <p:sldId id="274" r:id="rId21"/>
-    <p:sldId id="275" r:id="rId22"/>
-    <p:sldId id="276" r:id="rId23"/>
-    <p:sldId id="281" r:id="rId24"/>
-    <p:sldId id="277" r:id="rId25"/>
-    <p:sldId id="279" r:id="rId26"/>
-    <p:sldId id="280" r:id="rId27"/>
-    <p:sldId id="282" r:id="rId28"/>
-    <p:sldId id="286" r:id="rId29"/>
-    <p:sldId id="284" r:id="rId30"/>
-    <p:sldId id="283" r:id="rId31"/>
-    <p:sldId id="292" r:id="rId32"/>
-    <p:sldId id="293" r:id="rId33"/>
-    <p:sldId id="294" r:id="rId34"/>
-    <p:sldId id="295" r:id="rId35"/>
-    <p:sldId id="296" r:id="rId36"/>
-    <p:sldId id="297" r:id="rId37"/>
-    <p:sldId id="298" r:id="rId38"/>
+    <p:sldId id="299" r:id="rId18"/>
+    <p:sldId id="270" r:id="rId19"/>
+    <p:sldId id="271" r:id="rId20"/>
+    <p:sldId id="273" r:id="rId21"/>
+    <p:sldId id="274" r:id="rId22"/>
+    <p:sldId id="275" r:id="rId23"/>
+    <p:sldId id="276" r:id="rId24"/>
+    <p:sldId id="281" r:id="rId25"/>
+    <p:sldId id="301" r:id="rId26"/>
+    <p:sldId id="277" r:id="rId27"/>
+    <p:sldId id="279" r:id="rId28"/>
+    <p:sldId id="280" r:id="rId29"/>
+    <p:sldId id="282" r:id="rId30"/>
+    <p:sldId id="286" r:id="rId31"/>
+    <p:sldId id="284" r:id="rId32"/>
+    <p:sldId id="283" r:id="rId33"/>
+    <p:sldId id="292" r:id="rId34"/>
+    <p:sldId id="293" r:id="rId35"/>
+    <p:sldId id="294" r:id="rId36"/>
+    <p:sldId id="295" r:id="rId37"/>
+    <p:sldId id="296" r:id="rId38"/>
+    <p:sldId id="297" r:id="rId39"/>
+    <p:sldId id="298" r:id="rId40"/>
+    <p:sldId id="302" r:id="rId41"/>
   </p:sldIdLst>
   <p:sldSz cx="9144000" cy="6858000" type="screen4x3"/>
   <p:notesSz cx="6858000" cy="9144000"/>
@@ -5347,7 +5350,11 @@
           <a:p>
             <a:r>
               <a:rPr lang="en-US" dirty="0" smtClean="0"/>
-              <a:t>Example use of perceptron</a:t>
+              <a:t>Activation </a:t>
+            </a:r>
+            <a:r>
+              <a:rPr lang="en-US" dirty="0" smtClean="0"/>
+              <a:t>functions (continued)</a:t>
             </a:r>
             <a:endParaRPr lang="el-GR" dirty="0"/>
           </a:p>
@@ -5370,48 +5377,8 @@
           <a:p>
             <a:r>
               <a:rPr lang="en-US" dirty="0" smtClean="0"/>
-              <a:t>Bias </a:t>
-            </a:r>
-            <a:r>
-              <a:rPr lang="en-US" dirty="0">
-                <a:sym typeface="Wingdings" pitchFamily="2" charset="2"/>
-              </a:rPr>
-              <a:t> </a:t>
-            </a:r>
-            <a:r>
-              <a:rPr lang="en-US" dirty="0" smtClean="0">
-                <a:sym typeface="Wingdings" pitchFamily="2" charset="2"/>
-              </a:rPr>
-              <a:t>Offset from </a:t>
-            </a:r>
-            <a:r>
-              <a:rPr lang="en-US" dirty="0">
-                <a:sym typeface="Wingdings" pitchFamily="2" charset="2"/>
-              </a:rPr>
-              <a:t>the origin</a:t>
-            </a:r>
-            <a:endParaRPr lang="en-US" dirty="0" smtClean="0"/>
-          </a:p>
-          <a:p>
-            <a:r>
-              <a:rPr lang="en-US" dirty="0" smtClean="0"/>
-              <a:t>Weights </a:t>
-            </a:r>
-            <a:r>
-              <a:rPr lang="en-US" dirty="0" smtClean="0">
-                <a:sym typeface="Wingdings" pitchFamily="2" charset="2"/>
-              </a:rPr>
-              <a:t></a:t>
-            </a:r>
-            <a:r>
-              <a:rPr lang="en-US" dirty="0" smtClean="0"/>
-              <a:t> Slope </a:t>
-            </a:r>
-            <a:r>
-              <a:rPr lang="en-US" dirty="0"/>
-              <a:t>of the line</a:t>
-            </a:r>
-            <a:endParaRPr lang="el-GR" dirty="0"/>
+              <a:t>Different types of functions</a:t>
+            </a:r>
           </a:p>
         </p:txBody>
       </p:sp>
@@ -5424,7 +5391,7 @@
         <p:spPr>
           <a:xfrm>
             <a:off x="136307" y="6381328"/>
-            <a:ext cx="6811957" cy="276999"/>
+            <a:ext cx="8468141" cy="276999"/>
           </a:xfrm>
           <a:prstGeom prst="rect">
             <a:avLst/>
@@ -5439,36 +5406,160 @@
           <a:p>
             <a:r>
               <a:rPr lang="en-GB" sz="1200" dirty="0" smtClean="0"/>
-              <a:t>Source</a:t>
+              <a:t>Useful Resource</a:t>
             </a:r>
             <a:r>
               <a:rPr lang="en-GB" sz="1200" dirty="0"/>
-              <a:t>: http://aass.oru.se/~lilien/ml/seminars/2007_02_01b-Janecek-Perceptron.pdf</a:t>
+              <a:t>: https://en.wikipedia.org/wiki/Activation_function</a:t>
             </a:r>
             <a:endParaRPr lang="el-GR" sz="1200" dirty="0"/>
+          </a:p>
+        </p:txBody>
+      </p:sp>
+      <p:sp>
+        <p:nvSpPr>
+          <p:cNvPr id="12" name="TextBox 11"/>
+          <p:cNvSpPr txBox="1"/>
+          <p:nvPr/>
+        </p:nvSpPr>
+        <p:spPr>
+          <a:xfrm>
+            <a:off x="221749" y="2276872"/>
+            <a:ext cx="2705885" cy="707886"/>
+          </a:xfrm>
+          <a:prstGeom prst="rect">
+            <a:avLst/>
+          </a:prstGeom>
+          <a:noFill/>
+        </p:spPr>
+        <p:txBody>
+          <a:bodyPr wrap="square" rtlCol="0">
+            <a:spAutoFit/>
+          </a:bodyPr>
+          <a:lstStyle/>
+          <a:p>
+            <a:pPr algn="ctr"/>
+            <a:r>
+              <a:rPr lang="en-GB" sz="2200" dirty="0" err="1" smtClean="0"/>
+              <a:t>ReLU</a:t>
+            </a:r>
+            <a:endParaRPr lang="en-GB" sz="2200" dirty="0" smtClean="0"/>
+          </a:p>
+          <a:p>
+            <a:pPr algn="ctr"/>
+            <a:r>
+              <a:rPr lang="en-GB" dirty="0"/>
+              <a:t>(Rectified </a:t>
+            </a:r>
+            <a:r>
+              <a:rPr lang="en-GB" dirty="0" smtClean="0"/>
+              <a:t>Linear Unit)</a:t>
+            </a:r>
+            <a:endParaRPr lang="en-GB" dirty="0" smtClean="0"/>
+          </a:p>
+        </p:txBody>
+      </p:sp>
+      <p:sp>
+        <p:nvSpPr>
+          <p:cNvPr id="15" name="TextBox 14"/>
+          <p:cNvSpPr txBox="1"/>
+          <p:nvPr/>
+        </p:nvSpPr>
+        <p:spPr>
+          <a:xfrm>
+            <a:off x="3227093" y="2276872"/>
+            <a:ext cx="2387550" cy="707886"/>
+          </a:xfrm>
+          <a:prstGeom prst="rect">
+            <a:avLst/>
+          </a:prstGeom>
+          <a:noFill/>
+        </p:spPr>
+        <p:txBody>
+          <a:bodyPr wrap="square" rtlCol="0">
+            <a:spAutoFit/>
+          </a:bodyPr>
+          <a:lstStyle/>
+          <a:p>
+            <a:pPr algn="ctr"/>
+            <a:r>
+              <a:rPr lang="en-GB" sz="2200" dirty="0" err="1" smtClean="0"/>
+              <a:t>PReLU</a:t>
+            </a:r>
+            <a:endParaRPr lang="en-GB" sz="2200" dirty="0" smtClean="0"/>
+          </a:p>
+          <a:p>
+            <a:pPr algn="ctr"/>
+            <a:r>
+              <a:rPr lang="en-GB" dirty="0" smtClean="0"/>
+              <a:t>(Parametric </a:t>
+            </a:r>
+            <a:r>
+              <a:rPr lang="en-GB" dirty="0" err="1" smtClean="0"/>
+              <a:t>ReLU</a:t>
+            </a:r>
+            <a:r>
+              <a:rPr lang="en-GB" dirty="0" smtClean="0"/>
+              <a:t>)</a:t>
+            </a:r>
+            <a:endParaRPr lang="en-GB" dirty="0"/>
+          </a:p>
+        </p:txBody>
+      </p:sp>
+      <p:sp>
+        <p:nvSpPr>
+          <p:cNvPr id="17" name="TextBox 16"/>
+          <p:cNvSpPr txBox="1"/>
+          <p:nvPr/>
+        </p:nvSpPr>
+        <p:spPr>
+          <a:xfrm>
+            <a:off x="5876728" y="3302402"/>
+            <a:ext cx="3177830" cy="2646878"/>
+          </a:xfrm>
+          <a:prstGeom prst="rect">
+            <a:avLst/>
+          </a:prstGeom>
+          <a:noFill/>
+        </p:spPr>
+        <p:txBody>
+          <a:bodyPr wrap="square" rtlCol="0">
+            <a:spAutoFit/>
+          </a:bodyPr>
+          <a:lstStyle/>
+          <a:p>
+            <a:pPr algn="ctr"/>
+            <a:r>
+              <a:rPr lang="en-GB" sz="2200" dirty="0" err="1" smtClean="0"/>
+              <a:t>Softmax</a:t>
+            </a:r>
+            <a:endParaRPr lang="en-GB" sz="2200" dirty="0" smtClean="0"/>
+          </a:p>
+          <a:p>
+            <a:pPr algn="ctr"/>
+            <a:r>
+              <a:rPr lang="en-GB" dirty="0" smtClean="0"/>
+              <a:t>(similar to Sigmoid - generalized logistic </a:t>
+            </a:r>
+            <a:r>
+              <a:rPr lang="en-GB" dirty="0" smtClean="0"/>
+              <a:t>function used for multiclass classification problems</a:t>
+            </a:r>
+            <a:endParaRPr lang="el-GR" dirty="0"/>
           </a:p>
         </p:txBody>
       </p:sp>
       <p:pic>
         <p:nvPicPr>
-          <p:cNvPr id="2050" name="Picture 2"/>
+          <p:cNvPr id="5123" name="Picture 3"/>
           <p:cNvPicPr>
             <a:picLocks noChangeAspect="1" noChangeArrowheads="1"/>
           </p:cNvPicPr>
           <p:nvPr/>
         </p:nvPicPr>
         <p:blipFill>
-          <a:blip r:embed="rId2" cstate="print">
+          <a:blip r:embed="rId2">
             <a:extLst>
-              <a:ext uri="{BEBA8EAE-BF5A-486C-A8C5-ECC9F3942E4B}">
-                <a14:imgProps xmlns:a14="http://schemas.microsoft.com/office/drawing/2010/main">
-                  <a14:imgLayer r:embed="rId3">
-                    <a14:imgEffect>
-                      <a14:sharpenSoften amount="25000"/>
-                    </a14:imgEffect>
-                  </a14:imgLayer>
-                </a14:imgProps>
-              </a:ext>
               <a:ext uri="{28A0092B-C50C-407E-A947-70E740481C1C}">
                 <a14:useLocalDpi xmlns:a14="http://schemas.microsoft.com/office/drawing/2010/main" val="0"/>
               </a:ext>
@@ -5481,8 +5572,8 @@
         </p:blipFill>
         <p:spPr bwMode="auto">
           <a:xfrm>
-            <a:off x="685496" y="2636912"/>
-            <a:ext cx="2480271" cy="1603694"/>
+            <a:off x="500177" y="3255675"/>
+            <a:ext cx="2149029" cy="2117541"/>
           </a:xfrm>
           <a:prstGeom prst="rect">
             <a:avLst/>
@@ -5524,24 +5615,25 @@
       </p:pic>
       <p:pic>
         <p:nvPicPr>
-          <p:cNvPr id="2051" name="Picture 3"/>
+          <p:cNvPr id="5125" name="Picture 5"/>
           <p:cNvPicPr>
             <a:picLocks noChangeAspect="1" noChangeArrowheads="1"/>
           </p:cNvPicPr>
           <p:nvPr/>
         </p:nvPicPr>
         <p:blipFill>
-          <a:blip r:embed="rId4" cstate="print">
+          <a:blip r:embed="rId3">
+            <a:clrChange>
+              <a:clrFrom>
+                <a:srgbClr val="F8F9FA"/>
+              </a:clrFrom>
+              <a:clrTo>
+                <a:srgbClr val="F8F9FA">
+                  <a:alpha val="0"/>
+                </a:srgbClr>
+              </a:clrTo>
+            </a:clrChange>
             <a:extLst>
-              <a:ext uri="{BEBA8EAE-BF5A-486C-A8C5-ECC9F3942E4B}">
-                <a14:imgProps xmlns:a14="http://schemas.microsoft.com/office/drawing/2010/main">
-                  <a14:imgLayer r:embed="rId5">
-                    <a14:imgEffect>
-                      <a14:sharpenSoften amount="25000"/>
-                    </a14:imgEffect>
-                  </a14:imgLayer>
-                </a14:imgProps>
-              </a:ext>
               <a:ext uri="{28A0092B-C50C-407E-A947-70E740481C1C}">
                 <a14:useLocalDpi xmlns:a14="http://schemas.microsoft.com/office/drawing/2010/main" val="0"/>
               </a:ext>
@@ -5554,8 +5646,8 @@
         </p:blipFill>
         <p:spPr bwMode="auto">
           <a:xfrm>
-            <a:off x="575704" y="4560540"/>
-            <a:ext cx="2052080" cy="1312847"/>
+            <a:off x="382241" y="5568310"/>
+            <a:ext cx="2364452" cy="631941"/>
           </a:xfrm>
           <a:prstGeom prst="rect">
             <a:avLst/>
@@ -5597,24 +5689,15 @@
       </p:pic>
       <p:pic>
         <p:nvPicPr>
-          <p:cNvPr id="1026" name="Picture 2"/>
+          <p:cNvPr id="5126" name="Picture 6"/>
           <p:cNvPicPr>
             <a:picLocks noChangeAspect="1" noChangeArrowheads="1"/>
           </p:cNvPicPr>
           <p:nvPr/>
         </p:nvPicPr>
         <p:blipFill>
-          <a:blip r:embed="rId6" cstate="print">
+          <a:blip r:embed="rId4">
             <a:extLst>
-              <a:ext uri="{BEBA8EAE-BF5A-486C-A8C5-ECC9F3942E4B}">
-                <a14:imgProps xmlns:a14="http://schemas.microsoft.com/office/drawing/2010/main">
-                  <a14:imgLayer r:embed="rId7">
-                    <a14:imgEffect>
-                      <a14:sharpenSoften amount="25000"/>
-                    </a14:imgEffect>
-                  </a14:imgLayer>
-                </a14:imgProps>
-              </a:ext>
               <a:ext uri="{28A0092B-C50C-407E-A947-70E740481C1C}">
                 <a14:useLocalDpi xmlns:a14="http://schemas.microsoft.com/office/drawing/2010/main" val="0"/>
               </a:ext>
@@ -5627,8 +5710,8 @@
         </p:blipFill>
         <p:spPr bwMode="auto">
           <a:xfrm>
-            <a:off x="3507761" y="2798132"/>
-            <a:ext cx="1672209" cy="292037"/>
+            <a:off x="3453150" y="3255675"/>
+            <a:ext cx="2141157" cy="2078182"/>
           </a:xfrm>
           <a:prstGeom prst="rect">
             <a:avLst/>
@@ -5670,24 +5753,25 @@
       </p:pic>
       <p:pic>
         <p:nvPicPr>
-          <p:cNvPr id="1027" name="Picture 3"/>
+          <p:cNvPr id="5127" name="Picture 7"/>
           <p:cNvPicPr>
             <a:picLocks noChangeAspect="1" noChangeArrowheads="1"/>
           </p:cNvPicPr>
           <p:nvPr/>
         </p:nvPicPr>
         <p:blipFill>
-          <a:blip r:embed="rId8">
+          <a:blip r:embed="rId5">
+            <a:clrChange>
+              <a:clrFrom>
+                <a:srgbClr val="F8F9FA"/>
+              </a:clrFrom>
+              <a:clrTo>
+                <a:srgbClr val="F8F9FA">
+                  <a:alpha val="0"/>
+                </a:srgbClr>
+              </a:clrTo>
+            </a:clrChange>
             <a:extLst>
-              <a:ext uri="{BEBA8EAE-BF5A-486C-A8C5-ECC9F3942E4B}">
-                <a14:imgProps xmlns:a14="http://schemas.microsoft.com/office/drawing/2010/main">
-                  <a14:imgLayer r:embed="rId9">
-                    <a14:imgEffect>
-                      <a14:sharpenSoften amount="25000"/>
-                    </a14:imgEffect>
-                  </a14:imgLayer>
-                </a14:imgProps>
-              </a:ext>
               <a:ext uri="{28A0092B-C50C-407E-A947-70E740481C1C}">
                 <a14:useLocalDpi xmlns:a14="http://schemas.microsoft.com/office/drawing/2010/main" val="0"/>
               </a:ext>
@@ -5700,8 +5784,8 @@
         </p:blipFill>
         <p:spPr bwMode="auto">
           <a:xfrm>
-            <a:off x="5516451" y="1605796"/>
-            <a:ext cx="3233137" cy="2676710"/>
+            <a:off x="3250598" y="5590484"/>
+            <a:ext cx="2804680" cy="653242"/>
           </a:xfrm>
           <a:prstGeom prst="rect">
             <a:avLst/>
@@ -5741,16 +5825,138 @@
           </a:extLst>
         </p:spPr>
       </p:pic>
-      <p:sp>
-        <p:nvSpPr>
-          <p:cNvPr id="9" name="TextBox 8"/>
+    </p:spTree>
+    <p:extLst>
+      <p:ext uri="{BB962C8B-B14F-4D97-AF65-F5344CB8AC3E}">
+        <p14:creationId xmlns:p14="http://schemas.microsoft.com/office/powerpoint/2010/main" val="2829155000"/>
+      </p:ext>
+    </p:extLst>
+  </p:cSld>
+  <p:clrMapOvr>
+    <a:masterClrMapping/>
+  </p:clrMapOvr>
+  <p:timing>
+    <p:tnLst>
+      <p:par>
+        <p:cTn id="1" dur="indefinite" restart="never" nodeType="tmRoot"/>
+      </p:par>
+    </p:tnLst>
+  </p:timing>
+</p:sld>
+</file>
+
+<file path=ppt/slides/slide18.xml><?xml version="1.0" encoding="utf-8"?>
+<p:sld xmlns:a="http://schemas.openxmlformats.org/drawingml/2006/main" xmlns:r="http://schemas.openxmlformats.org/officeDocument/2006/relationships" xmlns:p="http://schemas.openxmlformats.org/presentationml/2006/main">
+  <p:cSld>
+    <p:spTree>
+      <p:nvGrpSpPr>
+        <p:cNvPr id="1" name=""/>
+        <p:cNvGrpSpPr/>
+        <p:nvPr/>
+      </p:nvGrpSpPr>
+      <p:grpSpPr>
+        <a:xfrm>
+          <a:off x="0" y="0"/>
+          <a:ext cx="0" cy="0"/>
+          <a:chOff x="0" y="0"/>
+          <a:chExt cx="0" cy="0"/>
+        </a:xfrm>
+      </p:grpSpPr>
+      <p:sp>
+        <p:nvSpPr>
+          <p:cNvPr id="2" name="Τίτλος 1"/>
+          <p:cNvSpPr>
+            <a:spLocks noGrp="1"/>
+          </p:cNvSpPr>
+          <p:nvPr>
+            <p:ph type="title"/>
+          </p:nvPr>
+        </p:nvSpPr>
+        <p:spPr/>
+        <p:txBody>
+          <a:bodyPr/>
+          <a:lstStyle/>
+          <a:p>
+            <a:r>
+              <a:rPr lang="en-US" dirty="0" smtClean="0"/>
+              <a:t>Example use of perceptron</a:t>
+            </a:r>
+            <a:endParaRPr lang="el-GR" dirty="0"/>
+          </a:p>
+        </p:txBody>
+      </p:sp>
+      <p:sp>
+        <p:nvSpPr>
+          <p:cNvPr id="3" name="Θέση περιεχομένου 2"/>
+          <p:cNvSpPr>
+            <a:spLocks noGrp="1"/>
+          </p:cNvSpPr>
+          <p:nvPr>
+            <p:ph idx="1"/>
+          </p:nvPr>
+        </p:nvSpPr>
+        <p:spPr/>
+        <p:txBody>
+          <a:bodyPr/>
+          <a:lstStyle/>
+          <a:p>
+            <a:r>
+              <a:rPr lang="en-US" dirty="0" smtClean="0"/>
+              <a:t>Bias </a:t>
+            </a:r>
+            <a:r>
+              <a:rPr lang="en-US" dirty="0">
+                <a:sym typeface="Wingdings" pitchFamily="2" charset="2"/>
+              </a:rPr>
+              <a:t> </a:t>
+            </a:r>
+            <a:r>
+              <a:rPr lang="en-US" dirty="0" smtClean="0">
+                <a:sym typeface="Wingdings" pitchFamily="2" charset="2"/>
+              </a:rPr>
+              <a:t>Offset from </a:t>
+            </a:r>
+            <a:r>
+              <a:rPr lang="en-US" dirty="0">
+                <a:sym typeface="Wingdings" pitchFamily="2" charset="2"/>
+              </a:rPr>
+              <a:t>the origin</a:t>
+            </a:r>
+            <a:endParaRPr lang="en-US" dirty="0" smtClean="0"/>
+          </a:p>
+          <a:p>
+            <a:r>
+              <a:rPr lang="en-US" dirty="0" smtClean="0"/>
+              <a:t>Weights </a:t>
+            </a:r>
+            <a:r>
+              <a:rPr lang="en-US" dirty="0" smtClean="0">
+                <a:sym typeface="Wingdings" pitchFamily="2" charset="2"/>
+              </a:rPr>
+              <a:t></a:t>
+            </a:r>
+            <a:r>
+              <a:rPr lang="en-US" dirty="0" smtClean="0"/>
+              <a:t> Slope </a:t>
+            </a:r>
+            <a:r>
+              <a:rPr lang="en-US" dirty="0"/>
+              <a:t>of the line</a:t>
+            </a:r>
+            <a:endParaRPr lang="el-GR" dirty="0"/>
+          </a:p>
+        </p:txBody>
+      </p:sp>
+      <p:sp>
+        <p:nvSpPr>
+          <p:cNvPr id="5" name="TextBox 4"/>
           <p:cNvSpPr txBox="1"/>
           <p:nvPr/>
         </p:nvSpPr>
         <p:spPr>
           <a:xfrm>
-            <a:off x="4354997" y="5043422"/>
-            <a:ext cx="4465475" cy="1200329"/>
+            <a:off x="136307" y="6381328"/>
+            <a:ext cx="6811957" cy="276999"/>
           </a:xfrm>
           <a:prstGeom prst="rect">
             <a:avLst/>
@@ -5763,51 +5969,38 @@
           </a:bodyPr>
           <a:lstStyle/>
           <a:p>
-            <a:pPr marL="266700" indent="-266700">
-              <a:buAutoNum type="arabicPeriod"/>
-            </a:pPr>
-            <a:r>
-              <a:rPr lang="en-GB" dirty="0" smtClean="0"/>
-              <a:t>Select random sample from training set</a:t>
-            </a:r>
-          </a:p>
-          <a:p>
-            <a:pPr marL="266700" indent="-266700">
-              <a:buAutoNum type="arabicPeriod"/>
-            </a:pPr>
-            <a:r>
-              <a:rPr lang="en-GB" dirty="0" smtClean="0"/>
-              <a:t>If classification is correct, do nothing</a:t>
-            </a:r>
-          </a:p>
-          <a:p>
-            <a:pPr marL="266700" indent="-266700">
-              <a:buAutoNum type="arabicPeriod"/>
-            </a:pPr>
-            <a:r>
-              <a:rPr lang="en-GB" dirty="0" smtClean="0"/>
-              <a:t>If classification is incorrect, modify w:</a:t>
-            </a:r>
-          </a:p>
-          <a:p>
-            <a:pPr marL="266700" indent="-266700">
-              <a:buAutoNum type="arabicPeriod"/>
-            </a:pPr>
-            <a:endParaRPr lang="el-GR" dirty="0"/>
+            <a:r>
+              <a:rPr lang="en-GB" sz="1200" dirty="0" smtClean="0"/>
+              <a:t>Source</a:t>
+            </a:r>
+            <a:r>
+              <a:rPr lang="en-GB" sz="1200" dirty="0"/>
+              <a:t>: http://aass.oru.se/~lilien/ml/seminars/2007_02_01b-Janecek-Perceptron.pdf</a:t>
+            </a:r>
+            <a:endParaRPr lang="el-GR" sz="1200" dirty="0"/>
           </a:p>
         </p:txBody>
       </p:sp>
       <p:pic>
         <p:nvPicPr>
-          <p:cNvPr id="1028" name="Picture 4"/>
+          <p:cNvPr id="2050" name="Picture 2"/>
           <p:cNvPicPr>
             <a:picLocks noChangeAspect="1" noChangeArrowheads="1"/>
           </p:cNvPicPr>
           <p:nvPr/>
         </p:nvPicPr>
         <p:blipFill>
-          <a:blip r:embed="rId10" cstate="print">
+          <a:blip r:embed="rId2" cstate="print">
             <a:extLst>
+              <a:ext uri="{BEBA8EAE-BF5A-486C-A8C5-ECC9F3942E4B}">
+                <a14:imgProps xmlns:a14="http://schemas.microsoft.com/office/drawing/2010/main">
+                  <a14:imgLayer r:embed="rId3">
+                    <a14:imgEffect>
+                      <a14:sharpenSoften amount="25000"/>
+                    </a14:imgEffect>
+                  </a14:imgLayer>
+                </a14:imgProps>
+              </a:ext>
               <a:ext uri="{28A0092B-C50C-407E-A947-70E740481C1C}">
                 <a14:useLocalDpi xmlns:a14="http://schemas.microsoft.com/office/drawing/2010/main" val="0"/>
               </a:ext>
@@ -5820,8 +6013,8 @@
         </p:blipFill>
         <p:spPr bwMode="auto">
           <a:xfrm>
-            <a:off x="5453592" y="4560541"/>
-            <a:ext cx="2268284" cy="556070"/>
+            <a:off x="685496" y="2636912"/>
+            <a:ext cx="2480271" cy="1603694"/>
           </a:xfrm>
           <a:prstGeom prst="rect">
             <a:avLst/>
@@ -5863,15 +6056,24 @@
       </p:pic>
       <p:pic>
         <p:nvPicPr>
-          <p:cNvPr id="1029" name="Picture 5"/>
+          <p:cNvPr id="2051" name="Picture 3"/>
           <p:cNvPicPr>
             <a:picLocks noChangeAspect="1" noChangeArrowheads="1"/>
           </p:cNvPicPr>
           <p:nvPr/>
         </p:nvPicPr>
         <p:blipFill>
-          <a:blip r:embed="rId11" cstate="print">
+          <a:blip r:embed="rId4" cstate="print">
             <a:extLst>
+              <a:ext uri="{BEBA8EAE-BF5A-486C-A8C5-ECC9F3942E4B}">
+                <a14:imgProps xmlns:a14="http://schemas.microsoft.com/office/drawing/2010/main">
+                  <a14:imgLayer r:embed="rId5">
+                    <a14:imgEffect>
+                      <a14:sharpenSoften amount="25000"/>
+                    </a14:imgEffect>
+                  </a14:imgLayer>
+                </a14:imgProps>
+              </a:ext>
               <a:ext uri="{28A0092B-C50C-407E-A947-70E740481C1C}">
                 <a14:useLocalDpi xmlns:a14="http://schemas.microsoft.com/office/drawing/2010/main" val="0"/>
               </a:ext>
@@ -5884,8 +6086,8 @@
         </p:blipFill>
         <p:spPr bwMode="auto">
           <a:xfrm>
-            <a:off x="5751629" y="5975717"/>
-            <a:ext cx="1672209" cy="268034"/>
+            <a:off x="575704" y="4560540"/>
+            <a:ext cx="2052080" cy="1312847"/>
           </a:xfrm>
           <a:prstGeom prst="rect">
             <a:avLst/>
@@ -5925,93 +6127,20 @@
           </a:extLst>
         </p:spPr>
       </p:pic>
-      <p:sp>
-        <p:nvSpPr>
-          <p:cNvPr id="6" name="Αριστερό άγκιστρο 5"/>
-          <p:cNvSpPr/>
-          <p:nvPr/>
-        </p:nvSpPr>
-        <p:spPr>
-          <a:xfrm>
-            <a:off x="4149100" y="5043422"/>
-            <a:ext cx="288032" cy="932295"/>
-          </a:xfrm>
-          <a:prstGeom prst="leftBrace">
-            <a:avLst>
-              <a:gd name="adj1" fmla="val 54566"/>
-              <a:gd name="adj2" fmla="val 50000"/>
-            </a:avLst>
-          </a:prstGeom>
-          <a:ln w="38100"/>
-        </p:spPr>
-        <p:style>
-          <a:lnRef idx="1">
-            <a:schemeClr val="accent1"/>
-          </a:lnRef>
-          <a:fillRef idx="0">
-            <a:schemeClr val="accent1"/>
-          </a:fillRef>
-          <a:effectRef idx="0">
-            <a:schemeClr val="accent1"/>
-          </a:effectRef>
-          <a:fontRef idx="minor">
-            <a:schemeClr val="tx1"/>
-          </a:fontRef>
-        </p:style>
-        <p:txBody>
-          <a:bodyPr rtlCol="0" anchor="ctr"/>
-          <a:lstStyle/>
-          <a:p>
-            <a:pPr algn="ctr"/>
-            <a:endParaRPr lang="el-GR"/>
-          </a:p>
-        </p:txBody>
-      </p:sp>
-      <p:sp>
-        <p:nvSpPr>
-          <p:cNvPr id="14" name="TextBox 13"/>
-          <p:cNvSpPr txBox="1"/>
-          <p:nvPr/>
-        </p:nvSpPr>
-        <p:spPr>
-          <a:xfrm>
-            <a:off x="3035290" y="5313413"/>
-            <a:ext cx="1113810" cy="369332"/>
-          </a:xfrm>
-          <a:prstGeom prst="rect">
-            <a:avLst/>
-          </a:prstGeom>
-          <a:noFill/>
-        </p:spPr>
-        <p:txBody>
-          <a:bodyPr wrap="square" rtlCol="0">
-            <a:spAutoFit/>
-          </a:bodyPr>
-          <a:lstStyle/>
-          <a:p>
-            <a:pPr algn="ctr"/>
-            <a:r>
-              <a:rPr lang="en-GB" dirty="0" smtClean="0"/>
-              <a:t>REPEAT</a:t>
-            </a:r>
-            <a:endParaRPr lang="el-GR" dirty="0"/>
-          </a:p>
-        </p:txBody>
-      </p:sp>
       <p:pic>
         <p:nvPicPr>
-          <p:cNvPr id="1030" name="Picture 6"/>
+          <p:cNvPr id="1026" name="Picture 2"/>
           <p:cNvPicPr>
             <a:picLocks noChangeAspect="1" noChangeArrowheads="1"/>
           </p:cNvPicPr>
           <p:nvPr/>
         </p:nvPicPr>
         <p:blipFill>
-          <a:blip r:embed="rId12">
+          <a:blip r:embed="rId6" cstate="print">
             <a:extLst>
               <a:ext uri="{BEBA8EAE-BF5A-486C-A8C5-ECC9F3942E4B}">
                 <a14:imgProps xmlns:a14="http://schemas.microsoft.com/office/drawing/2010/main">
-                  <a14:imgLayer r:embed="rId13">
+                  <a14:imgLayer r:embed="rId7">
                     <a14:imgEffect>
                       <a14:sharpenSoften amount="25000"/>
                     </a14:imgEffect>
@@ -6030,8 +6159,8 @@
         </p:blipFill>
         <p:spPr bwMode="auto">
           <a:xfrm>
-            <a:off x="3472250" y="3212976"/>
-            <a:ext cx="1639997" cy="638960"/>
+            <a:off x="3507761" y="2798132"/>
+            <a:ext cx="1672209" cy="292037"/>
           </a:xfrm>
           <a:prstGeom prst="rect">
             <a:avLst/>
@@ -6071,133 +6200,26 @@
           </a:extLst>
         </p:spPr>
       </p:pic>
-    </p:spTree>
-    <p:extLst>
-      <p:ext uri="{BB962C8B-B14F-4D97-AF65-F5344CB8AC3E}">
-        <p14:creationId xmlns:p14="http://schemas.microsoft.com/office/powerpoint/2010/main" val="100754370"/>
-      </p:ext>
-    </p:extLst>
-  </p:cSld>
-  <p:clrMapOvr>
-    <a:masterClrMapping/>
-  </p:clrMapOvr>
-  <p:timing>
-    <p:tnLst>
-      <p:par>
-        <p:cTn id="1" dur="indefinite" restart="never" nodeType="tmRoot"/>
-      </p:par>
-    </p:tnLst>
-  </p:timing>
-</p:sld>
-</file>
-
-<file path=ppt/slides/slide18.xml><?xml version="1.0" encoding="utf-8"?>
-<p:sld xmlns:a="http://schemas.openxmlformats.org/drawingml/2006/main" xmlns:r="http://schemas.openxmlformats.org/officeDocument/2006/relationships" xmlns:p="http://schemas.openxmlformats.org/presentationml/2006/main">
-  <p:cSld>
-    <p:spTree>
-      <p:nvGrpSpPr>
-        <p:cNvPr id="1" name=""/>
-        <p:cNvGrpSpPr/>
-        <p:nvPr/>
-      </p:nvGrpSpPr>
-      <p:grpSpPr>
-        <a:xfrm>
-          <a:off x="0" y="0"/>
-          <a:ext cx="0" cy="0"/>
-          <a:chOff x="0" y="0"/>
-          <a:chExt cx="0" cy="0"/>
-        </a:xfrm>
-      </p:grpSpPr>
-      <p:sp>
-        <p:nvSpPr>
-          <p:cNvPr id="2" name="Τίτλος 1"/>
-          <p:cNvSpPr>
-            <a:spLocks noGrp="1"/>
-          </p:cNvSpPr>
-          <p:nvPr>
-            <p:ph type="title"/>
-          </p:nvPr>
-        </p:nvSpPr>
-        <p:spPr/>
-        <p:txBody>
-          <a:bodyPr/>
-          <a:lstStyle/>
-          <a:p>
-            <a:r>
-              <a:rPr lang="en-US" dirty="0" smtClean="0"/>
-              <a:t>Limitations of perceptron</a:t>
-            </a:r>
-            <a:endParaRPr lang="el-GR" dirty="0"/>
-          </a:p>
-        </p:txBody>
-      </p:sp>
-      <p:sp>
-        <p:nvSpPr>
-          <p:cNvPr id="3" name="Θέση περιεχομένου 2"/>
-          <p:cNvSpPr>
-            <a:spLocks noGrp="1"/>
-          </p:cNvSpPr>
-          <p:nvPr>
-            <p:ph idx="1"/>
-          </p:nvPr>
-        </p:nvSpPr>
-        <p:spPr/>
-        <p:txBody>
-          <a:bodyPr/>
-          <a:lstStyle/>
-          <a:p>
-            <a:r>
-              <a:rPr lang="en-US" dirty="0" smtClean="0"/>
-              <a:t>Can be used only for Linearly Separable Data</a:t>
-            </a:r>
-          </a:p>
-        </p:txBody>
-      </p:sp>
-      <p:sp>
-        <p:nvSpPr>
-          <p:cNvPr id="5" name="TextBox 4"/>
-          <p:cNvSpPr txBox="1"/>
-          <p:nvPr/>
-        </p:nvSpPr>
-        <p:spPr>
-          <a:xfrm>
-            <a:off x="136307" y="6381328"/>
-            <a:ext cx="6811957" cy="276999"/>
-          </a:xfrm>
-          <a:prstGeom prst="rect">
-            <a:avLst/>
-          </a:prstGeom>
-          <a:noFill/>
-        </p:spPr>
-        <p:txBody>
-          <a:bodyPr wrap="square" rtlCol="0">
-            <a:spAutoFit/>
-          </a:bodyPr>
-          <a:lstStyle/>
-          <a:p>
-            <a:r>
-              <a:rPr lang="en-GB" sz="1200" dirty="0" smtClean="0"/>
-              <a:t>Source</a:t>
-            </a:r>
-            <a:r>
-              <a:rPr lang="en-GB" sz="1200" dirty="0"/>
-              <a:t>: http://aass.oru.se/~lilien/ml/seminars/2007_02_01b-Janecek-Perceptron.pdf</a:t>
-            </a:r>
-            <a:endParaRPr lang="el-GR" sz="1200" dirty="0"/>
-          </a:p>
-        </p:txBody>
-      </p:sp>
       <p:pic>
         <p:nvPicPr>
-          <p:cNvPr id="4" name="Picture 2"/>
+          <p:cNvPr id="1027" name="Picture 3"/>
           <p:cNvPicPr>
             <a:picLocks noChangeAspect="1" noChangeArrowheads="1"/>
           </p:cNvPicPr>
           <p:nvPr/>
         </p:nvPicPr>
         <p:blipFill>
-          <a:blip r:embed="rId2">
+          <a:blip r:embed="rId8">
             <a:extLst>
+              <a:ext uri="{BEBA8EAE-BF5A-486C-A8C5-ECC9F3942E4B}">
+                <a14:imgProps xmlns:a14="http://schemas.microsoft.com/office/drawing/2010/main">
+                  <a14:imgLayer r:embed="rId9">
+                    <a14:imgEffect>
+                      <a14:sharpenSoften amount="25000"/>
+                    </a14:imgEffect>
+                  </a14:imgLayer>
+                </a14:imgProps>
+              </a:ext>
               <a:ext uri="{28A0092B-C50C-407E-A947-70E740481C1C}">
                 <a14:useLocalDpi xmlns:a14="http://schemas.microsoft.com/office/drawing/2010/main" val="0"/>
               </a:ext>
@@ -6210,8 +6232,8 @@
         </p:blipFill>
         <p:spPr bwMode="auto">
           <a:xfrm>
-            <a:off x="1187624" y="2849278"/>
-            <a:ext cx="3155916" cy="2883978"/>
+            <a:off x="5516451" y="1605796"/>
+            <a:ext cx="3233137" cy="2676710"/>
           </a:xfrm>
           <a:prstGeom prst="rect">
             <a:avLst/>
@@ -6251,16 +6273,72 @@
           </a:extLst>
         </p:spPr>
       </p:pic>
+      <p:sp>
+        <p:nvSpPr>
+          <p:cNvPr id="9" name="TextBox 8"/>
+          <p:cNvSpPr txBox="1"/>
+          <p:nvPr/>
+        </p:nvSpPr>
+        <p:spPr>
+          <a:xfrm>
+            <a:off x="4354997" y="5043422"/>
+            <a:ext cx="4465475" cy="1200329"/>
+          </a:xfrm>
+          <a:prstGeom prst="rect">
+            <a:avLst/>
+          </a:prstGeom>
+          <a:noFill/>
+        </p:spPr>
+        <p:txBody>
+          <a:bodyPr wrap="square" rtlCol="0">
+            <a:spAutoFit/>
+          </a:bodyPr>
+          <a:lstStyle/>
+          <a:p>
+            <a:pPr marL="266700" indent="-266700">
+              <a:buAutoNum type="arabicPeriod"/>
+            </a:pPr>
+            <a:r>
+              <a:rPr lang="en-GB" dirty="0" smtClean="0"/>
+              <a:t>Select random sample from training set</a:t>
+            </a:r>
+          </a:p>
+          <a:p>
+            <a:pPr marL="266700" indent="-266700">
+              <a:buAutoNum type="arabicPeriod"/>
+            </a:pPr>
+            <a:r>
+              <a:rPr lang="en-GB" dirty="0" smtClean="0"/>
+              <a:t>If classification is correct, do nothing</a:t>
+            </a:r>
+          </a:p>
+          <a:p>
+            <a:pPr marL="266700" indent="-266700">
+              <a:buAutoNum type="arabicPeriod"/>
+            </a:pPr>
+            <a:r>
+              <a:rPr lang="en-GB" dirty="0" smtClean="0"/>
+              <a:t>If classification is incorrect, modify w:</a:t>
+            </a:r>
+          </a:p>
+          <a:p>
+            <a:pPr marL="266700" indent="-266700">
+              <a:buAutoNum type="arabicPeriod"/>
+            </a:pPr>
+            <a:endParaRPr lang="el-GR" dirty="0"/>
+          </a:p>
+        </p:txBody>
+      </p:sp>
       <p:pic>
         <p:nvPicPr>
-          <p:cNvPr id="6" name="Picture 3"/>
+          <p:cNvPr id="1028" name="Picture 4"/>
           <p:cNvPicPr>
             <a:picLocks noChangeAspect="1" noChangeArrowheads="1"/>
           </p:cNvPicPr>
           <p:nvPr/>
         </p:nvPicPr>
         <p:blipFill>
-          <a:blip r:embed="rId3">
+          <a:blip r:embed="rId10" cstate="print">
             <a:extLst>
               <a:ext uri="{28A0092B-C50C-407E-A947-70E740481C1C}">
                 <a14:useLocalDpi xmlns:a14="http://schemas.microsoft.com/office/drawing/2010/main" val="0"/>
@@ -6274,8 +6352,8 @@
         </p:blipFill>
         <p:spPr bwMode="auto">
           <a:xfrm>
-            <a:off x="5076056" y="2849278"/>
-            <a:ext cx="3155916" cy="2883978"/>
+            <a:off x="5453592" y="4560541"/>
+            <a:ext cx="2268284" cy="556070"/>
           </a:xfrm>
           <a:prstGeom prst="rect">
             <a:avLst/>
@@ -6315,16 +6393,122 @@
           </a:extLst>
         </p:spPr>
       </p:pic>
-      <p:sp>
-        <p:nvSpPr>
-          <p:cNvPr id="11" name="TextBox 10"/>
+      <p:pic>
+        <p:nvPicPr>
+          <p:cNvPr id="1029" name="Picture 5"/>
+          <p:cNvPicPr>
+            <a:picLocks noChangeAspect="1" noChangeArrowheads="1"/>
+          </p:cNvPicPr>
+          <p:nvPr/>
+        </p:nvPicPr>
+        <p:blipFill>
+          <a:blip r:embed="rId11" cstate="print">
+            <a:extLst>
+              <a:ext uri="{28A0092B-C50C-407E-A947-70E740481C1C}">
+                <a14:useLocalDpi xmlns:a14="http://schemas.microsoft.com/office/drawing/2010/main" val="0"/>
+              </a:ext>
+            </a:extLst>
+          </a:blip>
+          <a:srcRect/>
+          <a:stretch>
+            <a:fillRect/>
+          </a:stretch>
+        </p:blipFill>
+        <p:spPr bwMode="auto">
+          <a:xfrm>
+            <a:off x="5751629" y="5975717"/>
+            <a:ext cx="1672209" cy="268034"/>
+          </a:xfrm>
+          <a:prstGeom prst="rect">
+            <a:avLst/>
+          </a:prstGeom>
+          <a:noFill/>
+          <a:ln>
+            <a:noFill/>
+          </a:ln>
+          <a:effectLst/>
+          <a:extLst>
+            <a:ext uri="{909E8E84-426E-40DD-AFC4-6F175D3DCCD1}">
+              <a14:hiddenFill xmlns:a14="http://schemas.microsoft.com/office/drawing/2010/main">
+                <a:solidFill>
+                  <a:schemeClr val="accent1"/>
+                </a:solidFill>
+              </a14:hiddenFill>
+            </a:ext>
+            <a:ext uri="{91240B29-F687-4F45-9708-019B960494DF}">
+              <a14:hiddenLine xmlns:a14="http://schemas.microsoft.com/office/drawing/2010/main" w="9525">
+                <a:solidFill>
+                  <a:schemeClr val="tx1"/>
+                </a:solidFill>
+                <a:miter lim="800000"/>
+                <a:headEnd/>
+                <a:tailEnd/>
+              </a14:hiddenLine>
+            </a:ext>
+            <a:ext uri="{AF507438-7753-43E0-B8FC-AC1667EBCBE1}">
+              <a14:hiddenEffects xmlns:a14="http://schemas.microsoft.com/office/drawing/2010/main">
+                <a:effectLst>
+                  <a:outerShdw dist="35921" dir="2700000" algn="ctr" rotWithShape="0">
+                    <a:schemeClr val="bg2"/>
+                  </a:outerShdw>
+                </a:effectLst>
+              </a14:hiddenEffects>
+            </a:ext>
+          </a:extLst>
+        </p:spPr>
+      </p:pic>
+      <p:sp>
+        <p:nvSpPr>
+          <p:cNvPr id="6" name="Αριστερό άγκιστρο 5"/>
+          <p:cNvSpPr/>
+          <p:nvPr/>
+        </p:nvSpPr>
+        <p:spPr>
+          <a:xfrm>
+            <a:off x="4149100" y="5043422"/>
+            <a:ext cx="288032" cy="932295"/>
+          </a:xfrm>
+          <a:prstGeom prst="leftBrace">
+            <a:avLst>
+              <a:gd name="adj1" fmla="val 54566"/>
+              <a:gd name="adj2" fmla="val 50000"/>
+            </a:avLst>
+          </a:prstGeom>
+          <a:ln w="38100"/>
+        </p:spPr>
+        <p:style>
+          <a:lnRef idx="1">
+            <a:schemeClr val="accent1"/>
+          </a:lnRef>
+          <a:fillRef idx="0">
+            <a:schemeClr val="accent1"/>
+          </a:fillRef>
+          <a:effectRef idx="0">
+            <a:schemeClr val="accent1"/>
+          </a:effectRef>
+          <a:fontRef idx="minor">
+            <a:schemeClr val="tx1"/>
+          </a:fontRef>
+        </p:style>
+        <p:txBody>
+          <a:bodyPr rtlCol="0" anchor="ctr"/>
+          <a:lstStyle/>
+          <a:p>
+            <a:pPr algn="ctr"/>
+            <a:endParaRPr lang="el-GR"/>
+          </a:p>
+        </p:txBody>
+      </p:sp>
+      <p:sp>
+        <p:nvSpPr>
+          <p:cNvPr id="14" name="TextBox 13"/>
           <p:cNvSpPr txBox="1"/>
           <p:nvPr/>
         </p:nvSpPr>
         <p:spPr>
           <a:xfrm>
-            <a:off x="4788024" y="2465808"/>
-            <a:ext cx="3177830" cy="430887"/>
+            <a:off x="3035290" y="5313413"/>
+            <a:ext cx="1113810" cy="369332"/>
           </a:xfrm>
           <a:prstGeom prst="rect">
             <a:avLst/>
@@ -6339,48 +6523,90 @@
           <a:p>
             <a:pPr algn="ctr"/>
             <a:r>
-              <a:rPr lang="en-GB" sz="2200" dirty="0" smtClean="0"/>
-              <a:t>Not Linearly Separable</a:t>
-            </a:r>
-            <a:endParaRPr lang="el-GR" sz="2200" dirty="0"/>
-          </a:p>
-        </p:txBody>
-      </p:sp>
-      <p:sp>
-        <p:nvSpPr>
-          <p:cNvPr id="12" name="TextBox 11"/>
-          <p:cNvSpPr txBox="1"/>
+              <a:rPr lang="en-GB" dirty="0" smtClean="0"/>
+              <a:t>REPEAT</a:t>
+            </a:r>
+            <a:endParaRPr lang="el-GR" dirty="0"/>
+          </a:p>
+        </p:txBody>
+      </p:sp>
+      <p:pic>
+        <p:nvPicPr>
+          <p:cNvPr id="1030" name="Picture 6"/>
+          <p:cNvPicPr>
+            <a:picLocks noChangeAspect="1" noChangeArrowheads="1"/>
+          </p:cNvPicPr>
           <p:nvPr/>
-        </p:nvSpPr>
-        <p:spPr>
-          <a:xfrm>
-            <a:off x="899592" y="2465807"/>
-            <a:ext cx="3177830" cy="430887"/>
+        </p:nvPicPr>
+        <p:blipFill>
+          <a:blip r:embed="rId12">
+            <a:extLst>
+              <a:ext uri="{BEBA8EAE-BF5A-486C-A8C5-ECC9F3942E4B}">
+                <a14:imgProps xmlns:a14="http://schemas.microsoft.com/office/drawing/2010/main">
+                  <a14:imgLayer r:embed="rId13">
+                    <a14:imgEffect>
+                      <a14:sharpenSoften amount="25000"/>
+                    </a14:imgEffect>
+                  </a14:imgLayer>
+                </a14:imgProps>
+              </a:ext>
+              <a:ext uri="{28A0092B-C50C-407E-A947-70E740481C1C}">
+                <a14:useLocalDpi xmlns:a14="http://schemas.microsoft.com/office/drawing/2010/main" val="0"/>
+              </a:ext>
+            </a:extLst>
+          </a:blip>
+          <a:srcRect/>
+          <a:stretch>
+            <a:fillRect/>
+          </a:stretch>
+        </p:blipFill>
+        <p:spPr bwMode="auto">
+          <a:xfrm>
+            <a:off x="3472250" y="3212976"/>
+            <a:ext cx="1639997" cy="638960"/>
           </a:xfrm>
           <a:prstGeom prst="rect">
             <a:avLst/>
           </a:prstGeom>
           <a:noFill/>
-        </p:spPr>
-        <p:txBody>
-          <a:bodyPr wrap="square" rtlCol="0">
-            <a:spAutoFit/>
-          </a:bodyPr>
-          <a:lstStyle/>
-          <a:p>
-            <a:pPr algn="ctr"/>
-            <a:r>
-              <a:rPr lang="en-GB" sz="2200" dirty="0" smtClean="0"/>
-              <a:t>Linearly Separable</a:t>
-            </a:r>
-            <a:endParaRPr lang="el-GR" sz="2200" dirty="0"/>
-          </a:p>
-        </p:txBody>
-      </p:sp>
+          <a:ln>
+            <a:noFill/>
+          </a:ln>
+          <a:effectLst/>
+          <a:extLst>
+            <a:ext uri="{909E8E84-426E-40DD-AFC4-6F175D3DCCD1}">
+              <a14:hiddenFill xmlns:a14="http://schemas.microsoft.com/office/drawing/2010/main">
+                <a:solidFill>
+                  <a:schemeClr val="accent1"/>
+                </a:solidFill>
+              </a14:hiddenFill>
+            </a:ext>
+            <a:ext uri="{91240B29-F687-4F45-9708-019B960494DF}">
+              <a14:hiddenLine xmlns:a14="http://schemas.microsoft.com/office/drawing/2010/main" w="9525">
+                <a:solidFill>
+                  <a:schemeClr val="tx1"/>
+                </a:solidFill>
+                <a:miter lim="800000"/>
+                <a:headEnd/>
+                <a:tailEnd/>
+              </a14:hiddenLine>
+            </a:ext>
+            <a:ext uri="{AF507438-7753-43E0-B8FC-AC1667EBCBE1}">
+              <a14:hiddenEffects xmlns:a14="http://schemas.microsoft.com/office/drawing/2010/main">
+                <a:effectLst>
+                  <a:outerShdw dist="35921" dir="2700000" algn="ctr" rotWithShape="0">
+                    <a:schemeClr val="bg2"/>
+                  </a:outerShdw>
+                </a:effectLst>
+              </a14:hiddenEffects>
+            </a:ext>
+          </a:extLst>
+        </p:spPr>
+      </p:pic>
     </p:spTree>
     <p:extLst>
       <p:ext uri="{BB962C8B-B14F-4D97-AF65-F5344CB8AC3E}">
-        <p14:creationId xmlns:p14="http://schemas.microsoft.com/office/powerpoint/2010/main" val="751113066"/>
+        <p14:creationId xmlns:p14="http://schemas.microsoft.com/office/powerpoint/2010/main" val="100754370"/>
       </p:ext>
     </p:extLst>
   </p:cSld>
@@ -6431,7 +6657,7 @@
           <a:p>
             <a:r>
               <a:rPr lang="en-US" dirty="0" smtClean="0"/>
-              <a:t>Neural Network Topologies</a:t>
+              <a:t>Limitations of perceptron</a:t>
             </a:r>
             <a:endParaRPr lang="el-GR" dirty="0"/>
           </a:p>
@@ -6454,7 +6680,7 @@
           <a:p>
             <a:r>
               <a:rPr lang="en-US" dirty="0" smtClean="0"/>
-              <a:t>Used for different types of problems</a:t>
+              <a:t>Can be used only for Linearly Separable Data</a:t>
             </a:r>
           </a:p>
         </p:txBody>
@@ -6468,7 +6694,7 @@
         <p:spPr>
           <a:xfrm>
             <a:off x="136307" y="6381328"/>
-            <a:ext cx="8468141" cy="276999"/>
+            <a:ext cx="6811957" cy="276999"/>
           </a:xfrm>
           <a:prstGeom prst="rect">
             <a:avLst/>
@@ -6483,56 +6709,25 @@
           <a:p>
             <a:r>
               <a:rPr lang="en-GB" sz="1200" dirty="0" smtClean="0"/>
-              <a:t>Useful Resource</a:t>
+              <a:t>Source</a:t>
             </a:r>
             <a:r>
               <a:rPr lang="en-GB" sz="1200" dirty="0"/>
-              <a:t>: https://towardsdatascience.com/the-mostly-complete-chart-of-neural-networks-explained-3fb6f2367464</a:t>
+              <a:t>: http://aass.oru.se/~lilien/ml/seminars/2007_02_01b-Janecek-Perceptron.pdf</a:t>
             </a:r>
             <a:endParaRPr lang="el-GR" sz="1200" dirty="0"/>
-          </a:p>
-        </p:txBody>
-      </p:sp>
-      <p:sp>
-        <p:nvSpPr>
-          <p:cNvPr id="12" name="TextBox 11"/>
-          <p:cNvSpPr txBox="1"/>
-          <p:nvPr/>
-        </p:nvSpPr>
-        <p:spPr>
-          <a:xfrm>
-            <a:off x="705787" y="2712780"/>
-            <a:ext cx="3238173" cy="430887"/>
-          </a:xfrm>
-          <a:prstGeom prst="rect">
-            <a:avLst/>
-          </a:prstGeom>
-          <a:noFill/>
-        </p:spPr>
-        <p:txBody>
-          <a:bodyPr wrap="square" rtlCol="0">
-            <a:spAutoFit/>
-          </a:bodyPr>
-          <a:lstStyle/>
-          <a:p>
-            <a:pPr algn="ctr"/>
-            <a:r>
-              <a:rPr lang="en-GB" sz="2200" dirty="0" smtClean="0"/>
-              <a:t>Multi-Layer Perceptron</a:t>
-            </a:r>
-            <a:endParaRPr lang="el-GR" sz="2200" dirty="0"/>
           </a:p>
         </p:txBody>
       </p:sp>
       <p:pic>
         <p:nvPicPr>
-          <p:cNvPr id="8" name="Picture 2"/>
+          <p:cNvPr id="4" name="Picture 2"/>
           <p:cNvPicPr>
             <a:picLocks noChangeAspect="1" noChangeArrowheads="1"/>
           </p:cNvPicPr>
           <p:nvPr/>
         </p:nvPicPr>
-        <p:blipFill rotWithShape="1">
+        <p:blipFill>
           <a:blip r:embed="rId2">
             <a:extLst>
               <a:ext uri="{28A0092B-C50C-407E-A947-70E740481C1C}">
@@ -6540,13 +6735,15 @@
               </a:ext>
             </a:extLst>
           </a:blip>
-          <a:srcRect l="18319" t="17801" r="13880"/>
-          <a:stretch/>
+          <a:srcRect/>
+          <a:stretch>
+            <a:fillRect/>
+          </a:stretch>
         </p:blipFill>
         <p:spPr bwMode="auto">
           <a:xfrm>
-            <a:off x="768480" y="3225832"/>
-            <a:ext cx="3112788" cy="2341015"/>
+            <a:off x="1187624" y="2849278"/>
+            <a:ext cx="3155916" cy="2883978"/>
           </a:xfrm>
           <a:prstGeom prst="rect">
             <a:avLst/>
@@ -6588,7 +6785,7 @@
       </p:pic>
       <p:pic>
         <p:nvPicPr>
-          <p:cNvPr id="9" name="Picture 2"/>
+          <p:cNvPr id="6" name="Picture 3"/>
           <p:cNvPicPr>
             <a:picLocks noChangeAspect="1" noChangeArrowheads="1"/>
           </p:cNvPicPr>
@@ -6609,8 +6806,8 @@
         </p:blipFill>
         <p:spPr bwMode="auto">
           <a:xfrm>
-            <a:off x="4572000" y="2710459"/>
-            <a:ext cx="4027030" cy="1340175"/>
+            <a:off x="5076056" y="2849278"/>
+            <a:ext cx="3155916" cy="2883978"/>
           </a:xfrm>
           <a:prstGeom prst="rect">
             <a:avLst/>
@@ -6652,14 +6849,14 @@
       </p:pic>
       <p:sp>
         <p:nvSpPr>
-          <p:cNvPr id="10" name="TextBox 9"/>
+          <p:cNvPr id="11" name="TextBox 10"/>
           <p:cNvSpPr txBox="1"/>
           <p:nvPr/>
         </p:nvSpPr>
         <p:spPr>
           <a:xfrm>
-            <a:off x="4604672" y="2276872"/>
-            <a:ext cx="3961687" cy="430887"/>
+            <a:off x="4788024" y="2465808"/>
+            <a:ext cx="3177830" cy="430887"/>
           </a:xfrm>
           <a:prstGeom prst="rect">
             <a:avLst/>
@@ -6675,63 +6872,22 @@
             <a:pPr algn="ctr"/>
             <a:r>
               <a:rPr lang="en-GB" sz="2200" dirty="0" smtClean="0"/>
-              <a:t>Convolutional Neural Network</a:t>
+              <a:t>Not Linearly Separable</a:t>
             </a:r>
             <a:endParaRPr lang="el-GR" sz="2200" dirty="0"/>
           </a:p>
         </p:txBody>
       </p:sp>
-      <p:pic>
-        <p:nvPicPr>
-          <p:cNvPr id="13" name="Picture 2" descr="A LSTM neural network."/>
-          <p:cNvPicPr>
-            <a:picLocks noChangeAspect="1" noChangeArrowheads="1"/>
-          </p:cNvPicPr>
-          <p:nvPr/>
-        </p:nvPicPr>
-        <p:blipFill>
-          <a:blip r:embed="rId4" cstate="print">
-            <a:extLst>
-              <a:ext uri="{28A0092B-C50C-407E-A947-70E740481C1C}">
-                <a14:useLocalDpi xmlns:a14="http://schemas.microsoft.com/office/drawing/2010/main" val="0"/>
-              </a:ext>
-            </a:extLst>
-          </a:blip>
-          <a:srcRect/>
-          <a:stretch>
-            <a:fillRect/>
-          </a:stretch>
-        </p:blipFill>
-        <p:spPr bwMode="auto">
-          <a:xfrm>
-            <a:off x="4499992" y="4725144"/>
-            <a:ext cx="3787599" cy="1423105"/>
-          </a:xfrm>
-          <a:prstGeom prst="rect">
-            <a:avLst/>
-          </a:prstGeom>
-          <a:noFill/>
-          <a:extLst>
-            <a:ext uri="{909E8E84-426E-40DD-AFC4-6F175D3DCCD1}">
-              <a14:hiddenFill xmlns:a14="http://schemas.microsoft.com/office/drawing/2010/main">
-                <a:solidFill>
-                  <a:srgbClr val="FFFFFF"/>
-                </a:solidFill>
-              </a14:hiddenFill>
-            </a:ext>
-          </a:extLst>
-        </p:spPr>
-      </p:pic>
-      <p:sp>
-        <p:nvSpPr>
-          <p:cNvPr id="14" name="TextBox 13"/>
+      <p:sp>
+        <p:nvSpPr>
+          <p:cNvPr id="12" name="TextBox 11"/>
           <p:cNvSpPr txBox="1"/>
           <p:nvPr/>
         </p:nvSpPr>
         <p:spPr>
           <a:xfrm>
-            <a:off x="4412947" y="4222249"/>
-            <a:ext cx="3961687" cy="430887"/>
+            <a:off x="899592" y="2465807"/>
+            <a:ext cx="3177830" cy="430887"/>
           </a:xfrm>
           <a:prstGeom prst="rect">
             <a:avLst/>
@@ -6747,7 +6903,7 @@
             <a:pPr algn="ctr"/>
             <a:r>
               <a:rPr lang="en-GB" sz="2200" dirty="0" smtClean="0"/>
-              <a:t>Recurrent Neural Network</a:t>
+              <a:t>Linearly Separable</a:t>
             </a:r>
             <a:endParaRPr lang="el-GR" sz="2200" dirty="0"/>
           </a:p>
@@ -6756,7 +6912,7 @@
     </p:spTree>
     <p:extLst>
       <p:ext uri="{BB962C8B-B14F-4D97-AF65-F5344CB8AC3E}">
-        <p14:creationId xmlns:p14="http://schemas.microsoft.com/office/powerpoint/2010/main" val="2309894669"/>
+        <p14:creationId xmlns:p14="http://schemas.microsoft.com/office/powerpoint/2010/main" val="751113066"/>
       </p:ext>
     </p:extLst>
   </p:cSld>
@@ -6834,11 +6990,7 @@
           <a:p>
             <a:r>
               <a:rPr lang="en-US" dirty="0" smtClean="0"/>
-              <a:t>Part </a:t>
-            </a:r>
-            <a:r>
-              <a:rPr lang="en-US" dirty="0" smtClean="0"/>
-              <a:t>1:</a:t>
+              <a:t>Part 1:</a:t>
             </a:r>
           </a:p>
           <a:p>
@@ -6872,22 +7024,14 @@
           <a:p>
             <a:r>
               <a:rPr lang="en-US" dirty="0" smtClean="0"/>
-              <a:t>Part </a:t>
-            </a:r>
+              <a:t>Part 2</a:t>
+            </a:r>
+          </a:p>
+          <a:p>
+            <a:pPr lvl="1"/>
             <a:r>
               <a:rPr lang="en-US" dirty="0" smtClean="0"/>
-              <a:t>2</a:t>
-            </a:r>
-          </a:p>
-          <a:p>
-            <a:pPr lvl="1"/>
-            <a:r>
-              <a:rPr lang="en-US" dirty="0" smtClean="0"/>
-              <a:t>Text Classification/Sentiment </a:t>
-            </a:r>
-            <a:r>
-              <a:rPr lang="en-US" dirty="0" smtClean="0"/>
-              <a:t>Analysis</a:t>
+              <a:t>Text Classification/Sentiment Analysis</a:t>
             </a:r>
           </a:p>
           <a:p>
@@ -6901,11 +7045,7 @@
             <a:pPr lvl="1"/>
             <a:r>
               <a:rPr lang="en-US" dirty="0" smtClean="0"/>
-              <a:t>Neural Doodle/Neural </a:t>
-            </a:r>
-            <a:r>
-              <a:rPr lang="en-US" dirty="0" smtClean="0"/>
-              <a:t>Style Transfer</a:t>
+              <a:t>Neural Doodle/Neural Style Transfer</a:t>
             </a:r>
           </a:p>
           <a:p>
@@ -6972,60 +7112,7 @@
           <a:p>
             <a:r>
               <a:rPr lang="en-US" dirty="0" smtClean="0"/>
-              <a:t>Multi-Layer Perceptron</a:t>
-            </a:r>
-            <a:endParaRPr lang="el-GR" dirty="0"/>
-          </a:p>
-        </p:txBody>
-      </p:sp>
-    </p:spTree>
-    <p:extLst>
-      <p:ext uri="{BB962C8B-B14F-4D97-AF65-F5344CB8AC3E}">
-        <p14:creationId xmlns:p14="http://schemas.microsoft.com/office/powerpoint/2010/main" val="1006669590"/>
-      </p:ext>
-    </p:extLst>
-  </p:cSld>
-  <p:clrMapOvr>
-    <a:masterClrMapping/>
-  </p:clrMapOvr>
-</p:sld>
-</file>
-
-<file path=ppt/slides/slide21.xml><?xml version="1.0" encoding="utf-8"?>
-<p:sld xmlns:a="http://schemas.openxmlformats.org/drawingml/2006/main" xmlns:r="http://schemas.openxmlformats.org/officeDocument/2006/relationships" xmlns:p="http://schemas.openxmlformats.org/presentationml/2006/main">
-  <p:cSld>
-    <p:spTree>
-      <p:nvGrpSpPr>
-        <p:cNvPr id="1" name=""/>
-        <p:cNvGrpSpPr/>
-        <p:nvPr/>
-      </p:nvGrpSpPr>
-      <p:grpSpPr>
-        <a:xfrm>
-          <a:off x="0" y="0"/>
-          <a:ext cx="0" cy="0"/>
-          <a:chOff x="0" y="0"/>
-          <a:chExt cx="0" cy="0"/>
-        </a:xfrm>
-      </p:grpSpPr>
-      <p:sp>
-        <p:nvSpPr>
-          <p:cNvPr id="2" name="Τίτλος 1"/>
-          <p:cNvSpPr>
-            <a:spLocks noGrp="1"/>
-          </p:cNvSpPr>
-          <p:nvPr>
-            <p:ph type="title"/>
-          </p:nvPr>
-        </p:nvSpPr>
-        <p:spPr/>
-        <p:txBody>
-          <a:bodyPr/>
-          <a:lstStyle/>
-          <a:p>
-            <a:r>
-              <a:rPr lang="en-US" dirty="0" smtClean="0"/>
-              <a:t>Training a Multi-Layer Perceptron</a:t>
+              <a:t>Neural Network Topologies</a:t>
             </a:r>
             <a:endParaRPr lang="el-GR" dirty="0"/>
           </a:p>
@@ -7048,125 +7135,86 @@
           <a:p>
             <a:r>
               <a:rPr lang="en-US" dirty="0" smtClean="0"/>
-              <a:t>Gradient Descent</a:t>
-            </a:r>
-          </a:p>
-          <a:p>
-            <a:pPr lvl="1"/>
-            <a:r>
-              <a:rPr lang="en-US" dirty="0" smtClean="0"/>
-              <a:t>Start with some initial</a:t>
-            </a:r>
-          </a:p>
-          <a:p>
-            <a:pPr marL="274320" lvl="1" indent="0">
-              <a:buNone/>
-              <a:tabLst>
-                <a:tab pos="447675" algn="l"/>
-              </a:tabLst>
-            </a:pPr>
-            <a:r>
-              <a:rPr lang="en-US" dirty="0" smtClean="0"/>
-              <a:t>	parameters </a:t>
-            </a:r>
-            <a:r>
-              <a:rPr lang="el-GR" dirty="0" smtClean="0"/>
-              <a:t>θ</a:t>
-            </a:r>
-            <a:endParaRPr lang="en-US" dirty="0" smtClean="0"/>
-          </a:p>
-          <a:p>
-            <a:pPr marL="274320" lvl="1" indent="0">
-              <a:buNone/>
-              <a:tabLst>
-                <a:tab pos="447675" algn="l"/>
-              </a:tabLst>
-            </a:pPr>
-            <a:endParaRPr lang="en-US" dirty="0" smtClean="0"/>
-          </a:p>
-          <a:p>
-            <a:pPr lvl="1"/>
-            <a:r>
-              <a:rPr lang="en-US" dirty="0" smtClean="0"/>
-              <a:t>Update them using:</a:t>
-            </a:r>
-          </a:p>
-          <a:p>
-            <a:endParaRPr lang="en-US" dirty="0"/>
-          </a:p>
-          <a:p>
-            <a:pPr marL="274320" lvl="1" indent="0">
-              <a:buNone/>
-              <a:tabLst>
-                <a:tab pos="449263" algn="l"/>
-              </a:tabLst>
-            </a:pPr>
-            <a:r>
-              <a:rPr lang="en-US" dirty="0" smtClean="0"/>
-              <a:t>	</a:t>
-            </a:r>
-            <a:r>
-              <a:rPr lang="en-US" dirty="0"/>
-              <a:t>where</a:t>
-            </a:r>
-            <a:r>
-              <a:rPr lang="en-US" dirty="0" smtClean="0"/>
-              <a:t>:</a:t>
-            </a:r>
-          </a:p>
-          <a:p>
-            <a:pPr lvl="2"/>
-            <a:r>
-              <a:rPr lang="el-GR" i="1" dirty="0" smtClean="0"/>
-              <a:t>η</a:t>
-            </a:r>
-            <a:r>
-              <a:rPr lang="en-US" dirty="0" smtClean="0"/>
-              <a:t>: learning rate</a:t>
-            </a:r>
-          </a:p>
-          <a:p>
-            <a:pPr lvl="2"/>
-            <a:r>
-              <a:rPr lang="en-US" i="1" dirty="0" smtClean="0"/>
-              <a:t>E(x, </a:t>
-            </a:r>
-            <a:r>
-              <a:rPr lang="el-GR" i="1" dirty="0" smtClean="0"/>
-              <a:t>θ, </a:t>
-            </a:r>
-            <a:r>
-              <a:rPr lang="en-US" i="1" dirty="0" smtClean="0"/>
-              <a:t>y)</a:t>
-            </a:r>
-            <a:r>
-              <a:rPr lang="en-US" dirty="0" smtClean="0"/>
-              <a:t>: error</a:t>
-            </a:r>
-          </a:p>
-          <a:p>
-            <a:pPr lvl="1"/>
-            <a:endParaRPr lang="en-US" dirty="0"/>
-          </a:p>
-          <a:p>
-            <a:pPr lvl="1"/>
-            <a:r>
-              <a:rPr lang="en-US" dirty="0" smtClean="0"/>
-              <a:t>Continue until error is small</a:t>
-            </a:r>
+              <a:t>Used for different types of problems</a:t>
+            </a:r>
+          </a:p>
+        </p:txBody>
+      </p:sp>
+      <p:sp>
+        <p:nvSpPr>
+          <p:cNvPr id="5" name="TextBox 4"/>
+          <p:cNvSpPr txBox="1"/>
+          <p:nvPr/>
+        </p:nvSpPr>
+        <p:spPr>
+          <a:xfrm>
+            <a:off x="136307" y="6381328"/>
+            <a:ext cx="8468141" cy="276999"/>
+          </a:xfrm>
+          <a:prstGeom prst="rect">
+            <a:avLst/>
+          </a:prstGeom>
+          <a:noFill/>
+        </p:spPr>
+        <p:txBody>
+          <a:bodyPr wrap="square" rtlCol="0">
+            <a:spAutoFit/>
+          </a:bodyPr>
+          <a:lstStyle/>
+          <a:p>
+            <a:r>
+              <a:rPr lang="en-GB" sz="1200" dirty="0" smtClean="0"/>
+              <a:t>Useful Resource</a:t>
+            </a:r>
+            <a:r>
+              <a:rPr lang="en-GB" sz="1200" dirty="0"/>
+              <a:t>: https://towardsdatascience.com/the-mostly-complete-chart-of-neural-networks-explained-3fb6f2367464</a:t>
+            </a:r>
+            <a:endParaRPr lang="el-GR" sz="1200" dirty="0"/>
+          </a:p>
+        </p:txBody>
+      </p:sp>
+      <p:sp>
+        <p:nvSpPr>
+          <p:cNvPr id="12" name="TextBox 11"/>
+          <p:cNvSpPr txBox="1"/>
+          <p:nvPr/>
+        </p:nvSpPr>
+        <p:spPr>
+          <a:xfrm>
+            <a:off x="705787" y="2712780"/>
+            <a:ext cx="3238173" cy="430887"/>
+          </a:xfrm>
+          <a:prstGeom prst="rect">
+            <a:avLst/>
+          </a:prstGeom>
+          <a:noFill/>
+        </p:spPr>
+        <p:txBody>
+          <a:bodyPr wrap="square" rtlCol="0">
+            <a:spAutoFit/>
+          </a:bodyPr>
+          <a:lstStyle/>
+          <a:p>
+            <a:pPr algn="ctr"/>
+            <a:r>
+              <a:rPr lang="en-GB" sz="2200" dirty="0" smtClean="0"/>
+              <a:t>Multi-Layer Perceptron</a:t>
+            </a:r>
+            <a:endParaRPr lang="el-GR" sz="2200" dirty="0"/>
           </a:p>
         </p:txBody>
       </p:sp>
       <p:pic>
         <p:nvPicPr>
-          <p:cNvPr id="1026" name="Picture 2"/>
+          <p:cNvPr id="8" name="Picture 2"/>
           <p:cNvPicPr>
             <a:picLocks noChangeAspect="1" noChangeArrowheads="1"/>
           </p:cNvPicPr>
           <p:nvPr/>
         </p:nvPicPr>
         <p:blipFill rotWithShape="1">
-          <a:blip r:embed="rId3">
+          <a:blip r:embed="rId2">
             <a:extLst>
               <a:ext uri="{28A0092B-C50C-407E-A947-70E740481C1C}">
                 <a14:useLocalDpi xmlns:a14="http://schemas.microsoft.com/office/drawing/2010/main" val="0"/>
@@ -7178,8 +7226,8 @@
         </p:blipFill>
         <p:spPr bwMode="auto">
           <a:xfrm>
-            <a:off x="4223808" y="2406349"/>
-            <a:ext cx="4557433" cy="3427480"/>
+            <a:off x="768480" y="3225832"/>
+            <a:ext cx="3112788" cy="2341015"/>
           </a:xfrm>
           <a:prstGeom prst="rect">
             <a:avLst/>
@@ -7219,6 +7267,474 @@
           </a:extLst>
         </p:spPr>
       </p:pic>
+      <p:pic>
+        <p:nvPicPr>
+          <p:cNvPr id="9" name="Picture 2"/>
+          <p:cNvPicPr>
+            <a:picLocks noChangeAspect="1" noChangeArrowheads="1"/>
+          </p:cNvPicPr>
+          <p:nvPr/>
+        </p:nvPicPr>
+        <p:blipFill>
+          <a:blip r:embed="rId3">
+            <a:extLst>
+              <a:ext uri="{28A0092B-C50C-407E-A947-70E740481C1C}">
+                <a14:useLocalDpi xmlns:a14="http://schemas.microsoft.com/office/drawing/2010/main" val="0"/>
+              </a:ext>
+            </a:extLst>
+          </a:blip>
+          <a:srcRect/>
+          <a:stretch>
+            <a:fillRect/>
+          </a:stretch>
+        </p:blipFill>
+        <p:spPr bwMode="auto">
+          <a:xfrm>
+            <a:off x="4572000" y="2710459"/>
+            <a:ext cx="4027030" cy="1340175"/>
+          </a:xfrm>
+          <a:prstGeom prst="rect">
+            <a:avLst/>
+          </a:prstGeom>
+          <a:noFill/>
+          <a:ln>
+            <a:noFill/>
+          </a:ln>
+          <a:effectLst/>
+          <a:extLst>
+            <a:ext uri="{909E8E84-426E-40DD-AFC4-6F175D3DCCD1}">
+              <a14:hiddenFill xmlns:a14="http://schemas.microsoft.com/office/drawing/2010/main">
+                <a:solidFill>
+                  <a:schemeClr val="accent1"/>
+                </a:solidFill>
+              </a14:hiddenFill>
+            </a:ext>
+            <a:ext uri="{91240B29-F687-4F45-9708-019B960494DF}">
+              <a14:hiddenLine xmlns:a14="http://schemas.microsoft.com/office/drawing/2010/main" w="9525">
+                <a:solidFill>
+                  <a:schemeClr val="tx1"/>
+                </a:solidFill>
+                <a:miter lim="800000"/>
+                <a:headEnd/>
+                <a:tailEnd/>
+              </a14:hiddenLine>
+            </a:ext>
+            <a:ext uri="{AF507438-7753-43E0-B8FC-AC1667EBCBE1}">
+              <a14:hiddenEffects xmlns:a14="http://schemas.microsoft.com/office/drawing/2010/main">
+                <a:effectLst>
+                  <a:outerShdw dist="35921" dir="2700000" algn="ctr" rotWithShape="0">
+                    <a:schemeClr val="bg2"/>
+                  </a:outerShdw>
+                </a:effectLst>
+              </a14:hiddenEffects>
+            </a:ext>
+          </a:extLst>
+        </p:spPr>
+      </p:pic>
+      <p:sp>
+        <p:nvSpPr>
+          <p:cNvPr id="10" name="TextBox 9"/>
+          <p:cNvSpPr txBox="1"/>
+          <p:nvPr/>
+        </p:nvSpPr>
+        <p:spPr>
+          <a:xfrm>
+            <a:off x="4604672" y="2276872"/>
+            <a:ext cx="3961687" cy="430887"/>
+          </a:xfrm>
+          <a:prstGeom prst="rect">
+            <a:avLst/>
+          </a:prstGeom>
+          <a:noFill/>
+        </p:spPr>
+        <p:txBody>
+          <a:bodyPr wrap="square" rtlCol="0">
+            <a:spAutoFit/>
+          </a:bodyPr>
+          <a:lstStyle/>
+          <a:p>
+            <a:pPr algn="ctr"/>
+            <a:r>
+              <a:rPr lang="en-GB" sz="2200" dirty="0" smtClean="0"/>
+              <a:t>Convolutional Neural Network</a:t>
+            </a:r>
+            <a:endParaRPr lang="el-GR" sz="2200" dirty="0"/>
+          </a:p>
+        </p:txBody>
+      </p:sp>
+      <p:pic>
+        <p:nvPicPr>
+          <p:cNvPr id="13" name="Picture 2" descr="A LSTM neural network."/>
+          <p:cNvPicPr>
+            <a:picLocks noChangeAspect="1" noChangeArrowheads="1"/>
+          </p:cNvPicPr>
+          <p:nvPr/>
+        </p:nvPicPr>
+        <p:blipFill>
+          <a:blip r:embed="rId4" cstate="print">
+            <a:extLst>
+              <a:ext uri="{28A0092B-C50C-407E-A947-70E740481C1C}">
+                <a14:useLocalDpi xmlns:a14="http://schemas.microsoft.com/office/drawing/2010/main" val="0"/>
+              </a:ext>
+            </a:extLst>
+          </a:blip>
+          <a:srcRect/>
+          <a:stretch>
+            <a:fillRect/>
+          </a:stretch>
+        </p:blipFill>
+        <p:spPr bwMode="auto">
+          <a:xfrm>
+            <a:off x="4499992" y="4725144"/>
+            <a:ext cx="3787599" cy="1423105"/>
+          </a:xfrm>
+          <a:prstGeom prst="rect">
+            <a:avLst/>
+          </a:prstGeom>
+          <a:noFill/>
+          <a:extLst>
+            <a:ext uri="{909E8E84-426E-40DD-AFC4-6F175D3DCCD1}">
+              <a14:hiddenFill xmlns:a14="http://schemas.microsoft.com/office/drawing/2010/main">
+                <a:solidFill>
+                  <a:srgbClr val="FFFFFF"/>
+                </a:solidFill>
+              </a14:hiddenFill>
+            </a:ext>
+          </a:extLst>
+        </p:spPr>
+      </p:pic>
+      <p:sp>
+        <p:nvSpPr>
+          <p:cNvPr id="14" name="TextBox 13"/>
+          <p:cNvSpPr txBox="1"/>
+          <p:nvPr/>
+        </p:nvSpPr>
+        <p:spPr>
+          <a:xfrm>
+            <a:off x="4412947" y="4222249"/>
+            <a:ext cx="3961687" cy="430887"/>
+          </a:xfrm>
+          <a:prstGeom prst="rect">
+            <a:avLst/>
+          </a:prstGeom>
+          <a:noFill/>
+        </p:spPr>
+        <p:txBody>
+          <a:bodyPr wrap="square" rtlCol="0">
+            <a:spAutoFit/>
+          </a:bodyPr>
+          <a:lstStyle/>
+          <a:p>
+            <a:pPr algn="ctr"/>
+            <a:r>
+              <a:rPr lang="en-GB" sz="2200" dirty="0" smtClean="0"/>
+              <a:t>Recurrent Neural Network</a:t>
+            </a:r>
+            <a:endParaRPr lang="el-GR" sz="2200" dirty="0"/>
+          </a:p>
+        </p:txBody>
+      </p:sp>
+    </p:spTree>
+    <p:extLst>
+      <p:ext uri="{BB962C8B-B14F-4D97-AF65-F5344CB8AC3E}">
+        <p14:creationId xmlns:p14="http://schemas.microsoft.com/office/powerpoint/2010/main" val="2309894669"/>
+      </p:ext>
+    </p:extLst>
+  </p:cSld>
+  <p:clrMapOvr>
+    <a:masterClrMapping/>
+  </p:clrMapOvr>
+  <p:timing>
+    <p:tnLst>
+      <p:par>
+        <p:cTn id="1" dur="indefinite" restart="never" nodeType="tmRoot"/>
+      </p:par>
+    </p:tnLst>
+  </p:timing>
+</p:sld>
+</file>
+
+<file path=ppt/slides/slide21.xml><?xml version="1.0" encoding="utf-8"?>
+<p:sld xmlns:a="http://schemas.openxmlformats.org/drawingml/2006/main" xmlns:r="http://schemas.openxmlformats.org/officeDocument/2006/relationships" xmlns:p="http://schemas.openxmlformats.org/presentationml/2006/main">
+  <p:cSld>
+    <p:spTree>
+      <p:nvGrpSpPr>
+        <p:cNvPr id="1" name=""/>
+        <p:cNvGrpSpPr/>
+        <p:nvPr/>
+      </p:nvGrpSpPr>
+      <p:grpSpPr>
+        <a:xfrm>
+          <a:off x="0" y="0"/>
+          <a:ext cx="0" cy="0"/>
+          <a:chOff x="0" y="0"/>
+          <a:chExt cx="0" cy="0"/>
+        </a:xfrm>
+      </p:grpSpPr>
+      <p:sp>
+        <p:nvSpPr>
+          <p:cNvPr id="2" name="Τίτλος 1"/>
+          <p:cNvSpPr>
+            <a:spLocks noGrp="1"/>
+          </p:cNvSpPr>
+          <p:nvPr>
+            <p:ph type="title"/>
+          </p:nvPr>
+        </p:nvSpPr>
+        <p:spPr/>
+        <p:txBody>
+          <a:bodyPr/>
+          <a:lstStyle/>
+          <a:p>
+            <a:r>
+              <a:rPr lang="en-US" dirty="0" smtClean="0"/>
+              <a:t>Multi-Layer Perceptron</a:t>
+            </a:r>
+            <a:endParaRPr lang="el-GR" dirty="0"/>
+          </a:p>
+        </p:txBody>
+      </p:sp>
+    </p:spTree>
+    <p:extLst>
+      <p:ext uri="{BB962C8B-B14F-4D97-AF65-F5344CB8AC3E}">
+        <p14:creationId xmlns:p14="http://schemas.microsoft.com/office/powerpoint/2010/main" val="1006669590"/>
+      </p:ext>
+    </p:extLst>
+  </p:cSld>
+  <p:clrMapOvr>
+    <a:masterClrMapping/>
+  </p:clrMapOvr>
+</p:sld>
+</file>
+
+<file path=ppt/slides/slide22.xml><?xml version="1.0" encoding="utf-8"?>
+<p:sld xmlns:a="http://schemas.openxmlformats.org/drawingml/2006/main" xmlns:r="http://schemas.openxmlformats.org/officeDocument/2006/relationships" xmlns:p="http://schemas.openxmlformats.org/presentationml/2006/main">
+  <p:cSld>
+    <p:spTree>
+      <p:nvGrpSpPr>
+        <p:cNvPr id="1" name=""/>
+        <p:cNvGrpSpPr/>
+        <p:nvPr/>
+      </p:nvGrpSpPr>
+      <p:grpSpPr>
+        <a:xfrm>
+          <a:off x="0" y="0"/>
+          <a:ext cx="0" cy="0"/>
+          <a:chOff x="0" y="0"/>
+          <a:chExt cx="0" cy="0"/>
+        </a:xfrm>
+      </p:grpSpPr>
+      <p:sp>
+        <p:nvSpPr>
+          <p:cNvPr id="2" name="Τίτλος 1"/>
+          <p:cNvSpPr>
+            <a:spLocks noGrp="1"/>
+          </p:cNvSpPr>
+          <p:nvPr>
+            <p:ph type="title"/>
+          </p:nvPr>
+        </p:nvSpPr>
+        <p:spPr/>
+        <p:txBody>
+          <a:bodyPr/>
+          <a:lstStyle/>
+          <a:p>
+            <a:r>
+              <a:rPr lang="en-US" dirty="0" smtClean="0"/>
+              <a:t>Training a Multi-Layer Perceptron</a:t>
+            </a:r>
+            <a:endParaRPr lang="el-GR" dirty="0"/>
+          </a:p>
+        </p:txBody>
+      </p:sp>
+      <p:sp>
+        <p:nvSpPr>
+          <p:cNvPr id="3" name="Θέση περιεχομένου 2"/>
+          <p:cNvSpPr>
+            <a:spLocks noGrp="1"/>
+          </p:cNvSpPr>
+          <p:nvPr>
+            <p:ph idx="1"/>
+          </p:nvPr>
+        </p:nvSpPr>
+        <p:spPr/>
+        <p:txBody>
+          <a:bodyPr/>
+          <a:lstStyle/>
+          <a:p>
+            <a:r>
+              <a:rPr lang="en-US" dirty="0" smtClean="0"/>
+              <a:t>Gradient Descent</a:t>
+            </a:r>
+          </a:p>
+          <a:p>
+            <a:pPr lvl="1"/>
+            <a:r>
+              <a:rPr lang="en-US" dirty="0" smtClean="0"/>
+              <a:t>Start with some initial</a:t>
+            </a:r>
+          </a:p>
+          <a:p>
+            <a:pPr marL="274320" lvl="1" indent="0">
+              <a:buNone/>
+              <a:tabLst>
+                <a:tab pos="447675" algn="l"/>
+              </a:tabLst>
+            </a:pPr>
+            <a:r>
+              <a:rPr lang="en-US" dirty="0" smtClean="0"/>
+              <a:t>	parameters </a:t>
+            </a:r>
+            <a:r>
+              <a:rPr lang="el-GR" dirty="0" smtClean="0"/>
+              <a:t>θ</a:t>
+            </a:r>
+            <a:endParaRPr lang="en-US" dirty="0" smtClean="0"/>
+          </a:p>
+          <a:p>
+            <a:pPr marL="274320" lvl="1" indent="0">
+              <a:buNone/>
+              <a:tabLst>
+                <a:tab pos="447675" algn="l"/>
+              </a:tabLst>
+            </a:pPr>
+            <a:endParaRPr lang="en-US" dirty="0" smtClean="0"/>
+          </a:p>
+          <a:p>
+            <a:pPr lvl="1"/>
+            <a:r>
+              <a:rPr lang="en-US" dirty="0" smtClean="0"/>
+              <a:t>Update them using:</a:t>
+            </a:r>
+          </a:p>
+          <a:p>
+            <a:endParaRPr lang="en-US" dirty="0"/>
+          </a:p>
+          <a:p>
+            <a:pPr marL="274320" lvl="1" indent="0">
+              <a:buNone/>
+              <a:tabLst>
+                <a:tab pos="449263" algn="l"/>
+              </a:tabLst>
+            </a:pPr>
+            <a:r>
+              <a:rPr lang="en-US" dirty="0" smtClean="0"/>
+              <a:t>	</a:t>
+            </a:r>
+            <a:r>
+              <a:rPr lang="en-US" dirty="0"/>
+              <a:t>where</a:t>
+            </a:r>
+            <a:r>
+              <a:rPr lang="en-US" dirty="0" smtClean="0"/>
+              <a:t>:</a:t>
+            </a:r>
+          </a:p>
+          <a:p>
+            <a:pPr lvl="2"/>
+            <a:r>
+              <a:rPr lang="el-GR" i="1" dirty="0" smtClean="0"/>
+              <a:t>η</a:t>
+            </a:r>
+            <a:r>
+              <a:rPr lang="en-US" dirty="0" smtClean="0"/>
+              <a:t>: learning rate</a:t>
+            </a:r>
+          </a:p>
+          <a:p>
+            <a:pPr lvl="2"/>
+            <a:r>
+              <a:rPr lang="en-US" i="1" dirty="0" smtClean="0"/>
+              <a:t>E(x, </a:t>
+            </a:r>
+            <a:r>
+              <a:rPr lang="el-GR" i="1" dirty="0" smtClean="0"/>
+              <a:t>θ, </a:t>
+            </a:r>
+            <a:r>
+              <a:rPr lang="en-US" i="1" dirty="0" smtClean="0"/>
+              <a:t>y)</a:t>
+            </a:r>
+            <a:r>
+              <a:rPr lang="en-US" dirty="0" smtClean="0"/>
+              <a:t>: error</a:t>
+            </a:r>
+          </a:p>
+          <a:p>
+            <a:pPr lvl="1"/>
+            <a:endParaRPr lang="en-US" dirty="0"/>
+          </a:p>
+          <a:p>
+            <a:pPr lvl="1"/>
+            <a:r>
+              <a:rPr lang="en-US" dirty="0" smtClean="0"/>
+              <a:t>Continue until error is small</a:t>
+            </a:r>
+          </a:p>
+        </p:txBody>
+      </p:sp>
+      <p:pic>
+        <p:nvPicPr>
+          <p:cNvPr id="1026" name="Picture 2"/>
+          <p:cNvPicPr>
+            <a:picLocks noChangeAspect="1" noChangeArrowheads="1"/>
+          </p:cNvPicPr>
+          <p:nvPr/>
+        </p:nvPicPr>
+        <p:blipFill rotWithShape="1">
+          <a:blip r:embed="rId3">
+            <a:extLst>
+              <a:ext uri="{28A0092B-C50C-407E-A947-70E740481C1C}">
+                <a14:useLocalDpi xmlns:a14="http://schemas.microsoft.com/office/drawing/2010/main" val="0"/>
+              </a:ext>
+            </a:extLst>
+          </a:blip>
+          <a:srcRect l="18319" t="17801" r="13880"/>
+          <a:stretch/>
+        </p:blipFill>
+        <p:spPr bwMode="auto">
+          <a:xfrm>
+            <a:off x="4223808" y="2406349"/>
+            <a:ext cx="4557433" cy="3427480"/>
+          </a:xfrm>
+          <a:prstGeom prst="rect">
+            <a:avLst/>
+          </a:prstGeom>
+          <a:noFill/>
+          <a:ln>
+            <a:noFill/>
+          </a:ln>
+          <a:effectLst/>
+          <a:extLst>
+            <a:ext uri="{909E8E84-426E-40DD-AFC4-6F175D3DCCD1}">
+              <a14:hiddenFill xmlns:a14="http://schemas.microsoft.com/office/drawing/2010/main">
+                <a:solidFill>
+                  <a:schemeClr val="accent1"/>
+                </a:solidFill>
+              </a14:hiddenFill>
+            </a:ext>
+            <a:ext uri="{91240B29-F687-4F45-9708-019B960494DF}">
+              <a14:hiddenLine xmlns:a14="http://schemas.microsoft.com/office/drawing/2010/main" w="9525">
+                <a:solidFill>
+                  <a:schemeClr val="tx1"/>
+                </a:solidFill>
+                <a:miter lim="800000"/>
+                <a:headEnd/>
+                <a:tailEnd/>
+              </a14:hiddenLine>
+            </a:ext>
+            <a:ext uri="{AF507438-7753-43E0-B8FC-AC1667EBCBE1}">
+              <a14:hiddenEffects xmlns:a14="http://schemas.microsoft.com/office/drawing/2010/main">
+                <a:effectLst>
+                  <a:outerShdw dist="35921" dir="2700000" algn="ctr" rotWithShape="0">
+                    <a:schemeClr val="bg2"/>
+                  </a:outerShdw>
+                </a:effectLst>
+              </a14:hiddenEffects>
+            </a:ext>
+          </a:extLst>
+        </p:spPr>
+      </p:pic>
       <p:sp>
         <p:nvSpPr>
           <p:cNvPr id="12" name="TextBox 11"/>
@@ -7334,7 +7850,7 @@
           <a:graphicData uri="http://schemas.openxmlformats.org/presentationml/2006/ole">
             <mc:AlternateContent xmlns:mc="http://schemas.openxmlformats.org/markup-compatibility/2006">
               <mc:Choice xmlns:v="urn:schemas-microsoft-com:vml" Requires="v">
-                <p:oleObj spid="_x0000_s2183" name="Equation" r:id="rId4" imgW="1384200" imgH="228600" progId="Equation.DSMT4">
+                <p:oleObj spid="_x0000_s2194" name="Equation" r:id="rId4" imgW="1384200" imgH="228600" progId="Equation.DSMT4">
                   <p:embed/>
                 </p:oleObj>
               </mc:Choice>
@@ -7389,7 +7905,7 @@
 </p:sld>
 </file>
 
-<file path=ppt/slides/slide22.xml><?xml version="1.0" encoding="utf-8"?>
+<file path=ppt/slides/slide23.xml><?xml version="1.0" encoding="utf-8"?>
 <p:sld xmlns:a="http://schemas.openxmlformats.org/drawingml/2006/main" xmlns:r="http://schemas.openxmlformats.org/officeDocument/2006/relationships" xmlns:p="http://schemas.openxmlformats.org/presentationml/2006/main">
   <p:cSld>
     <p:spTree>
@@ -7664,7 +8180,7 @@
           <a:graphicData uri="http://schemas.openxmlformats.org/presentationml/2006/ole">
             <mc:AlternateContent xmlns:mc="http://schemas.openxmlformats.org/markup-compatibility/2006">
               <mc:Choice xmlns:v="urn:schemas-microsoft-com:vml" Requires="v">
-                <p:oleObj spid="_x0000_s3332" name="Equation" r:id="rId4" imgW="1384200" imgH="228600" progId="Equation.DSMT4">
+                <p:oleObj spid="_x0000_s3354" name="Equation" r:id="rId4" imgW="1384200" imgH="228600" progId="Equation.DSMT4">
                   <p:embed/>
                 </p:oleObj>
               </mc:Choice>
@@ -7721,7 +8237,7 @@
           <a:graphicData uri="http://schemas.openxmlformats.org/presentationml/2006/ole">
             <mc:AlternateContent xmlns:mc="http://schemas.openxmlformats.org/markup-compatibility/2006">
               <mc:Choice xmlns:v="urn:schemas-microsoft-com:vml" Requires="v">
-                <p:oleObj spid="_x0000_s3333" name="Equation" r:id="rId6" imgW="711000" imgH="228600" progId="Equation.DSMT4">
+                <p:oleObj spid="_x0000_s3355" name="Equation" r:id="rId6" imgW="711000" imgH="228600" progId="Equation.DSMT4">
                   <p:embed/>
                 </p:oleObj>
               </mc:Choice>
@@ -7802,7 +8318,7 @@
 </p:sld>
 </file>
 
-<file path=ppt/slides/slide23.xml><?xml version="1.0" encoding="utf-8"?>
+<file path=ppt/slides/slide24.xml><?xml version="1.0" encoding="utf-8"?>
 <p:sld xmlns:a="http://schemas.openxmlformats.org/drawingml/2006/main" xmlns:r="http://schemas.openxmlformats.org/officeDocument/2006/relationships" xmlns:p="http://schemas.openxmlformats.org/presentationml/2006/main">
   <p:cSld>
     <p:spTree>
@@ -8236,66 +8752,6 @@
     <p:extLst>
       <p:ext uri="{BB962C8B-B14F-4D97-AF65-F5344CB8AC3E}">
         <p14:creationId xmlns:p14="http://schemas.microsoft.com/office/powerpoint/2010/main" val="1860330891"/>
-      </p:ext>
-    </p:extLst>
-  </p:cSld>
-  <p:clrMapOvr>
-    <a:masterClrMapping/>
-  </p:clrMapOvr>
-  <p:timing>
-    <p:tnLst>
-      <p:par>
-        <p:cTn id="1" dur="indefinite" restart="never" nodeType="tmRoot"/>
-      </p:par>
-    </p:tnLst>
-  </p:timing>
-</p:sld>
-</file>
-
-<file path=ppt/slides/slide24.xml><?xml version="1.0" encoding="utf-8"?>
-<p:sld xmlns:a="http://schemas.openxmlformats.org/drawingml/2006/main" xmlns:r="http://schemas.openxmlformats.org/officeDocument/2006/relationships" xmlns:p="http://schemas.openxmlformats.org/presentationml/2006/main">
-  <p:cSld>
-    <p:spTree>
-      <p:nvGrpSpPr>
-        <p:cNvPr id="1" name=""/>
-        <p:cNvGrpSpPr/>
-        <p:nvPr/>
-      </p:nvGrpSpPr>
-      <p:grpSpPr>
-        <a:xfrm>
-          <a:off x="0" y="0"/>
-          <a:ext cx="0" cy="0"/>
-          <a:chOff x="0" y="0"/>
-          <a:chExt cx="0" cy="0"/>
-        </a:xfrm>
-      </p:grpSpPr>
-      <p:sp>
-        <p:nvSpPr>
-          <p:cNvPr id="2" name="Τίτλος 1"/>
-          <p:cNvSpPr>
-            <a:spLocks noGrp="1"/>
-          </p:cNvSpPr>
-          <p:nvPr>
-            <p:ph type="title"/>
-          </p:nvPr>
-        </p:nvSpPr>
-        <p:spPr/>
-        <p:txBody>
-          <a:bodyPr/>
-          <a:lstStyle/>
-          <a:p>
-            <a:r>
-              <a:rPr lang="en-US" dirty="0" smtClean="0"/>
-              <a:t>Introduction TO DEEP LEARNING</a:t>
-            </a:r>
-            <a:endParaRPr lang="el-GR" dirty="0"/>
-          </a:p>
-        </p:txBody>
-      </p:sp>
-    </p:spTree>
-    <p:extLst>
-      <p:ext uri="{BB962C8B-B14F-4D97-AF65-F5344CB8AC3E}">
-        <p14:creationId xmlns:p14="http://schemas.microsoft.com/office/powerpoint/2010/main" val="2699190485"/>
       </p:ext>
     </p:extLst>
   </p:cSld>
@@ -8346,16 +8802,9 @@
           <a:p>
             <a:r>
               <a:rPr lang="en-US" dirty="0"/>
-              <a:t>What is </a:t>
-            </a:r>
-            <a:r>
-              <a:rPr lang="en-US" dirty="0" smtClean="0"/>
-              <a:t>Deep </a:t>
-            </a:r>
-            <a:r>
-              <a:rPr lang="en-US" dirty="0"/>
-              <a:t>Learning?</a:t>
-            </a:r>
+              <a:t>Gradient Descent Optimizers</a:t>
+            </a:r>
+            <a:endParaRPr lang="el-GR" dirty="0"/>
           </a:p>
         </p:txBody>
       </p:sp>
@@ -8369,86 +8818,193 @@
             <p:ph idx="1"/>
           </p:nvPr>
         </p:nvSpPr>
-        <p:spPr/>
-        <p:txBody>
-          <a:bodyPr/>
-          <a:lstStyle/>
-          <a:p>
+        <p:spPr>
+          <a:xfrm>
+            <a:off x="457200" y="1600200"/>
+            <a:ext cx="3322712" cy="4876800"/>
+          </a:xfrm>
+        </p:spPr>
+        <p:txBody>
+          <a:bodyPr>
+            <a:normAutofit/>
+          </a:bodyPr>
+          <a:lstStyle/>
+          <a:p>
+            <a:r>
+              <a:rPr lang="en-US" dirty="0" err="1" smtClean="0"/>
+              <a:t>RMSprop</a:t>
+            </a:r>
             <a:r>
               <a:rPr lang="en-US" dirty="0" smtClean="0"/>
-              <a:t>Subfield of Machine Learning</a:t>
-            </a:r>
-            <a:endParaRPr lang="en-US" dirty="0"/>
-          </a:p>
-          <a:p>
+              <a:t>, </a:t>
+            </a:r>
+            <a:r>
+              <a:rPr lang="en-US" dirty="0" err="1" smtClean="0"/>
+              <a:t>Adadelta</a:t>
+            </a:r>
+            <a:endParaRPr lang="en-US" dirty="0" smtClean="0"/>
+          </a:p>
+          <a:p>
+            <a:pPr lvl="1"/>
             <a:r>
               <a:rPr lang="en-US" dirty="0" smtClean="0"/>
-              <a:t>Practical definition:</a:t>
-            </a:r>
-            <a:endParaRPr lang="en-US" dirty="0"/>
-          </a:p>
-          <a:p>
-            <a:endParaRPr lang="en-US" dirty="0"/>
-          </a:p>
-          <a:p>
-            <a:endParaRPr lang="el-GR" dirty="0"/>
-          </a:p>
-        </p:txBody>
-      </p:sp>
-      <p:sp>
-        <p:nvSpPr>
-          <p:cNvPr id="4" name="Στρογγυλεμένο ορθογώνιο 3"/>
-          <p:cNvSpPr/>
+              <a:t>Better later convergence</a:t>
+            </a:r>
+          </a:p>
+          <a:p>
+            <a:r>
+              <a:rPr lang="en-US" dirty="0" err="1" smtClean="0"/>
+              <a:t>Adagrad</a:t>
+            </a:r>
+            <a:endParaRPr lang="en-US" dirty="0" smtClean="0"/>
+          </a:p>
+          <a:p>
+            <a:pPr lvl="1"/>
+            <a:r>
+              <a:rPr lang="en-US" dirty="0" smtClean="0"/>
+              <a:t>Early optimization speed</a:t>
+            </a:r>
+          </a:p>
+          <a:p>
+            <a:r>
+              <a:rPr lang="en-US" dirty="0" smtClean="0"/>
+              <a:t>Adam</a:t>
+            </a:r>
+          </a:p>
+          <a:p>
+            <a:pPr lvl="1"/>
+            <a:r>
+              <a:rPr lang="en-US" dirty="0" smtClean="0"/>
+              <a:t>Combines the advantages of the above</a:t>
+            </a:r>
+          </a:p>
+          <a:p>
+            <a:pPr lvl="1"/>
+            <a:endParaRPr lang="en-US" dirty="0" smtClean="0"/>
+          </a:p>
+        </p:txBody>
+      </p:sp>
+      <p:pic>
+        <p:nvPicPr>
+          <p:cNvPr id="6146" name="Picture 2"/>
+          <p:cNvPicPr>
+            <a:picLocks noChangeAspect="1" noChangeArrowheads="1"/>
+          </p:cNvPicPr>
           <p:nvPr/>
+        </p:nvPicPr>
+        <p:blipFill>
+          <a:blip r:embed="rId2">
+            <a:clrChange>
+              <a:clrFrom>
+                <a:srgbClr val="FFFFFF"/>
+              </a:clrFrom>
+              <a:clrTo>
+                <a:srgbClr val="FFFFFF">
+                  <a:alpha val="0"/>
+                </a:srgbClr>
+              </a:clrTo>
+            </a:clrChange>
+            <a:extLst>
+              <a:ext uri="{BEBA8EAE-BF5A-486C-A8C5-ECC9F3942E4B}">
+                <a14:imgProps xmlns:a14="http://schemas.microsoft.com/office/drawing/2010/main">
+                  <a14:imgLayer r:embed="rId3">
+                    <a14:imgEffect>
+                      <a14:sharpenSoften amount="25000"/>
+                    </a14:imgEffect>
+                  </a14:imgLayer>
+                </a14:imgProps>
+              </a:ext>
+              <a:ext uri="{28A0092B-C50C-407E-A947-70E740481C1C}">
+                <a14:useLocalDpi xmlns:a14="http://schemas.microsoft.com/office/drawing/2010/main" val="0"/>
+              </a:ext>
+            </a:extLst>
+          </a:blip>
+          <a:srcRect/>
+          <a:stretch>
+            <a:fillRect/>
+          </a:stretch>
+        </p:blipFill>
+        <p:spPr bwMode="auto">
+          <a:xfrm>
+            <a:off x="3275856" y="1844824"/>
+            <a:ext cx="5723659" cy="4520046"/>
+          </a:xfrm>
+          <a:prstGeom prst="rect">
+            <a:avLst/>
+          </a:prstGeom>
+          <a:noFill/>
+          <a:ln>
+            <a:noFill/>
+          </a:ln>
+          <a:effectLst/>
+          <a:extLst>
+            <a:ext uri="{909E8E84-426E-40DD-AFC4-6F175D3DCCD1}">
+              <a14:hiddenFill xmlns:a14="http://schemas.microsoft.com/office/drawing/2010/main">
+                <a:solidFill>
+                  <a:schemeClr val="accent1"/>
+                </a:solidFill>
+              </a14:hiddenFill>
+            </a:ext>
+            <a:ext uri="{91240B29-F687-4F45-9708-019B960494DF}">
+              <a14:hiddenLine xmlns:a14="http://schemas.microsoft.com/office/drawing/2010/main" w="9525">
+                <a:solidFill>
+                  <a:schemeClr val="tx1"/>
+                </a:solidFill>
+                <a:miter lim="800000"/>
+                <a:headEnd/>
+                <a:tailEnd/>
+              </a14:hiddenLine>
+            </a:ext>
+            <a:ext uri="{AF507438-7753-43E0-B8FC-AC1667EBCBE1}">
+              <a14:hiddenEffects xmlns:a14="http://schemas.microsoft.com/office/drawing/2010/main">
+                <a:effectLst>
+                  <a:outerShdw dist="35921" dir="2700000" algn="ctr" rotWithShape="0">
+                    <a:schemeClr val="bg2"/>
+                  </a:outerShdw>
+                </a:effectLst>
+              </a14:hiddenEffects>
+            </a:ext>
+          </a:extLst>
+        </p:spPr>
+      </p:pic>
+      <p:sp>
+        <p:nvSpPr>
+          <p:cNvPr id="11" name="TextBox 10"/>
+          <p:cNvSpPr txBox="1"/>
+          <p:nvPr/>
         </p:nvSpPr>
         <p:spPr>
           <a:xfrm>
-            <a:off x="1079612" y="3334378"/>
-            <a:ext cx="7128792" cy="1606790"/>
-          </a:xfrm>
-          <a:prstGeom prst="roundRect">
+            <a:off x="136307" y="6381328"/>
+            <a:ext cx="8612157" cy="276999"/>
+          </a:xfrm>
+          <a:prstGeom prst="rect">
             <a:avLst/>
           </a:prstGeom>
-        </p:spPr>
-        <p:style>
-          <a:lnRef idx="0">
-            <a:schemeClr val="accent1"/>
-          </a:lnRef>
-          <a:fillRef idx="3">
-            <a:schemeClr val="accent1"/>
-          </a:fillRef>
-          <a:effectRef idx="3">
-            <a:schemeClr val="accent1"/>
-          </a:effectRef>
-          <a:fontRef idx="minor">
-            <a:schemeClr val="lt1"/>
-          </a:fontRef>
-        </p:style>
-        <p:txBody>
-          <a:bodyPr rtlCol="0" anchor="ctr"/>
-          <a:lstStyle/>
-          <a:p>
-            <a:pPr algn="ctr"/>
-            <a:r>
-              <a:rPr lang="en-US" sz="2800" dirty="0" smtClean="0"/>
-              <a:t>Imitates </a:t>
-            </a:r>
-            <a:r>
-              <a:rPr lang="en-US" sz="2800" dirty="0"/>
-              <a:t>the workings of the human brain in processing data and creating patterns for use in decision </a:t>
-            </a:r>
-            <a:r>
-              <a:rPr lang="en-US" sz="2800" dirty="0" smtClean="0"/>
-              <a:t>making</a:t>
-            </a:r>
-            <a:endParaRPr lang="en-US" sz="2800" dirty="0"/>
+          <a:noFill/>
+        </p:spPr>
+        <p:txBody>
+          <a:bodyPr wrap="square" rtlCol="0">
+            <a:spAutoFit/>
+          </a:bodyPr>
+          <a:lstStyle/>
+          <a:p>
+            <a:r>
+              <a:rPr lang="en-GB" sz="1200" dirty="0" smtClean="0"/>
+              <a:t>Source: </a:t>
+            </a:r>
+            <a:r>
+              <a:rPr lang="en-GB" sz="1200" dirty="0"/>
+              <a:t>https://www.slideshare.net/indicods/general-sequence-learning-with-recurrent-neural-networks-for-next-ml</a:t>
+            </a:r>
+            <a:endParaRPr lang="el-GR" sz="1200" dirty="0"/>
           </a:p>
         </p:txBody>
       </p:sp>
     </p:spTree>
     <p:extLst>
       <p:ext uri="{BB962C8B-B14F-4D97-AF65-F5344CB8AC3E}">
-        <p14:creationId xmlns:p14="http://schemas.microsoft.com/office/powerpoint/2010/main" val="1649415307"/>
+        <p14:creationId xmlns:p14="http://schemas.microsoft.com/office/powerpoint/2010/main" val="1659954998"/>
       </p:ext>
     </p:extLst>
   </p:cSld>
@@ -8499,107 +9055,16 @@
           <a:p>
             <a:r>
               <a:rPr lang="en-US" dirty="0" smtClean="0"/>
-              <a:t>What are Deep Neural Networks?</a:t>
-            </a:r>
-            <a:endParaRPr lang="en-US" dirty="0"/>
-          </a:p>
-        </p:txBody>
-      </p:sp>
-      <p:sp>
-        <p:nvSpPr>
-          <p:cNvPr id="3" name="Θέση περιεχομένου 2"/>
-          <p:cNvSpPr>
-            <a:spLocks noGrp="1"/>
-          </p:cNvSpPr>
-          <p:nvPr>
-            <p:ph idx="1"/>
-          </p:nvPr>
-        </p:nvSpPr>
-        <p:spPr/>
-        <p:txBody>
-          <a:bodyPr/>
-          <a:lstStyle/>
-          <a:p>
-            <a:r>
-              <a:rPr lang="en-US" dirty="0" smtClean="0"/>
-              <a:t>Simple answer:</a:t>
-            </a:r>
-          </a:p>
-          <a:p>
-            <a:pPr marL="0" indent="0" algn="ctr">
-              <a:buNone/>
-            </a:pPr>
-            <a:r>
-              <a:rPr lang="en-US" dirty="0" smtClean="0"/>
-              <a:t>Neural Networks with many layers</a:t>
-            </a:r>
-            <a:endParaRPr lang="en-US" dirty="0"/>
-          </a:p>
-          <a:p>
-            <a:endParaRPr lang="en-US" dirty="0" smtClean="0"/>
-          </a:p>
-          <a:p>
-            <a:r>
-              <a:rPr lang="en-US" dirty="0" smtClean="0"/>
-              <a:t>Practical answer:</a:t>
-            </a:r>
-          </a:p>
-          <a:p>
-            <a:pPr marL="0" indent="0" algn="ctr">
-              <a:buNone/>
-            </a:pPr>
-            <a:r>
-              <a:rPr lang="en-US" dirty="0" smtClean="0"/>
-              <a:t>Neural Networks with more than one hidden layer</a:t>
-            </a:r>
-          </a:p>
-          <a:p>
-            <a:endParaRPr lang="en-US" dirty="0"/>
-          </a:p>
-          <a:p>
-            <a:r>
-              <a:rPr lang="en-US" dirty="0" smtClean="0"/>
-              <a:t>Elaborate answer:</a:t>
-            </a:r>
-            <a:endParaRPr lang="en-US" dirty="0"/>
-          </a:p>
-          <a:p>
-            <a:pPr marL="0" indent="0" algn="ctr">
-              <a:buNone/>
-            </a:pPr>
-            <a:r>
-              <a:rPr lang="en-US" dirty="0" smtClean="0"/>
-              <a:t>Neural Networks that train on a distinct set of</a:t>
-            </a:r>
-          </a:p>
-          <a:p>
-            <a:pPr marL="0" indent="0" algn="ctr">
-              <a:buNone/>
-            </a:pPr>
-            <a:r>
-              <a:rPr lang="en-US" dirty="0" smtClean="0"/>
-              <a:t>features in each layer </a:t>
-            </a:r>
-            <a:r>
-              <a:rPr lang="en-US" dirty="0">
-                <a:sym typeface="Wingdings" pitchFamily="2" charset="2"/>
-              </a:rPr>
-              <a:t> </a:t>
-            </a:r>
-            <a:r>
-              <a:rPr lang="en-US" dirty="0" smtClean="0">
-                <a:sym typeface="Wingdings" pitchFamily="2" charset="2"/>
-              </a:rPr>
-              <a:t>Feature Hierarchy</a:t>
-            </a:r>
-            <a:endParaRPr lang="en-US" dirty="0" smtClean="0"/>
+              <a:t>Introduction TO DEEP LEARNING</a:t>
+            </a:r>
+            <a:endParaRPr lang="el-GR" dirty="0"/>
           </a:p>
         </p:txBody>
       </p:sp>
     </p:spTree>
     <p:extLst>
       <p:ext uri="{BB962C8B-B14F-4D97-AF65-F5344CB8AC3E}">
-        <p14:creationId xmlns:p14="http://schemas.microsoft.com/office/powerpoint/2010/main" val="791048956"/>
+        <p14:creationId xmlns:p14="http://schemas.microsoft.com/office/powerpoint/2010/main" val="2699190485"/>
       </p:ext>
     </p:extLst>
   </p:cSld>
@@ -8649,92 +9114,110 @@
           <a:lstStyle/>
           <a:p>
             <a:r>
+              <a:rPr lang="en-US" dirty="0"/>
+              <a:t>What is </a:t>
+            </a:r>
+            <a:r>
               <a:rPr lang="en-US" dirty="0" smtClean="0"/>
-              <a:t>Feature Hierarchy</a:t>
+              <a:t>Deep </a:t>
+            </a:r>
+            <a:r>
+              <a:rPr lang="en-US" dirty="0"/>
+              <a:t>Learning?</a:t>
+            </a:r>
+          </a:p>
+        </p:txBody>
+      </p:sp>
+      <p:sp>
+        <p:nvSpPr>
+          <p:cNvPr id="3" name="Θέση περιεχομένου 2"/>
+          <p:cNvSpPr>
+            <a:spLocks noGrp="1"/>
+          </p:cNvSpPr>
+          <p:nvPr>
+            <p:ph idx="1"/>
+          </p:nvPr>
+        </p:nvSpPr>
+        <p:spPr/>
+        <p:txBody>
+          <a:bodyPr/>
+          <a:lstStyle/>
+          <a:p>
+            <a:r>
+              <a:rPr lang="en-US" dirty="0" smtClean="0"/>
+              <a:t>Subfield of Machine Learning</a:t>
             </a:r>
             <a:endParaRPr lang="en-US" dirty="0"/>
           </a:p>
-        </p:txBody>
-      </p:sp>
-      <p:sp>
-        <p:nvSpPr>
-          <p:cNvPr id="4" name="TextBox 3"/>
-          <p:cNvSpPr txBox="1"/>
+          <a:p>
+            <a:r>
+              <a:rPr lang="en-US" dirty="0" smtClean="0"/>
+              <a:t>Practical definition:</a:t>
+            </a:r>
+            <a:endParaRPr lang="en-US" dirty="0"/>
+          </a:p>
+          <a:p>
+            <a:endParaRPr lang="en-US" dirty="0"/>
+          </a:p>
+          <a:p>
+            <a:endParaRPr lang="el-GR" dirty="0"/>
+          </a:p>
+        </p:txBody>
+      </p:sp>
+      <p:sp>
+        <p:nvSpPr>
+          <p:cNvPr id="4" name="Στρογγυλεμένο ορθογώνιο 3"/>
+          <p:cNvSpPr/>
           <p:nvPr/>
         </p:nvSpPr>
         <p:spPr>
           <a:xfrm>
-            <a:off x="136307" y="6381328"/>
-            <a:ext cx="6811957" cy="276999"/>
-          </a:xfrm>
-          <a:prstGeom prst="rect">
+            <a:off x="1079612" y="3334378"/>
+            <a:ext cx="7128792" cy="1606790"/>
+          </a:xfrm>
+          <a:prstGeom prst="roundRect">
             <a:avLst/>
           </a:prstGeom>
-          <a:noFill/>
-        </p:spPr>
-        <p:txBody>
-          <a:bodyPr wrap="square" rtlCol="0">
-            <a:spAutoFit/>
-          </a:bodyPr>
-          <a:lstStyle/>
-          <a:p>
-            <a:r>
-              <a:rPr lang="en-GB" sz="1200" dirty="0" smtClean="0"/>
-              <a:t>Source: </a:t>
-            </a:r>
-            <a:r>
-              <a:rPr lang="en-GB" sz="1200" dirty="0"/>
-              <a:t>https://www.strong.io/blog/deep-neural-networks-go-to-the-movies</a:t>
-            </a:r>
-            <a:endParaRPr lang="el-GR" sz="1200" dirty="0"/>
-          </a:p>
-        </p:txBody>
-      </p:sp>
-      <p:pic>
-        <p:nvPicPr>
-          <p:cNvPr id="4098" name="Picture 2" descr="https://www.strong.io/blog-images/movie-posters/Slide6.png"/>
-          <p:cNvPicPr>
-            <a:picLocks noChangeAspect="1" noChangeArrowheads="1"/>
-          </p:cNvPicPr>
-          <p:nvPr/>
-        </p:nvPicPr>
-        <p:blipFill>
-          <a:blip r:embed="rId2">
-            <a:extLst>
-              <a:ext uri="{28A0092B-C50C-407E-A947-70E740481C1C}">
-                <a14:useLocalDpi xmlns:a14="http://schemas.microsoft.com/office/drawing/2010/main" val="0"/>
-              </a:ext>
-            </a:extLst>
-          </a:blip>
-          <a:srcRect/>
-          <a:stretch>
-            <a:fillRect/>
-          </a:stretch>
-        </p:blipFill>
-        <p:spPr bwMode="auto">
-          <a:xfrm>
-            <a:off x="479805" y="1700807"/>
-            <a:ext cx="8277225" cy="4257675"/>
-          </a:xfrm>
-          <a:prstGeom prst="rect">
-            <a:avLst/>
-          </a:prstGeom>
-          <a:noFill/>
-          <a:extLst>
-            <a:ext uri="{909E8E84-426E-40DD-AFC4-6F175D3DCCD1}">
-              <a14:hiddenFill xmlns:a14="http://schemas.microsoft.com/office/drawing/2010/main">
-                <a:solidFill>
-                  <a:srgbClr val="FFFFFF"/>
-                </a:solidFill>
-              </a14:hiddenFill>
-            </a:ext>
-          </a:extLst>
-        </p:spPr>
-      </p:pic>
+        </p:spPr>
+        <p:style>
+          <a:lnRef idx="0">
+            <a:schemeClr val="accent1"/>
+          </a:lnRef>
+          <a:fillRef idx="3">
+            <a:schemeClr val="accent1"/>
+          </a:fillRef>
+          <a:effectRef idx="3">
+            <a:schemeClr val="accent1"/>
+          </a:effectRef>
+          <a:fontRef idx="minor">
+            <a:schemeClr val="lt1"/>
+          </a:fontRef>
+        </p:style>
+        <p:txBody>
+          <a:bodyPr rtlCol="0" anchor="ctr"/>
+          <a:lstStyle/>
+          <a:p>
+            <a:pPr algn="ctr"/>
+            <a:r>
+              <a:rPr lang="en-US" sz="2800" dirty="0" smtClean="0"/>
+              <a:t>Imitates </a:t>
+            </a:r>
+            <a:r>
+              <a:rPr lang="en-US" sz="2800" dirty="0"/>
+              <a:t>the workings of the human brain in processing data and creating patterns for use in decision </a:t>
+            </a:r>
+            <a:r>
+              <a:rPr lang="en-US" sz="2800" dirty="0" smtClean="0"/>
+              <a:t>making</a:t>
+            </a:r>
+            <a:endParaRPr lang="en-US" sz="2800" dirty="0"/>
+          </a:p>
+        </p:txBody>
+      </p:sp>
     </p:spTree>
     <p:extLst>
       <p:ext uri="{BB962C8B-B14F-4D97-AF65-F5344CB8AC3E}">
-        <p14:creationId xmlns:p14="http://schemas.microsoft.com/office/powerpoint/2010/main" val="2392640904"/>
+        <p14:creationId xmlns:p14="http://schemas.microsoft.com/office/powerpoint/2010/main" val="1649415307"/>
       </p:ext>
     </p:extLst>
   </p:cSld>
@@ -8784,10 +9267,10 @@
           <a:lstStyle/>
           <a:p>
             <a:r>
-              <a:rPr lang="en-US" dirty="0"/>
-              <a:t>Traditional Machine Perception</a:t>
-            </a:r>
-            <a:endParaRPr lang="el-GR" dirty="0"/>
+              <a:rPr lang="en-US" dirty="0" smtClean="0"/>
+              <a:t>What are Deep Neural Networks?</a:t>
+            </a:r>
+            <a:endParaRPr lang="en-US" dirty="0"/>
           </a:p>
         </p:txBody>
       </p:sp>
@@ -8808,113 +9291,84 @@
           <a:p>
             <a:r>
               <a:rPr lang="en-US" dirty="0" smtClean="0"/>
-              <a:t>Hand-crafted Feature Extraction</a:t>
-            </a:r>
-          </a:p>
-        </p:txBody>
-      </p:sp>
-      <p:sp>
-        <p:nvSpPr>
-          <p:cNvPr id="5" name="TextBox 4"/>
-          <p:cNvSpPr txBox="1"/>
-          <p:nvPr/>
-        </p:nvSpPr>
-        <p:spPr>
-          <a:xfrm>
-            <a:off x="136307" y="6381328"/>
-            <a:ext cx="6811957" cy="276999"/>
-          </a:xfrm>
-          <a:prstGeom prst="rect">
-            <a:avLst/>
-          </a:prstGeom>
-          <a:noFill/>
-        </p:spPr>
-        <p:txBody>
-          <a:bodyPr wrap="square" rtlCol="0">
-            <a:spAutoFit/>
-          </a:bodyPr>
-          <a:lstStyle/>
-          <a:p>
-            <a:r>
-              <a:rPr lang="en-GB" sz="1200" dirty="0" smtClean="0"/>
-              <a:t>Source</a:t>
-            </a:r>
-            <a:r>
-              <a:rPr lang="en-GB" sz="1200" dirty="0"/>
-              <a:t>: https://www.slideshare.net/kuanhoong/big-data-malaysia-a-primer-on-deep-learning</a:t>
-            </a:r>
-            <a:endParaRPr lang="el-GR" sz="1200" dirty="0"/>
-          </a:p>
-        </p:txBody>
-      </p:sp>
-      <p:pic>
-        <p:nvPicPr>
-          <p:cNvPr id="6146" name="Picture 2"/>
-          <p:cNvPicPr>
-            <a:picLocks noChangeAspect="1" noChangeArrowheads="1"/>
-          </p:cNvPicPr>
-          <p:nvPr/>
-        </p:nvPicPr>
-        <p:blipFill>
-          <a:blip r:embed="rId2">
-            <a:extLst>
-              <a:ext uri="{28A0092B-C50C-407E-A947-70E740481C1C}">
-                <a14:useLocalDpi xmlns:a14="http://schemas.microsoft.com/office/drawing/2010/main" val="0"/>
-              </a:ext>
-            </a:extLst>
-          </a:blip>
-          <a:srcRect/>
-          <a:stretch>
-            <a:fillRect/>
-          </a:stretch>
-        </p:blipFill>
-        <p:spPr bwMode="auto">
-          <a:xfrm>
-            <a:off x="539552" y="2373649"/>
-            <a:ext cx="7986402" cy="3520886"/>
-          </a:xfrm>
-          <a:prstGeom prst="rect">
-            <a:avLst/>
-          </a:prstGeom>
-          <a:noFill/>
-          <a:ln>
-            <a:noFill/>
-          </a:ln>
-          <a:effectLst/>
-          <a:extLst>
-            <a:ext uri="{909E8E84-426E-40DD-AFC4-6F175D3DCCD1}">
-              <a14:hiddenFill xmlns:a14="http://schemas.microsoft.com/office/drawing/2010/main">
-                <a:solidFill>
-                  <a:schemeClr val="accent1"/>
-                </a:solidFill>
-              </a14:hiddenFill>
-            </a:ext>
-            <a:ext uri="{91240B29-F687-4F45-9708-019B960494DF}">
-              <a14:hiddenLine xmlns:a14="http://schemas.microsoft.com/office/drawing/2010/main" w="9525">
-                <a:solidFill>
-                  <a:schemeClr val="tx1"/>
-                </a:solidFill>
-                <a:miter lim="800000"/>
-                <a:headEnd/>
-                <a:tailEnd/>
-              </a14:hiddenLine>
-            </a:ext>
-            <a:ext uri="{AF507438-7753-43E0-B8FC-AC1667EBCBE1}">
-              <a14:hiddenEffects xmlns:a14="http://schemas.microsoft.com/office/drawing/2010/main">
-                <a:effectLst>
-                  <a:outerShdw dist="35921" dir="2700000" algn="ctr" rotWithShape="0">
-                    <a:schemeClr val="bg2"/>
-                  </a:outerShdw>
-                </a:effectLst>
-              </a14:hiddenEffects>
-            </a:ext>
-          </a:extLst>
-        </p:spPr>
-      </p:pic>
+              <a:t>Simple answer:</a:t>
+            </a:r>
+          </a:p>
+          <a:p>
+            <a:pPr marL="0" indent="0" algn="ctr">
+              <a:buNone/>
+            </a:pPr>
+            <a:r>
+              <a:rPr lang="en-US" dirty="0" smtClean="0"/>
+              <a:t>Neural Networks with many layers</a:t>
+            </a:r>
+            <a:endParaRPr lang="en-US" dirty="0"/>
+          </a:p>
+          <a:p>
+            <a:endParaRPr lang="en-US" dirty="0" smtClean="0"/>
+          </a:p>
+          <a:p>
+            <a:r>
+              <a:rPr lang="en-US" dirty="0" smtClean="0"/>
+              <a:t>Practical answer:</a:t>
+            </a:r>
+          </a:p>
+          <a:p>
+            <a:pPr marL="0" indent="0" algn="ctr">
+              <a:buNone/>
+            </a:pPr>
+            <a:r>
+              <a:rPr lang="en-US" dirty="0" smtClean="0"/>
+              <a:t>Neural Networks with more than one hidden layer</a:t>
+            </a:r>
+          </a:p>
+          <a:p>
+            <a:endParaRPr lang="en-US" dirty="0"/>
+          </a:p>
+          <a:p>
+            <a:r>
+              <a:rPr lang="en-US" dirty="0" smtClean="0"/>
+              <a:t>Elaborate answer:</a:t>
+            </a:r>
+            <a:endParaRPr lang="en-US" dirty="0"/>
+          </a:p>
+          <a:p>
+            <a:pPr marL="0" indent="0" algn="ctr">
+              <a:buNone/>
+            </a:pPr>
+            <a:r>
+              <a:rPr lang="en-US" dirty="0" smtClean="0"/>
+              <a:t>Neural Networks that train on a distinct set of</a:t>
+            </a:r>
+          </a:p>
+          <a:p>
+            <a:pPr marL="0" indent="0" algn="ctr">
+              <a:buNone/>
+            </a:pPr>
+            <a:r>
+              <a:rPr lang="en-US" dirty="0" smtClean="0"/>
+              <a:t>features in each layer </a:t>
+            </a:r>
+            <a:r>
+              <a:rPr lang="en-US" dirty="0">
+                <a:sym typeface="Wingdings" pitchFamily="2" charset="2"/>
+              </a:rPr>
+              <a:t> </a:t>
+            </a:r>
+            <a:r>
+              <a:rPr lang="en-US" dirty="0" smtClean="0">
+                <a:sym typeface="Wingdings" pitchFamily="2" charset="2"/>
+              </a:rPr>
+              <a:t>Feature Hierarchy</a:t>
+            </a:r>
+            <a:endParaRPr lang="en-US" dirty="0" smtClean="0"/>
+          </a:p>
+        </p:txBody>
+      </p:sp>
     </p:spTree>
     <p:extLst>
       <p:ext uri="{BB962C8B-B14F-4D97-AF65-F5344CB8AC3E}">
-        <p14:creationId xmlns:p14="http://schemas.microsoft.com/office/powerpoint/2010/main" val="4010982104"/>
+        <p14:creationId xmlns:p14="http://schemas.microsoft.com/office/powerpoint/2010/main" val="791048956"/>
       </p:ext>
     </p:extLst>
   </p:cSld>
@@ -8960,22 +9414,12 @@
         </p:nvSpPr>
         <p:spPr/>
         <p:txBody>
-          <a:bodyPr>
-            <a:normAutofit/>
-          </a:bodyPr>
+          <a:bodyPr/>
           <a:lstStyle/>
           <a:p>
             <a:r>
               <a:rPr lang="en-US" dirty="0" smtClean="0"/>
-              <a:t>Traditional </a:t>
-            </a:r>
-            <a:r>
-              <a:rPr lang="en-US" dirty="0" err="1" smtClean="0"/>
-              <a:t>vs</a:t>
-            </a:r>
-            <a:r>
-              <a:rPr lang="en-US" dirty="0" smtClean="0"/>
-              <a:t> Deep Learning</a:t>
+              <a:t>Feature Hierarchy</a:t>
             </a:r>
             <a:endParaRPr lang="en-US" dirty="0"/>
           </a:p>
@@ -9009,7 +9453,7 @@
             </a:r>
             <a:r>
               <a:rPr lang="en-GB" sz="1200" dirty="0"/>
-              <a:t>https://www.researchgate.net/publication/322325843</a:t>
+              <a:t>https://www.strong.io/blog/deep-neural-networks-go-to-the-movies</a:t>
             </a:r>
             <a:endParaRPr lang="el-GR" sz="1200" dirty="0"/>
           </a:p>
@@ -9017,7 +9461,7 @@
       </p:sp>
       <p:pic>
         <p:nvPicPr>
-          <p:cNvPr id="5123" name="Picture 3"/>
+          <p:cNvPr id="4098" name="Picture 2" descr="https://www.strong.io/blog-images/movie-posters/Slide6.png"/>
           <p:cNvPicPr>
             <a:picLocks noChangeAspect="1" noChangeArrowheads="1"/>
           </p:cNvPicPr>
@@ -9038,175 +9482,28 @@
         </p:blipFill>
         <p:spPr bwMode="auto">
           <a:xfrm>
-            <a:off x="511480" y="2348880"/>
-            <a:ext cx="8096250" cy="1352550"/>
+            <a:off x="479805" y="1700807"/>
+            <a:ext cx="8277225" cy="4257675"/>
           </a:xfrm>
           <a:prstGeom prst="rect">
             <a:avLst/>
           </a:prstGeom>
           <a:noFill/>
-          <a:ln>
-            <a:noFill/>
-          </a:ln>
-          <a:effectLst/>
           <a:extLst>
             <a:ext uri="{909E8E84-426E-40DD-AFC4-6F175D3DCCD1}">
               <a14:hiddenFill xmlns:a14="http://schemas.microsoft.com/office/drawing/2010/main">
                 <a:solidFill>
-                  <a:schemeClr val="accent1"/>
+                  <a:srgbClr val="FFFFFF"/>
                 </a:solidFill>
               </a14:hiddenFill>
             </a:ext>
-            <a:ext uri="{91240B29-F687-4F45-9708-019B960494DF}">
-              <a14:hiddenLine xmlns:a14="http://schemas.microsoft.com/office/drawing/2010/main" w="9525">
-                <a:solidFill>
-                  <a:schemeClr val="tx1"/>
-                </a:solidFill>
-                <a:miter lim="800000"/>
-                <a:headEnd/>
-                <a:tailEnd/>
-              </a14:hiddenLine>
-            </a:ext>
-            <a:ext uri="{AF507438-7753-43E0-B8FC-AC1667EBCBE1}">
-              <a14:hiddenEffects xmlns:a14="http://schemas.microsoft.com/office/drawing/2010/main">
-                <a:effectLst>
-                  <a:outerShdw dist="35921" dir="2700000" algn="ctr" rotWithShape="0">
-                    <a:schemeClr val="bg2"/>
-                  </a:outerShdw>
-                </a:effectLst>
-              </a14:hiddenEffects>
-            </a:ext>
           </a:extLst>
         </p:spPr>
       </p:pic>
-      <p:pic>
-        <p:nvPicPr>
-          <p:cNvPr id="5124" name="Picture 4"/>
-          <p:cNvPicPr>
-            <a:picLocks noChangeAspect="1" noChangeArrowheads="1"/>
-          </p:cNvPicPr>
-          <p:nvPr/>
-        </p:nvPicPr>
-        <p:blipFill>
-          <a:blip r:embed="rId3">
-            <a:extLst>
-              <a:ext uri="{28A0092B-C50C-407E-A947-70E740481C1C}">
-                <a14:useLocalDpi xmlns:a14="http://schemas.microsoft.com/office/drawing/2010/main" val="0"/>
-              </a:ext>
-            </a:extLst>
-          </a:blip>
-          <a:srcRect/>
-          <a:stretch>
-            <a:fillRect/>
-          </a:stretch>
-        </p:blipFill>
-        <p:spPr bwMode="auto">
-          <a:xfrm>
-            <a:off x="523875" y="4437111"/>
-            <a:ext cx="8096250" cy="1743075"/>
-          </a:xfrm>
-          <a:prstGeom prst="rect">
-            <a:avLst/>
-          </a:prstGeom>
-          <a:noFill/>
-          <a:ln>
-            <a:noFill/>
-          </a:ln>
-          <a:effectLst/>
-          <a:extLst>
-            <a:ext uri="{909E8E84-426E-40DD-AFC4-6F175D3DCCD1}">
-              <a14:hiddenFill xmlns:a14="http://schemas.microsoft.com/office/drawing/2010/main">
-                <a:solidFill>
-                  <a:schemeClr val="accent1"/>
-                </a:solidFill>
-              </a14:hiddenFill>
-            </a:ext>
-            <a:ext uri="{91240B29-F687-4F45-9708-019B960494DF}">
-              <a14:hiddenLine xmlns:a14="http://schemas.microsoft.com/office/drawing/2010/main" w="9525">
-                <a:solidFill>
-                  <a:schemeClr val="tx1"/>
-                </a:solidFill>
-                <a:miter lim="800000"/>
-                <a:headEnd/>
-                <a:tailEnd/>
-              </a14:hiddenLine>
-            </a:ext>
-            <a:ext uri="{AF507438-7753-43E0-B8FC-AC1667EBCBE1}">
-              <a14:hiddenEffects xmlns:a14="http://schemas.microsoft.com/office/drawing/2010/main">
-                <a:effectLst>
-                  <a:outerShdw dist="35921" dir="2700000" algn="ctr" rotWithShape="0">
-                    <a:schemeClr val="bg2"/>
-                  </a:outerShdw>
-                </a:effectLst>
-              </a14:hiddenEffects>
-            </a:ext>
-          </a:extLst>
-        </p:spPr>
-      </p:pic>
-      <p:sp>
-        <p:nvSpPr>
-          <p:cNvPr id="23" name="TextBox 22"/>
-          <p:cNvSpPr txBox="1"/>
-          <p:nvPr/>
-        </p:nvSpPr>
-        <p:spPr>
-          <a:xfrm>
-            <a:off x="523875" y="1844824"/>
-            <a:ext cx="2607966" cy="400110"/>
-          </a:xfrm>
-          <a:prstGeom prst="rect">
-            <a:avLst/>
-          </a:prstGeom>
-          <a:noFill/>
-        </p:spPr>
-        <p:txBody>
-          <a:bodyPr wrap="square" rtlCol="0">
-            <a:spAutoFit/>
-          </a:bodyPr>
-          <a:lstStyle/>
-          <a:p>
-            <a:r>
-              <a:rPr lang="en-GB" sz="2000" dirty="0" smtClean="0"/>
-              <a:t>Traditional Learning</a:t>
-            </a:r>
-            <a:endParaRPr lang="el-GR" sz="2000" dirty="0"/>
-          </a:p>
-        </p:txBody>
-      </p:sp>
-      <p:sp>
-        <p:nvSpPr>
-          <p:cNvPr id="24" name="TextBox 23"/>
-          <p:cNvSpPr txBox="1"/>
-          <p:nvPr/>
-        </p:nvSpPr>
-        <p:spPr>
-          <a:xfrm>
-            <a:off x="523875" y="4005064"/>
-            <a:ext cx="2607966" cy="400110"/>
-          </a:xfrm>
-          <a:prstGeom prst="rect">
-            <a:avLst/>
-          </a:prstGeom>
-          <a:noFill/>
-        </p:spPr>
-        <p:txBody>
-          <a:bodyPr wrap="square" rtlCol="0">
-            <a:spAutoFit/>
-          </a:bodyPr>
-          <a:lstStyle/>
-          <a:p>
-            <a:r>
-              <a:rPr lang="en-GB" sz="2000" dirty="0" smtClean="0"/>
-              <a:t>Deep Learning</a:t>
-            </a:r>
-            <a:endParaRPr lang="el-GR" sz="2000" dirty="0"/>
-          </a:p>
-        </p:txBody>
-      </p:sp>
     </p:spTree>
     <p:extLst>
       <p:ext uri="{BB962C8B-B14F-4D97-AF65-F5344CB8AC3E}">
-        <p14:creationId xmlns:p14="http://schemas.microsoft.com/office/powerpoint/2010/main" val="208210424"/>
+        <p14:creationId xmlns:p14="http://schemas.microsoft.com/office/powerpoint/2010/main" val="2392640904"/>
       </p:ext>
     </p:extLst>
   </p:cSld>
@@ -9316,16 +9613,38 @@
           <a:lstStyle/>
           <a:p>
             <a:r>
+              <a:rPr lang="en-US" dirty="0"/>
+              <a:t>Traditional Machine Perception</a:t>
+            </a:r>
+            <a:endParaRPr lang="el-GR" dirty="0"/>
+          </a:p>
+        </p:txBody>
+      </p:sp>
+      <p:sp>
+        <p:nvSpPr>
+          <p:cNvPr id="3" name="Θέση περιεχομένου 2"/>
+          <p:cNvSpPr>
+            <a:spLocks noGrp="1"/>
+          </p:cNvSpPr>
+          <p:nvPr>
+            <p:ph idx="1"/>
+          </p:nvPr>
+        </p:nvSpPr>
+        <p:spPr/>
+        <p:txBody>
+          <a:bodyPr/>
+          <a:lstStyle/>
+          <a:p>
+            <a:r>
               <a:rPr lang="en-US" dirty="0" smtClean="0"/>
-              <a:t>Deep Learning Applications</a:t>
-            </a:r>
-            <a:endParaRPr lang="en-US" dirty="0"/>
-          </a:p>
-        </p:txBody>
-      </p:sp>
-      <p:sp>
-        <p:nvSpPr>
-          <p:cNvPr id="4" name="TextBox 3"/>
+              <a:t>Hand-crafted Feature Extraction</a:t>
+            </a:r>
+          </a:p>
+        </p:txBody>
+      </p:sp>
+      <p:sp>
+        <p:nvSpPr>
+          <p:cNvPr id="5" name="TextBox 4"/>
           <p:cNvSpPr txBox="1"/>
           <p:nvPr/>
         </p:nvSpPr>
@@ -9347,11 +9666,11 @@
           <a:p>
             <a:r>
               <a:rPr lang="en-GB" sz="1200" dirty="0" smtClean="0"/>
-              <a:t>Source: </a:t>
+              <a:t>Source</a:t>
             </a:r>
             <a:r>
               <a:rPr lang="en-GB" sz="1200" dirty="0"/>
-              <a:t>https://www.slideshare.net/insideHPC/tesla-accelerated-computing-platform</a:t>
+              <a:t>: https://www.slideshare.net/kuanhoong/big-data-malaysia-a-primer-on-deep-learning</a:t>
             </a:r>
             <a:endParaRPr lang="el-GR" sz="1200" dirty="0"/>
           </a:p>
@@ -9359,7 +9678,7 @@
       </p:sp>
       <p:pic>
         <p:nvPicPr>
-          <p:cNvPr id="3" name="Picture 2"/>
+          <p:cNvPr id="6146" name="Picture 2"/>
           <p:cNvPicPr>
             <a:picLocks noChangeAspect="1" noChangeArrowheads="1"/>
           </p:cNvPicPr>
@@ -9380,8 +9699,8 @@
         </p:blipFill>
         <p:spPr bwMode="auto">
           <a:xfrm>
-            <a:off x="3323331" y="1550041"/>
-            <a:ext cx="2544813" cy="2373253"/>
+            <a:off x="539552" y="2373649"/>
+            <a:ext cx="7986402" cy="3520886"/>
           </a:xfrm>
           <a:prstGeom prst="rect">
             <a:avLst/>
@@ -9421,16 +9740,120 @@
           </a:extLst>
         </p:spPr>
       </p:pic>
+    </p:spTree>
+    <p:extLst>
+      <p:ext uri="{BB962C8B-B14F-4D97-AF65-F5344CB8AC3E}">
+        <p14:creationId xmlns:p14="http://schemas.microsoft.com/office/powerpoint/2010/main" val="4010982104"/>
+      </p:ext>
+    </p:extLst>
+  </p:cSld>
+  <p:clrMapOvr>
+    <a:masterClrMapping/>
+  </p:clrMapOvr>
+  <p:timing>
+    <p:tnLst>
+      <p:par>
+        <p:cTn id="1" dur="indefinite" restart="never" nodeType="tmRoot"/>
+      </p:par>
+    </p:tnLst>
+  </p:timing>
+</p:sld>
+</file>
+
+<file path=ppt/slides/slide31.xml><?xml version="1.0" encoding="utf-8"?>
+<p:sld xmlns:a="http://schemas.openxmlformats.org/drawingml/2006/main" xmlns:r="http://schemas.openxmlformats.org/officeDocument/2006/relationships" xmlns:p="http://schemas.openxmlformats.org/presentationml/2006/main">
+  <p:cSld>
+    <p:spTree>
+      <p:nvGrpSpPr>
+        <p:cNvPr id="1" name=""/>
+        <p:cNvGrpSpPr/>
+        <p:nvPr/>
+      </p:nvGrpSpPr>
+      <p:grpSpPr>
+        <a:xfrm>
+          <a:off x="0" y="0"/>
+          <a:ext cx="0" cy="0"/>
+          <a:chOff x="0" y="0"/>
+          <a:chExt cx="0" cy="0"/>
+        </a:xfrm>
+      </p:grpSpPr>
+      <p:sp>
+        <p:nvSpPr>
+          <p:cNvPr id="2" name="Τίτλος 1"/>
+          <p:cNvSpPr>
+            <a:spLocks noGrp="1"/>
+          </p:cNvSpPr>
+          <p:nvPr>
+            <p:ph type="title"/>
+          </p:nvPr>
+        </p:nvSpPr>
+        <p:spPr/>
+        <p:txBody>
+          <a:bodyPr>
+            <a:normAutofit/>
+          </a:bodyPr>
+          <a:lstStyle/>
+          <a:p>
+            <a:r>
+              <a:rPr lang="en-US" dirty="0" smtClean="0"/>
+              <a:t>Traditional </a:t>
+            </a:r>
+            <a:r>
+              <a:rPr lang="en-US" dirty="0" err="1" smtClean="0"/>
+              <a:t>vs</a:t>
+            </a:r>
+            <a:r>
+              <a:rPr lang="en-US" dirty="0" smtClean="0"/>
+              <a:t> Deep Learning</a:t>
+            </a:r>
+            <a:endParaRPr lang="en-US" dirty="0"/>
+          </a:p>
+        </p:txBody>
+      </p:sp>
+      <p:sp>
+        <p:nvSpPr>
+          <p:cNvPr id="4" name="TextBox 3"/>
+          <p:cNvSpPr txBox="1"/>
+          <p:nvPr/>
+        </p:nvSpPr>
+        <p:spPr>
+          <a:xfrm>
+            <a:off x="136307" y="6381328"/>
+            <a:ext cx="6811957" cy="276999"/>
+          </a:xfrm>
+          <a:prstGeom prst="rect">
+            <a:avLst/>
+          </a:prstGeom>
+          <a:noFill/>
+        </p:spPr>
+        <p:txBody>
+          <a:bodyPr wrap="square" rtlCol="0">
+            <a:spAutoFit/>
+          </a:bodyPr>
+          <a:lstStyle/>
+          <a:p>
+            <a:r>
+              <a:rPr lang="en-GB" sz="1200" dirty="0" smtClean="0"/>
+              <a:t>Source: </a:t>
+            </a:r>
+            <a:r>
+              <a:rPr lang="en-GB" sz="1200" dirty="0"/>
+              <a:t>https://www.researchgate.net/publication/322325843</a:t>
+            </a:r>
+            <a:endParaRPr lang="el-GR" sz="1200" dirty="0"/>
+          </a:p>
+        </p:txBody>
+      </p:sp>
       <p:pic>
         <p:nvPicPr>
-          <p:cNvPr id="4099" name="Picture 3"/>
+          <p:cNvPr id="5123" name="Picture 3"/>
           <p:cNvPicPr>
             <a:picLocks noChangeAspect="1" noChangeArrowheads="1"/>
           </p:cNvPicPr>
           <p:nvPr/>
         </p:nvPicPr>
         <p:blipFill>
-          <a:blip r:embed="rId3">
+          <a:blip r:embed="rId2">
             <a:extLst>
               <a:ext uri="{28A0092B-C50C-407E-A947-70E740481C1C}">
                 <a14:useLocalDpi xmlns:a14="http://schemas.microsoft.com/office/drawing/2010/main" val="0"/>
@@ -9444,8 +9867,8 @@
         </p:blipFill>
         <p:spPr bwMode="auto">
           <a:xfrm>
-            <a:off x="371003" y="1550041"/>
-            <a:ext cx="2438400" cy="2371725"/>
+            <a:off x="511480" y="2348880"/>
+            <a:ext cx="8096250" cy="1352550"/>
           </a:xfrm>
           <a:prstGeom prst="rect">
             <a:avLst/>
@@ -9487,14 +9910,14 @@
       </p:pic>
       <p:pic>
         <p:nvPicPr>
-          <p:cNvPr id="4100" name="Picture 4"/>
+          <p:cNvPr id="5124" name="Picture 4"/>
           <p:cNvPicPr>
             <a:picLocks noChangeAspect="1" noChangeArrowheads="1"/>
           </p:cNvPicPr>
           <p:nvPr/>
         </p:nvPicPr>
         <p:blipFill>
-          <a:blip r:embed="rId4">
+          <a:blip r:embed="rId3">
             <a:extLst>
               <a:ext uri="{28A0092B-C50C-407E-A947-70E740481C1C}">
                 <a14:useLocalDpi xmlns:a14="http://schemas.microsoft.com/office/drawing/2010/main" val="0"/>
@@ -9508,8 +9931,8 @@
         </p:blipFill>
         <p:spPr bwMode="auto">
           <a:xfrm>
-            <a:off x="6368020" y="1556792"/>
-            <a:ext cx="2524460" cy="2372039"/>
+            <a:off x="523875" y="4437111"/>
+            <a:ext cx="8096250" cy="1743075"/>
           </a:xfrm>
           <a:prstGeom prst="rect">
             <a:avLst/>
@@ -9549,16 +9972,170 @@
           </a:extLst>
         </p:spPr>
       </p:pic>
+      <p:sp>
+        <p:nvSpPr>
+          <p:cNvPr id="23" name="TextBox 22"/>
+          <p:cNvSpPr txBox="1"/>
+          <p:nvPr/>
+        </p:nvSpPr>
+        <p:spPr>
+          <a:xfrm>
+            <a:off x="523875" y="1844824"/>
+            <a:ext cx="2607966" cy="400110"/>
+          </a:xfrm>
+          <a:prstGeom prst="rect">
+            <a:avLst/>
+          </a:prstGeom>
+          <a:noFill/>
+        </p:spPr>
+        <p:txBody>
+          <a:bodyPr wrap="square" rtlCol="0">
+            <a:spAutoFit/>
+          </a:bodyPr>
+          <a:lstStyle/>
+          <a:p>
+            <a:r>
+              <a:rPr lang="en-GB" sz="2000" dirty="0" smtClean="0"/>
+              <a:t>Traditional Learning</a:t>
+            </a:r>
+            <a:endParaRPr lang="el-GR" sz="2000" dirty="0"/>
+          </a:p>
+        </p:txBody>
+      </p:sp>
+      <p:sp>
+        <p:nvSpPr>
+          <p:cNvPr id="24" name="TextBox 23"/>
+          <p:cNvSpPr txBox="1"/>
+          <p:nvPr/>
+        </p:nvSpPr>
+        <p:spPr>
+          <a:xfrm>
+            <a:off x="523875" y="4005064"/>
+            <a:ext cx="2607966" cy="400110"/>
+          </a:xfrm>
+          <a:prstGeom prst="rect">
+            <a:avLst/>
+          </a:prstGeom>
+          <a:noFill/>
+        </p:spPr>
+        <p:txBody>
+          <a:bodyPr wrap="square" rtlCol="0">
+            <a:spAutoFit/>
+          </a:bodyPr>
+          <a:lstStyle/>
+          <a:p>
+            <a:r>
+              <a:rPr lang="en-GB" sz="2000" dirty="0" smtClean="0"/>
+              <a:t>Deep Learning</a:t>
+            </a:r>
+            <a:endParaRPr lang="el-GR" sz="2000" dirty="0"/>
+          </a:p>
+        </p:txBody>
+      </p:sp>
+    </p:spTree>
+    <p:extLst>
+      <p:ext uri="{BB962C8B-B14F-4D97-AF65-F5344CB8AC3E}">
+        <p14:creationId xmlns:p14="http://schemas.microsoft.com/office/powerpoint/2010/main" val="208210424"/>
+      </p:ext>
+    </p:extLst>
+  </p:cSld>
+  <p:clrMapOvr>
+    <a:masterClrMapping/>
+  </p:clrMapOvr>
+  <p:timing>
+    <p:tnLst>
+      <p:par>
+        <p:cTn id="1" dur="indefinite" restart="never" nodeType="tmRoot"/>
+      </p:par>
+    </p:tnLst>
+  </p:timing>
+</p:sld>
+</file>
+
+<file path=ppt/slides/slide32.xml><?xml version="1.0" encoding="utf-8"?>
+<p:sld xmlns:a="http://schemas.openxmlformats.org/drawingml/2006/main" xmlns:r="http://schemas.openxmlformats.org/officeDocument/2006/relationships" xmlns:p="http://schemas.openxmlformats.org/presentationml/2006/main">
+  <p:cSld>
+    <p:spTree>
+      <p:nvGrpSpPr>
+        <p:cNvPr id="1" name=""/>
+        <p:cNvGrpSpPr/>
+        <p:nvPr/>
+      </p:nvGrpSpPr>
+      <p:grpSpPr>
+        <a:xfrm>
+          <a:off x="0" y="0"/>
+          <a:ext cx="0" cy="0"/>
+          <a:chOff x="0" y="0"/>
+          <a:chExt cx="0" cy="0"/>
+        </a:xfrm>
+      </p:grpSpPr>
+      <p:sp>
+        <p:nvSpPr>
+          <p:cNvPr id="2" name="Τίτλος 1"/>
+          <p:cNvSpPr>
+            <a:spLocks noGrp="1"/>
+          </p:cNvSpPr>
+          <p:nvPr>
+            <p:ph type="title"/>
+          </p:nvPr>
+        </p:nvSpPr>
+        <p:spPr/>
+        <p:txBody>
+          <a:bodyPr/>
+          <a:lstStyle/>
+          <a:p>
+            <a:r>
+              <a:rPr lang="en-US" dirty="0" smtClean="0"/>
+              <a:t>Deep Learning Applications</a:t>
+            </a:r>
+            <a:endParaRPr lang="en-US" dirty="0"/>
+          </a:p>
+        </p:txBody>
+      </p:sp>
+      <p:sp>
+        <p:nvSpPr>
+          <p:cNvPr id="4" name="TextBox 3"/>
+          <p:cNvSpPr txBox="1"/>
+          <p:nvPr/>
+        </p:nvSpPr>
+        <p:spPr>
+          <a:xfrm>
+            <a:off x="136307" y="6381328"/>
+            <a:ext cx="6811957" cy="276999"/>
+          </a:xfrm>
+          <a:prstGeom prst="rect">
+            <a:avLst/>
+          </a:prstGeom>
+          <a:noFill/>
+        </p:spPr>
+        <p:txBody>
+          <a:bodyPr wrap="square" rtlCol="0">
+            <a:spAutoFit/>
+          </a:bodyPr>
+          <a:lstStyle/>
+          <a:p>
+            <a:r>
+              <a:rPr lang="en-GB" sz="1200" dirty="0" smtClean="0"/>
+              <a:t>Source: </a:t>
+            </a:r>
+            <a:r>
+              <a:rPr lang="en-GB" sz="1200" dirty="0"/>
+              <a:t>https://www.slideshare.net/insideHPC/tesla-accelerated-computing-platform</a:t>
+            </a:r>
+            <a:endParaRPr lang="el-GR" sz="1200" dirty="0"/>
+          </a:p>
+        </p:txBody>
+      </p:sp>
       <p:pic>
         <p:nvPicPr>
-          <p:cNvPr id="4101" name="Picture 5"/>
+          <p:cNvPr id="3" name="Picture 2"/>
           <p:cNvPicPr>
             <a:picLocks noChangeAspect="1" noChangeArrowheads="1"/>
           </p:cNvPicPr>
           <p:nvPr/>
         </p:nvPicPr>
         <p:blipFill>
-          <a:blip r:embed="rId5">
+          <a:blip r:embed="rId2">
             <a:extLst>
               <a:ext uri="{28A0092B-C50C-407E-A947-70E740481C1C}">
                 <a14:useLocalDpi xmlns:a14="http://schemas.microsoft.com/office/drawing/2010/main" val="0"/>
@@ -9572,8 +10149,8 @@
         </p:blipFill>
         <p:spPr bwMode="auto">
           <a:xfrm>
-            <a:off x="1835696" y="4072640"/>
-            <a:ext cx="2438400" cy="2291176"/>
+            <a:off x="3323331" y="1550041"/>
+            <a:ext cx="2544813" cy="2373253"/>
           </a:xfrm>
           <a:prstGeom prst="rect">
             <a:avLst/>
@@ -9615,14 +10192,14 @@
       </p:pic>
       <p:pic>
         <p:nvPicPr>
-          <p:cNvPr id="4102" name="Picture 6"/>
+          <p:cNvPr id="4099" name="Picture 3"/>
           <p:cNvPicPr>
             <a:picLocks noChangeAspect="1" noChangeArrowheads="1"/>
           </p:cNvPicPr>
           <p:nvPr/>
         </p:nvPicPr>
         <p:blipFill>
-          <a:blip r:embed="rId6">
+          <a:blip r:embed="rId3">
             <a:extLst>
               <a:ext uri="{28A0092B-C50C-407E-A947-70E740481C1C}">
                 <a14:useLocalDpi xmlns:a14="http://schemas.microsoft.com/office/drawing/2010/main" val="0"/>
@@ -9636,8 +10213,8 @@
         </p:blipFill>
         <p:spPr bwMode="auto">
           <a:xfrm>
-            <a:off x="4932040" y="4072640"/>
-            <a:ext cx="2423295" cy="2320771"/>
+            <a:off x="371003" y="1550041"/>
+            <a:ext cx="2438400" cy="2371725"/>
           </a:xfrm>
           <a:prstGeom prst="rect">
             <a:avLst/>
@@ -9677,1079 +10254,16 @@
           </a:extLst>
         </p:spPr>
       </p:pic>
-      <p:sp>
-        <p:nvSpPr>
-          <p:cNvPr id="10" name="TextBox 9"/>
-          <p:cNvSpPr txBox="1"/>
-          <p:nvPr/>
-        </p:nvSpPr>
-        <p:spPr>
-          <a:xfrm>
-            <a:off x="371004" y="3102059"/>
-            <a:ext cx="2438400" cy="830997"/>
-          </a:xfrm>
-          <a:prstGeom prst="rect">
-            <a:avLst/>
-          </a:prstGeom>
-          <a:solidFill>
-            <a:srgbClr val="FFFFFF">
-              <a:alpha val="74902"/>
-            </a:srgbClr>
-          </a:solidFill>
-        </p:spPr>
-        <p:txBody>
-          <a:bodyPr wrap="square" rtlCol="0">
-            <a:spAutoFit/>
-          </a:bodyPr>
-          <a:lstStyle/>
-          <a:p>
-            <a:pPr algn="r"/>
-            <a:r>
-              <a:rPr lang="en-GB" sz="1600" dirty="0" smtClean="0">
-                <a:latin typeface="Arial Unicode MS" pitchFamily="34" charset="-128"/>
-                <a:ea typeface="Arial Unicode MS" pitchFamily="34" charset="-128"/>
-                <a:cs typeface="Arial Unicode MS" pitchFamily="34" charset="-128"/>
-              </a:rPr>
-              <a:t>Cancer Cell Detection</a:t>
-            </a:r>
-          </a:p>
-          <a:p>
-            <a:pPr algn="r"/>
-            <a:r>
-              <a:rPr lang="en-GB" sz="1600" dirty="0" smtClean="0">
-                <a:latin typeface="Arial Unicode MS" pitchFamily="34" charset="-128"/>
-                <a:ea typeface="Arial Unicode MS" pitchFamily="34" charset="-128"/>
-                <a:cs typeface="Arial Unicode MS" pitchFamily="34" charset="-128"/>
-              </a:rPr>
-              <a:t>Diabetic Grading</a:t>
-            </a:r>
-          </a:p>
-          <a:p>
-            <a:pPr algn="r"/>
-            <a:r>
-              <a:rPr lang="en-GB" sz="1600" dirty="0" smtClean="0">
-                <a:latin typeface="Arial Unicode MS" pitchFamily="34" charset="-128"/>
-                <a:ea typeface="Arial Unicode MS" pitchFamily="34" charset="-128"/>
-                <a:cs typeface="Arial Unicode MS" pitchFamily="34" charset="-128"/>
-              </a:rPr>
-              <a:t>Drug Discovery</a:t>
-            </a:r>
-            <a:endParaRPr lang="el-GR" sz="1600" dirty="0">
-              <a:latin typeface="Arial Unicode MS" pitchFamily="34" charset="-128"/>
-              <a:ea typeface="Arial Unicode MS" pitchFamily="34" charset="-128"/>
-              <a:cs typeface="Arial Unicode MS" pitchFamily="34" charset="-128"/>
-            </a:endParaRPr>
-          </a:p>
-        </p:txBody>
-      </p:sp>
-      <p:sp>
-        <p:nvSpPr>
-          <p:cNvPr id="13" name="TextBox 12"/>
-          <p:cNvSpPr txBox="1"/>
-          <p:nvPr/>
-        </p:nvSpPr>
-        <p:spPr>
-          <a:xfrm>
-            <a:off x="371003" y="1556792"/>
-            <a:ext cx="1639339" cy="646331"/>
-          </a:xfrm>
-          <a:prstGeom prst="rect">
-            <a:avLst/>
-          </a:prstGeom>
-          <a:noFill/>
-        </p:spPr>
-        <p:txBody>
-          <a:bodyPr wrap="square" rtlCol="0">
-            <a:spAutoFit/>
-          </a:bodyPr>
-          <a:lstStyle/>
-          <a:p>
-            <a:r>
-              <a:rPr lang="en-GB" dirty="0" smtClean="0">
-                <a:ln w="18415" cmpd="sng">
-                  <a:solidFill>
-                    <a:srgbClr val="FFFFFF"/>
-                  </a:solidFill>
-                  <a:prstDash val="solid"/>
-                </a:ln>
-                <a:solidFill>
-                  <a:srgbClr val="FFFFFF"/>
-                </a:solidFill>
-                <a:effectLst>
-                  <a:outerShdw blurRad="63500" dir="3600000" algn="tl" rotWithShape="0">
-                    <a:srgbClr val="000000">
-                      <a:alpha val="70000"/>
-                    </a:srgbClr>
-                  </a:outerShdw>
-                </a:effectLst>
-                <a:latin typeface="Arial Unicode MS" pitchFamily="34" charset="-128"/>
-                <a:ea typeface="Arial Unicode MS" pitchFamily="34" charset="-128"/>
-                <a:cs typeface="Arial Unicode MS" pitchFamily="34" charset="-128"/>
-              </a:rPr>
-              <a:t>MEDICINE &amp;</a:t>
-            </a:r>
-          </a:p>
-          <a:p>
-            <a:r>
-              <a:rPr lang="en-GB" dirty="0" smtClean="0">
-                <a:ln w="18415" cmpd="sng">
-                  <a:solidFill>
-                    <a:srgbClr val="FFFFFF"/>
-                  </a:solidFill>
-                  <a:prstDash val="solid"/>
-                </a:ln>
-                <a:solidFill>
-                  <a:srgbClr val="FFFFFF"/>
-                </a:solidFill>
-                <a:effectLst>
-                  <a:outerShdw blurRad="63500" dir="3600000" algn="tl" rotWithShape="0">
-                    <a:srgbClr val="000000">
-                      <a:alpha val="70000"/>
-                    </a:srgbClr>
-                  </a:outerShdw>
-                </a:effectLst>
-                <a:latin typeface="Arial Unicode MS" pitchFamily="34" charset="-128"/>
-                <a:ea typeface="Arial Unicode MS" pitchFamily="34" charset="-128"/>
-                <a:cs typeface="Arial Unicode MS" pitchFamily="34" charset="-128"/>
-              </a:rPr>
-              <a:t>BIOLOGY</a:t>
-            </a:r>
-          </a:p>
-        </p:txBody>
-      </p:sp>
-      <p:sp>
-        <p:nvSpPr>
-          <p:cNvPr id="15" name="TextBox 14"/>
-          <p:cNvSpPr txBox="1"/>
-          <p:nvPr/>
-        </p:nvSpPr>
-        <p:spPr>
-          <a:xfrm>
-            <a:off x="3343683" y="3102059"/>
-            <a:ext cx="2524461" cy="830997"/>
-          </a:xfrm>
-          <a:prstGeom prst="rect">
-            <a:avLst/>
-          </a:prstGeom>
-          <a:solidFill>
-            <a:srgbClr val="FFFFFF">
-              <a:alpha val="74902"/>
-            </a:srgbClr>
-          </a:solidFill>
-        </p:spPr>
-        <p:txBody>
-          <a:bodyPr wrap="square" rtlCol="0">
-            <a:spAutoFit/>
-          </a:bodyPr>
-          <a:lstStyle/>
-          <a:p>
-            <a:pPr algn="r"/>
-            <a:r>
-              <a:rPr lang="en-GB" sz="1600" dirty="0">
-                <a:latin typeface="Arial Unicode MS" pitchFamily="34" charset="-128"/>
-                <a:ea typeface="Arial Unicode MS" pitchFamily="34" charset="-128"/>
-                <a:cs typeface="Arial Unicode MS" pitchFamily="34" charset="-128"/>
-              </a:rPr>
-              <a:t>Image Classification</a:t>
-            </a:r>
-          </a:p>
-          <a:p>
-            <a:pPr algn="r"/>
-            <a:r>
-              <a:rPr lang="en-GB" sz="1600" dirty="0">
-                <a:latin typeface="Arial Unicode MS" pitchFamily="34" charset="-128"/>
-                <a:ea typeface="Arial Unicode MS" pitchFamily="34" charset="-128"/>
-                <a:cs typeface="Arial Unicode MS" pitchFamily="34" charset="-128"/>
-              </a:rPr>
-              <a:t>Speech Recognition</a:t>
-            </a:r>
-          </a:p>
-          <a:p>
-            <a:pPr algn="r"/>
-            <a:r>
-              <a:rPr lang="en-GB" sz="1600" dirty="0">
-                <a:latin typeface="Arial Unicode MS" pitchFamily="34" charset="-128"/>
-                <a:ea typeface="Arial Unicode MS" pitchFamily="34" charset="-128"/>
-                <a:cs typeface="Arial Unicode MS" pitchFamily="34" charset="-128"/>
-              </a:rPr>
-              <a:t>Language Translation</a:t>
-            </a:r>
-          </a:p>
-        </p:txBody>
-      </p:sp>
-      <p:sp>
-        <p:nvSpPr>
-          <p:cNvPr id="16" name="TextBox 15"/>
-          <p:cNvSpPr txBox="1"/>
-          <p:nvPr/>
-        </p:nvSpPr>
-        <p:spPr>
-          <a:xfrm>
-            <a:off x="3343683" y="1556792"/>
-            <a:ext cx="1639339" cy="646331"/>
-          </a:xfrm>
-          <a:prstGeom prst="rect">
-            <a:avLst/>
-          </a:prstGeom>
-          <a:noFill/>
-        </p:spPr>
-        <p:txBody>
-          <a:bodyPr wrap="square" rtlCol="0">
-            <a:spAutoFit/>
-          </a:bodyPr>
-          <a:lstStyle/>
-          <a:p>
-            <a:r>
-              <a:rPr lang="en-GB" dirty="0">
-                <a:ln w="18415" cmpd="sng">
-                  <a:solidFill>
-                    <a:srgbClr val="FFFFFF"/>
-                  </a:solidFill>
-                  <a:prstDash val="solid"/>
-                </a:ln>
-                <a:solidFill>
-                  <a:srgbClr val="FFFFFF"/>
-                </a:solidFill>
-                <a:effectLst>
-                  <a:outerShdw blurRad="63500" dir="3600000" algn="tl" rotWithShape="0">
-                    <a:srgbClr val="000000">
-                      <a:alpha val="70000"/>
-                    </a:srgbClr>
-                  </a:outerShdw>
-                </a:effectLst>
-                <a:latin typeface="Arial Unicode MS" pitchFamily="34" charset="-128"/>
-                <a:ea typeface="Arial Unicode MS" pitchFamily="34" charset="-128"/>
-                <a:cs typeface="Arial Unicode MS" pitchFamily="34" charset="-128"/>
-              </a:rPr>
-              <a:t>INTERNET &amp; </a:t>
-            </a:r>
-            <a:endParaRPr lang="en-GB" dirty="0" smtClean="0">
-              <a:ln w="18415" cmpd="sng">
-                <a:solidFill>
-                  <a:srgbClr val="FFFFFF"/>
-                </a:solidFill>
-                <a:prstDash val="solid"/>
-              </a:ln>
-              <a:solidFill>
-                <a:srgbClr val="FFFFFF"/>
-              </a:solidFill>
-              <a:effectLst>
-                <a:outerShdw blurRad="63500" dir="3600000" algn="tl" rotWithShape="0">
-                  <a:srgbClr val="000000">
-                    <a:alpha val="70000"/>
-                  </a:srgbClr>
-                </a:outerShdw>
-              </a:effectLst>
-              <a:latin typeface="Arial Unicode MS" pitchFamily="34" charset="-128"/>
-              <a:ea typeface="Arial Unicode MS" pitchFamily="34" charset="-128"/>
-              <a:cs typeface="Arial Unicode MS" pitchFamily="34" charset="-128"/>
-            </a:endParaRPr>
-          </a:p>
-          <a:p>
-            <a:r>
-              <a:rPr lang="en-GB" dirty="0" smtClean="0">
-                <a:ln w="18415" cmpd="sng">
-                  <a:solidFill>
-                    <a:srgbClr val="FFFFFF"/>
-                  </a:solidFill>
-                  <a:prstDash val="solid"/>
-                </a:ln>
-                <a:solidFill>
-                  <a:srgbClr val="FFFFFF"/>
-                </a:solidFill>
-                <a:effectLst>
-                  <a:outerShdw blurRad="63500" dir="3600000" algn="tl" rotWithShape="0">
-                    <a:srgbClr val="000000">
-                      <a:alpha val="70000"/>
-                    </a:srgbClr>
-                  </a:outerShdw>
-                </a:effectLst>
-                <a:latin typeface="Arial Unicode MS" pitchFamily="34" charset="-128"/>
-                <a:ea typeface="Arial Unicode MS" pitchFamily="34" charset="-128"/>
-                <a:cs typeface="Arial Unicode MS" pitchFamily="34" charset="-128"/>
-              </a:rPr>
-              <a:t>CLOUD</a:t>
-            </a:r>
-            <a:endParaRPr lang="en-GB" dirty="0">
-              <a:ln w="18415" cmpd="sng">
-                <a:solidFill>
-                  <a:srgbClr val="FFFFFF"/>
-                </a:solidFill>
-                <a:prstDash val="solid"/>
-              </a:ln>
-              <a:solidFill>
-                <a:srgbClr val="FFFFFF"/>
-              </a:solidFill>
-              <a:effectLst>
-                <a:outerShdw blurRad="63500" dir="3600000" algn="tl" rotWithShape="0">
-                  <a:srgbClr val="000000">
-                    <a:alpha val="70000"/>
-                  </a:srgbClr>
-                </a:outerShdw>
-              </a:effectLst>
-              <a:latin typeface="Arial Unicode MS" pitchFamily="34" charset="-128"/>
-              <a:ea typeface="Arial Unicode MS" pitchFamily="34" charset="-128"/>
-              <a:cs typeface="Arial Unicode MS" pitchFamily="34" charset="-128"/>
-            </a:endParaRPr>
-          </a:p>
-        </p:txBody>
-      </p:sp>
-      <p:sp>
-        <p:nvSpPr>
-          <p:cNvPr id="17" name="TextBox 16"/>
-          <p:cNvSpPr txBox="1"/>
-          <p:nvPr/>
-        </p:nvSpPr>
-        <p:spPr>
-          <a:xfrm>
-            <a:off x="6372200" y="1561001"/>
-            <a:ext cx="2160240" cy="646331"/>
-          </a:xfrm>
-          <a:prstGeom prst="rect">
-            <a:avLst/>
-          </a:prstGeom>
-          <a:noFill/>
-        </p:spPr>
-        <p:txBody>
-          <a:bodyPr wrap="square" rtlCol="0">
-            <a:spAutoFit/>
-          </a:bodyPr>
-          <a:lstStyle/>
-          <a:p>
-            <a:r>
-              <a:rPr lang="en-GB" dirty="0" smtClean="0">
-                <a:ln w="18415" cmpd="sng">
-                  <a:solidFill>
-                    <a:srgbClr val="FFFFFF"/>
-                  </a:solidFill>
-                  <a:prstDash val="solid"/>
-                </a:ln>
-                <a:solidFill>
-                  <a:srgbClr val="FFFFFF"/>
-                </a:solidFill>
-                <a:effectLst>
-                  <a:outerShdw blurRad="63500" dir="3600000" algn="tl" rotWithShape="0">
-                    <a:srgbClr val="000000">
-                      <a:alpha val="70000"/>
-                    </a:srgbClr>
-                  </a:outerShdw>
-                </a:effectLst>
-                <a:latin typeface="Arial Unicode MS" pitchFamily="34" charset="-128"/>
-                <a:ea typeface="Arial Unicode MS" pitchFamily="34" charset="-128"/>
-                <a:cs typeface="Arial Unicode MS" pitchFamily="34" charset="-128"/>
-              </a:rPr>
-              <a:t>MEDIA </a:t>
-            </a:r>
-            <a:r>
-              <a:rPr lang="en-GB" dirty="0">
-                <a:ln w="18415" cmpd="sng">
-                  <a:solidFill>
-                    <a:srgbClr val="FFFFFF"/>
-                  </a:solidFill>
-                  <a:prstDash val="solid"/>
-                </a:ln>
-                <a:solidFill>
-                  <a:srgbClr val="FFFFFF"/>
-                </a:solidFill>
-                <a:effectLst>
-                  <a:outerShdw blurRad="63500" dir="3600000" algn="tl" rotWithShape="0">
-                    <a:srgbClr val="000000">
-                      <a:alpha val="70000"/>
-                    </a:srgbClr>
-                  </a:outerShdw>
-                </a:effectLst>
-                <a:latin typeface="Arial Unicode MS" pitchFamily="34" charset="-128"/>
-                <a:ea typeface="Arial Unicode MS" pitchFamily="34" charset="-128"/>
-                <a:cs typeface="Arial Unicode MS" pitchFamily="34" charset="-128"/>
-              </a:rPr>
-              <a:t>&amp; </a:t>
-            </a:r>
-            <a:endParaRPr lang="en-GB" dirty="0" smtClean="0">
-              <a:ln w="18415" cmpd="sng">
-                <a:solidFill>
-                  <a:srgbClr val="FFFFFF"/>
-                </a:solidFill>
-                <a:prstDash val="solid"/>
-              </a:ln>
-              <a:solidFill>
-                <a:srgbClr val="FFFFFF"/>
-              </a:solidFill>
-              <a:effectLst>
-                <a:outerShdw blurRad="63500" dir="3600000" algn="tl" rotWithShape="0">
-                  <a:srgbClr val="000000">
-                    <a:alpha val="70000"/>
-                  </a:srgbClr>
-                </a:outerShdw>
-              </a:effectLst>
-              <a:latin typeface="Arial Unicode MS" pitchFamily="34" charset="-128"/>
-              <a:ea typeface="Arial Unicode MS" pitchFamily="34" charset="-128"/>
-              <a:cs typeface="Arial Unicode MS" pitchFamily="34" charset="-128"/>
-            </a:endParaRPr>
-          </a:p>
-          <a:p>
-            <a:r>
-              <a:rPr lang="en-GB" dirty="0" smtClean="0">
-                <a:ln w="18415" cmpd="sng">
-                  <a:solidFill>
-                    <a:srgbClr val="FFFFFF"/>
-                  </a:solidFill>
-                  <a:prstDash val="solid"/>
-                </a:ln>
-                <a:solidFill>
-                  <a:srgbClr val="FFFFFF"/>
-                </a:solidFill>
-                <a:effectLst>
-                  <a:outerShdw blurRad="63500" dir="3600000" algn="tl" rotWithShape="0">
-                    <a:srgbClr val="000000">
-                      <a:alpha val="70000"/>
-                    </a:srgbClr>
-                  </a:outerShdw>
-                </a:effectLst>
-                <a:latin typeface="Arial Unicode MS" pitchFamily="34" charset="-128"/>
-                <a:ea typeface="Arial Unicode MS" pitchFamily="34" charset="-128"/>
-                <a:cs typeface="Arial Unicode MS" pitchFamily="34" charset="-128"/>
-              </a:rPr>
-              <a:t>ENTERTAINMENT</a:t>
-            </a:r>
-            <a:endParaRPr lang="en-GB" dirty="0">
-              <a:ln w="18415" cmpd="sng">
-                <a:solidFill>
-                  <a:srgbClr val="FFFFFF"/>
-                </a:solidFill>
-                <a:prstDash val="solid"/>
-              </a:ln>
-              <a:solidFill>
-                <a:srgbClr val="FFFFFF"/>
-              </a:solidFill>
-              <a:effectLst>
-                <a:outerShdw blurRad="63500" dir="3600000" algn="tl" rotWithShape="0">
-                  <a:srgbClr val="000000">
-                    <a:alpha val="70000"/>
-                  </a:srgbClr>
-                </a:outerShdw>
-              </a:effectLst>
-              <a:latin typeface="Arial Unicode MS" pitchFamily="34" charset="-128"/>
-              <a:ea typeface="Arial Unicode MS" pitchFamily="34" charset="-128"/>
-              <a:cs typeface="Arial Unicode MS" pitchFamily="34" charset="-128"/>
-            </a:endParaRPr>
-          </a:p>
-        </p:txBody>
-      </p:sp>
-      <p:sp>
-        <p:nvSpPr>
-          <p:cNvPr id="18" name="TextBox 17"/>
-          <p:cNvSpPr txBox="1"/>
-          <p:nvPr/>
-        </p:nvSpPr>
-        <p:spPr>
-          <a:xfrm>
-            <a:off x="6368020" y="3102059"/>
-            <a:ext cx="2524461" cy="830997"/>
-          </a:xfrm>
-          <a:prstGeom prst="rect">
-            <a:avLst/>
-          </a:prstGeom>
-          <a:solidFill>
-            <a:srgbClr val="FFFFFF">
-              <a:alpha val="74902"/>
-            </a:srgbClr>
-          </a:solidFill>
-        </p:spPr>
-        <p:txBody>
-          <a:bodyPr wrap="square" rtlCol="0">
-            <a:spAutoFit/>
-          </a:bodyPr>
-          <a:lstStyle/>
-          <a:p>
-            <a:pPr algn="r"/>
-            <a:r>
-              <a:rPr lang="en-US" sz="1600" dirty="0">
-                <a:latin typeface="Arial Unicode MS" pitchFamily="34" charset="-128"/>
-                <a:ea typeface="Arial Unicode MS" pitchFamily="34" charset="-128"/>
-                <a:cs typeface="Arial Unicode MS" pitchFamily="34" charset="-128"/>
-              </a:rPr>
-              <a:t>Video Captioning</a:t>
-            </a:r>
-          </a:p>
-          <a:p>
-            <a:pPr algn="r"/>
-            <a:r>
-              <a:rPr lang="en-US" sz="1600" dirty="0">
-                <a:latin typeface="Arial Unicode MS" pitchFamily="34" charset="-128"/>
-                <a:ea typeface="Arial Unicode MS" pitchFamily="34" charset="-128"/>
-                <a:cs typeface="Arial Unicode MS" pitchFamily="34" charset="-128"/>
-              </a:rPr>
-              <a:t>Video Search</a:t>
-            </a:r>
-          </a:p>
-          <a:p>
-            <a:pPr algn="r"/>
-            <a:r>
-              <a:rPr lang="en-US" sz="1600" dirty="0">
-                <a:latin typeface="Arial Unicode MS" pitchFamily="34" charset="-128"/>
-                <a:ea typeface="Arial Unicode MS" pitchFamily="34" charset="-128"/>
-                <a:cs typeface="Arial Unicode MS" pitchFamily="34" charset="-128"/>
-              </a:rPr>
-              <a:t>Real Time Translation</a:t>
-            </a:r>
-          </a:p>
-        </p:txBody>
-      </p:sp>
-      <p:sp>
-        <p:nvSpPr>
-          <p:cNvPr id="19" name="TextBox 18"/>
-          <p:cNvSpPr txBox="1"/>
-          <p:nvPr/>
-        </p:nvSpPr>
-        <p:spPr>
-          <a:xfrm>
-            <a:off x="1835696" y="4072640"/>
-            <a:ext cx="1639339" cy="646331"/>
-          </a:xfrm>
-          <a:prstGeom prst="rect">
-            <a:avLst/>
-          </a:prstGeom>
-          <a:noFill/>
-        </p:spPr>
-        <p:txBody>
-          <a:bodyPr wrap="square" rtlCol="0">
-            <a:spAutoFit/>
-          </a:bodyPr>
-          <a:lstStyle/>
-          <a:p>
-            <a:r>
-              <a:rPr lang="en-GB" dirty="0" smtClean="0">
-                <a:ln w="18415" cmpd="sng">
-                  <a:solidFill>
-                    <a:srgbClr val="FFFFFF"/>
-                  </a:solidFill>
-                  <a:prstDash val="solid"/>
-                </a:ln>
-                <a:solidFill>
-                  <a:srgbClr val="FFFFFF"/>
-                </a:solidFill>
-                <a:effectLst>
-                  <a:outerShdw blurRad="63500" dir="3600000" algn="tl" rotWithShape="0">
-                    <a:srgbClr val="000000">
-                      <a:alpha val="70000"/>
-                    </a:srgbClr>
-                  </a:outerShdw>
-                </a:effectLst>
-                <a:latin typeface="Arial Unicode MS" pitchFamily="34" charset="-128"/>
-                <a:ea typeface="Arial Unicode MS" pitchFamily="34" charset="-128"/>
-                <a:cs typeface="Arial Unicode MS" pitchFamily="34" charset="-128"/>
-              </a:rPr>
-              <a:t>SECURITY </a:t>
-            </a:r>
-            <a:r>
-              <a:rPr lang="en-GB" dirty="0">
-                <a:ln w="18415" cmpd="sng">
-                  <a:solidFill>
-                    <a:srgbClr val="FFFFFF"/>
-                  </a:solidFill>
-                  <a:prstDash val="solid"/>
-                </a:ln>
-                <a:solidFill>
-                  <a:srgbClr val="FFFFFF"/>
-                </a:solidFill>
-                <a:effectLst>
-                  <a:outerShdw blurRad="63500" dir="3600000" algn="tl" rotWithShape="0">
-                    <a:srgbClr val="000000">
-                      <a:alpha val="70000"/>
-                    </a:srgbClr>
-                  </a:outerShdw>
-                </a:effectLst>
-                <a:latin typeface="Arial Unicode MS" pitchFamily="34" charset="-128"/>
-                <a:ea typeface="Arial Unicode MS" pitchFamily="34" charset="-128"/>
-                <a:cs typeface="Arial Unicode MS" pitchFamily="34" charset="-128"/>
-              </a:rPr>
-              <a:t>&amp; </a:t>
-            </a:r>
-            <a:endParaRPr lang="en-GB" dirty="0" smtClean="0">
-              <a:ln w="18415" cmpd="sng">
-                <a:solidFill>
-                  <a:srgbClr val="FFFFFF"/>
-                </a:solidFill>
-                <a:prstDash val="solid"/>
-              </a:ln>
-              <a:solidFill>
-                <a:srgbClr val="FFFFFF"/>
-              </a:solidFill>
-              <a:effectLst>
-                <a:outerShdw blurRad="63500" dir="3600000" algn="tl" rotWithShape="0">
-                  <a:srgbClr val="000000">
-                    <a:alpha val="70000"/>
-                  </a:srgbClr>
-                </a:outerShdw>
-              </a:effectLst>
-              <a:latin typeface="Arial Unicode MS" pitchFamily="34" charset="-128"/>
-              <a:ea typeface="Arial Unicode MS" pitchFamily="34" charset="-128"/>
-              <a:cs typeface="Arial Unicode MS" pitchFamily="34" charset="-128"/>
-            </a:endParaRPr>
-          </a:p>
-          <a:p>
-            <a:r>
-              <a:rPr lang="en-GB" dirty="0" smtClean="0">
-                <a:ln w="18415" cmpd="sng">
-                  <a:solidFill>
-                    <a:srgbClr val="FFFFFF"/>
-                  </a:solidFill>
-                  <a:prstDash val="solid"/>
-                </a:ln>
-                <a:solidFill>
-                  <a:srgbClr val="FFFFFF"/>
-                </a:solidFill>
-                <a:effectLst>
-                  <a:outerShdw blurRad="63500" dir="3600000" algn="tl" rotWithShape="0">
-                    <a:srgbClr val="000000">
-                      <a:alpha val="70000"/>
-                    </a:srgbClr>
-                  </a:outerShdw>
-                </a:effectLst>
-                <a:latin typeface="Arial Unicode MS" pitchFamily="34" charset="-128"/>
-                <a:ea typeface="Arial Unicode MS" pitchFamily="34" charset="-128"/>
-                <a:cs typeface="Arial Unicode MS" pitchFamily="34" charset="-128"/>
-              </a:rPr>
-              <a:t>DEFENSE</a:t>
-            </a:r>
-            <a:endParaRPr lang="en-GB" dirty="0">
-              <a:ln w="18415" cmpd="sng">
-                <a:solidFill>
-                  <a:srgbClr val="FFFFFF"/>
-                </a:solidFill>
-                <a:prstDash val="solid"/>
-              </a:ln>
-              <a:solidFill>
-                <a:srgbClr val="FFFFFF"/>
-              </a:solidFill>
-              <a:effectLst>
-                <a:outerShdw blurRad="63500" dir="3600000" algn="tl" rotWithShape="0">
-                  <a:srgbClr val="000000">
-                    <a:alpha val="70000"/>
-                  </a:srgbClr>
-                </a:outerShdw>
-              </a:effectLst>
-              <a:latin typeface="Arial Unicode MS" pitchFamily="34" charset="-128"/>
-              <a:ea typeface="Arial Unicode MS" pitchFamily="34" charset="-128"/>
-              <a:cs typeface="Arial Unicode MS" pitchFamily="34" charset="-128"/>
-            </a:endParaRPr>
-          </a:p>
-        </p:txBody>
-      </p:sp>
-      <p:sp>
-        <p:nvSpPr>
-          <p:cNvPr id="20" name="TextBox 19"/>
-          <p:cNvSpPr txBox="1"/>
-          <p:nvPr/>
-        </p:nvSpPr>
-        <p:spPr>
-          <a:xfrm>
-            <a:off x="4932040" y="4072639"/>
-            <a:ext cx="2016224" cy="646331"/>
-          </a:xfrm>
-          <a:prstGeom prst="rect">
-            <a:avLst/>
-          </a:prstGeom>
-          <a:noFill/>
-        </p:spPr>
-        <p:txBody>
-          <a:bodyPr wrap="square" rtlCol="0">
-            <a:spAutoFit/>
-          </a:bodyPr>
-          <a:lstStyle/>
-          <a:p>
-            <a:r>
-              <a:rPr lang="en-GB" dirty="0" smtClean="0">
-                <a:ln w="18415" cmpd="sng">
-                  <a:solidFill>
-                    <a:srgbClr val="FFFFFF"/>
-                  </a:solidFill>
-                  <a:prstDash val="solid"/>
-                </a:ln>
-                <a:solidFill>
-                  <a:srgbClr val="FFFFFF"/>
-                </a:solidFill>
-                <a:effectLst>
-                  <a:outerShdw blurRad="63500" dir="3600000" algn="tl" rotWithShape="0">
-                    <a:srgbClr val="000000">
-                      <a:alpha val="70000"/>
-                    </a:srgbClr>
-                  </a:outerShdw>
-                </a:effectLst>
-                <a:latin typeface="Arial Unicode MS" pitchFamily="34" charset="-128"/>
-                <a:ea typeface="Arial Unicode MS" pitchFamily="34" charset="-128"/>
-                <a:cs typeface="Arial Unicode MS" pitchFamily="34" charset="-128"/>
-              </a:rPr>
-              <a:t>AUTONOMOUS </a:t>
-            </a:r>
-          </a:p>
-          <a:p>
-            <a:r>
-              <a:rPr lang="en-GB" dirty="0" smtClean="0">
-                <a:ln w="18415" cmpd="sng">
-                  <a:solidFill>
-                    <a:srgbClr val="FFFFFF"/>
-                  </a:solidFill>
-                  <a:prstDash val="solid"/>
-                </a:ln>
-                <a:solidFill>
-                  <a:srgbClr val="FFFFFF"/>
-                </a:solidFill>
-                <a:effectLst>
-                  <a:outerShdw blurRad="63500" dir="3600000" algn="tl" rotWithShape="0">
-                    <a:srgbClr val="000000">
-                      <a:alpha val="70000"/>
-                    </a:srgbClr>
-                  </a:outerShdw>
-                </a:effectLst>
-                <a:latin typeface="Arial Unicode MS" pitchFamily="34" charset="-128"/>
-                <a:ea typeface="Arial Unicode MS" pitchFamily="34" charset="-128"/>
-                <a:cs typeface="Arial Unicode MS" pitchFamily="34" charset="-128"/>
-              </a:rPr>
-              <a:t>MACHINES</a:t>
-            </a:r>
-            <a:endParaRPr lang="en-GB" dirty="0">
-              <a:ln w="18415" cmpd="sng">
-                <a:solidFill>
-                  <a:srgbClr val="FFFFFF"/>
-                </a:solidFill>
-                <a:prstDash val="solid"/>
-              </a:ln>
-              <a:solidFill>
-                <a:srgbClr val="FFFFFF"/>
-              </a:solidFill>
-              <a:effectLst>
-                <a:outerShdw blurRad="63500" dir="3600000" algn="tl" rotWithShape="0">
-                  <a:srgbClr val="000000">
-                    <a:alpha val="70000"/>
-                  </a:srgbClr>
-                </a:outerShdw>
-              </a:effectLst>
-              <a:latin typeface="Arial Unicode MS" pitchFamily="34" charset="-128"/>
-              <a:ea typeface="Arial Unicode MS" pitchFamily="34" charset="-128"/>
-              <a:cs typeface="Arial Unicode MS" pitchFamily="34" charset="-128"/>
-            </a:endParaRPr>
-          </a:p>
-        </p:txBody>
-      </p:sp>
-      <p:sp>
-        <p:nvSpPr>
-          <p:cNvPr id="21" name="TextBox 20"/>
-          <p:cNvSpPr txBox="1"/>
-          <p:nvPr/>
-        </p:nvSpPr>
-        <p:spPr>
-          <a:xfrm>
-            <a:off x="1835697" y="5525246"/>
-            <a:ext cx="2438400" cy="830997"/>
-          </a:xfrm>
-          <a:prstGeom prst="rect">
-            <a:avLst/>
-          </a:prstGeom>
-          <a:solidFill>
-            <a:srgbClr val="FFFFFF">
-              <a:alpha val="74902"/>
-            </a:srgbClr>
-          </a:solidFill>
-        </p:spPr>
-        <p:txBody>
-          <a:bodyPr wrap="square" rtlCol="0">
-            <a:spAutoFit/>
-          </a:bodyPr>
-          <a:lstStyle/>
-          <a:p>
-            <a:pPr algn="r"/>
-            <a:r>
-              <a:rPr lang="en-GB" sz="1600" dirty="0" smtClean="0">
-                <a:latin typeface="Arial Unicode MS" pitchFamily="34" charset="-128"/>
-                <a:ea typeface="Arial Unicode MS" pitchFamily="34" charset="-128"/>
-                <a:cs typeface="Arial Unicode MS" pitchFamily="34" charset="-128"/>
-              </a:rPr>
-              <a:t>Face Detection</a:t>
-            </a:r>
-            <a:endParaRPr lang="en-GB" sz="1600" dirty="0">
-              <a:latin typeface="Arial Unicode MS" pitchFamily="34" charset="-128"/>
-              <a:ea typeface="Arial Unicode MS" pitchFamily="34" charset="-128"/>
-              <a:cs typeface="Arial Unicode MS" pitchFamily="34" charset="-128"/>
-            </a:endParaRPr>
-          </a:p>
-          <a:p>
-            <a:pPr algn="r"/>
-            <a:r>
-              <a:rPr lang="en-GB" sz="1600" dirty="0" smtClean="0">
-                <a:latin typeface="Arial Unicode MS" pitchFamily="34" charset="-128"/>
-                <a:ea typeface="Arial Unicode MS" pitchFamily="34" charset="-128"/>
-                <a:cs typeface="Arial Unicode MS" pitchFamily="34" charset="-128"/>
-              </a:rPr>
-              <a:t>Video Surveillance</a:t>
-            </a:r>
-            <a:endParaRPr lang="en-GB" sz="1600" dirty="0">
-              <a:latin typeface="Arial Unicode MS" pitchFamily="34" charset="-128"/>
-              <a:ea typeface="Arial Unicode MS" pitchFamily="34" charset="-128"/>
-              <a:cs typeface="Arial Unicode MS" pitchFamily="34" charset="-128"/>
-            </a:endParaRPr>
-          </a:p>
-          <a:p>
-            <a:pPr algn="r"/>
-            <a:r>
-              <a:rPr lang="en-GB" sz="1600" dirty="0" smtClean="0">
-                <a:latin typeface="Arial Unicode MS" pitchFamily="34" charset="-128"/>
-                <a:ea typeface="Arial Unicode MS" pitchFamily="34" charset="-128"/>
-                <a:cs typeface="Arial Unicode MS" pitchFamily="34" charset="-128"/>
-              </a:rPr>
-              <a:t>Satellite Imagery</a:t>
-            </a:r>
-            <a:endParaRPr lang="en-GB" sz="1600" dirty="0">
-              <a:latin typeface="Arial Unicode MS" pitchFamily="34" charset="-128"/>
-              <a:ea typeface="Arial Unicode MS" pitchFamily="34" charset="-128"/>
-              <a:cs typeface="Arial Unicode MS" pitchFamily="34" charset="-128"/>
-            </a:endParaRPr>
-          </a:p>
-        </p:txBody>
-      </p:sp>
-      <p:sp>
-        <p:nvSpPr>
-          <p:cNvPr id="22" name="TextBox 21"/>
-          <p:cNvSpPr txBox="1"/>
-          <p:nvPr/>
-        </p:nvSpPr>
-        <p:spPr>
-          <a:xfrm>
-            <a:off x="4916935" y="5527895"/>
-            <a:ext cx="2438400" cy="856177"/>
-          </a:xfrm>
-          <a:prstGeom prst="rect">
-            <a:avLst/>
-          </a:prstGeom>
-          <a:solidFill>
-            <a:srgbClr val="FFFFFF">
-              <a:alpha val="74902"/>
-            </a:srgbClr>
-          </a:solidFill>
-        </p:spPr>
-        <p:txBody>
-          <a:bodyPr wrap="square" rtlCol="0">
-            <a:spAutoFit/>
-          </a:bodyPr>
-          <a:lstStyle/>
-          <a:p>
-            <a:pPr algn="r"/>
-            <a:r>
-              <a:rPr lang="en-GB" sz="1600" dirty="0" smtClean="0">
-                <a:latin typeface="Arial Unicode MS" pitchFamily="34" charset="-128"/>
-                <a:ea typeface="Arial Unicode MS" pitchFamily="34" charset="-128"/>
-                <a:cs typeface="Arial Unicode MS" pitchFamily="34" charset="-128"/>
-              </a:rPr>
-              <a:t>Pedestrian Detection</a:t>
-            </a:r>
-            <a:endParaRPr lang="en-GB" sz="1600" dirty="0">
-              <a:latin typeface="Arial Unicode MS" pitchFamily="34" charset="-128"/>
-              <a:ea typeface="Arial Unicode MS" pitchFamily="34" charset="-128"/>
-              <a:cs typeface="Arial Unicode MS" pitchFamily="34" charset="-128"/>
-            </a:endParaRPr>
-          </a:p>
-          <a:p>
-            <a:pPr algn="r"/>
-            <a:r>
-              <a:rPr lang="en-GB" sz="1600" dirty="0" smtClean="0">
-                <a:latin typeface="Arial Unicode MS" pitchFamily="34" charset="-128"/>
-                <a:ea typeface="Arial Unicode MS" pitchFamily="34" charset="-128"/>
-                <a:cs typeface="Arial Unicode MS" pitchFamily="34" charset="-128"/>
-              </a:rPr>
-              <a:t>Lane Tracking</a:t>
-            </a:r>
-            <a:endParaRPr lang="en-GB" sz="1600" dirty="0">
-              <a:latin typeface="Arial Unicode MS" pitchFamily="34" charset="-128"/>
-              <a:ea typeface="Arial Unicode MS" pitchFamily="34" charset="-128"/>
-              <a:cs typeface="Arial Unicode MS" pitchFamily="34" charset="-128"/>
-            </a:endParaRPr>
-          </a:p>
-          <a:p>
-            <a:pPr algn="r"/>
-            <a:r>
-              <a:rPr lang="en-GB" sz="1600" dirty="0" smtClean="0">
-                <a:latin typeface="Arial Unicode MS" pitchFamily="34" charset="-128"/>
-                <a:ea typeface="Arial Unicode MS" pitchFamily="34" charset="-128"/>
-                <a:cs typeface="Arial Unicode MS" pitchFamily="34" charset="-128"/>
-              </a:rPr>
-              <a:t>Recognize Traffic Sign</a:t>
-            </a:r>
-            <a:endParaRPr lang="en-GB" sz="1600" dirty="0">
-              <a:latin typeface="Arial Unicode MS" pitchFamily="34" charset="-128"/>
-              <a:ea typeface="Arial Unicode MS" pitchFamily="34" charset="-128"/>
-              <a:cs typeface="Arial Unicode MS" pitchFamily="34" charset="-128"/>
-            </a:endParaRPr>
-          </a:p>
-        </p:txBody>
-      </p:sp>
-    </p:spTree>
-    <p:extLst>
-      <p:ext uri="{BB962C8B-B14F-4D97-AF65-F5344CB8AC3E}">
-        <p14:creationId xmlns:p14="http://schemas.microsoft.com/office/powerpoint/2010/main" val="3656297097"/>
-      </p:ext>
-    </p:extLst>
-  </p:cSld>
-  <p:clrMapOvr>
-    <a:masterClrMapping/>
-  </p:clrMapOvr>
-  <p:timing>
-    <p:tnLst>
-      <p:par>
-        <p:cTn id="1" dur="indefinite" restart="never" nodeType="tmRoot"/>
-      </p:par>
-    </p:tnLst>
-  </p:timing>
-</p:sld>
-</file>
-
-<file path=ppt/slides/slide31.xml><?xml version="1.0" encoding="utf-8"?>
-<p:sld xmlns:a="http://schemas.openxmlformats.org/drawingml/2006/main" xmlns:r="http://schemas.openxmlformats.org/officeDocument/2006/relationships" xmlns:p="http://schemas.openxmlformats.org/presentationml/2006/main">
-  <p:cSld>
-    <p:spTree>
-      <p:nvGrpSpPr>
-        <p:cNvPr id="1" name=""/>
-        <p:cNvGrpSpPr/>
-        <p:nvPr/>
-      </p:nvGrpSpPr>
-      <p:grpSpPr>
-        <a:xfrm>
-          <a:off x="0" y="0"/>
-          <a:ext cx="0" cy="0"/>
-          <a:chOff x="0" y="0"/>
-          <a:chExt cx="0" cy="0"/>
-        </a:xfrm>
-      </p:grpSpPr>
-      <p:sp>
-        <p:nvSpPr>
-          <p:cNvPr id="2" name="Τίτλος 1"/>
-          <p:cNvSpPr>
-            <a:spLocks noGrp="1"/>
-          </p:cNvSpPr>
-          <p:nvPr>
-            <p:ph type="title"/>
-          </p:nvPr>
-        </p:nvSpPr>
-        <p:spPr/>
-        <p:txBody>
-          <a:bodyPr/>
-          <a:lstStyle/>
-          <a:p>
-            <a:r>
-              <a:rPr lang="en-US" dirty="0" smtClean="0"/>
-              <a:t>Deep LEARNING With Python</a:t>
-            </a:r>
-            <a:endParaRPr lang="el-GR" dirty="0"/>
-          </a:p>
-        </p:txBody>
-      </p:sp>
-    </p:spTree>
-    <p:extLst>
-      <p:ext uri="{BB962C8B-B14F-4D97-AF65-F5344CB8AC3E}">
-        <p14:creationId xmlns:p14="http://schemas.microsoft.com/office/powerpoint/2010/main" val="3723878617"/>
-      </p:ext>
-    </p:extLst>
-  </p:cSld>
-  <p:clrMapOvr>
-    <a:masterClrMapping/>
-  </p:clrMapOvr>
-  <p:timing>
-    <p:tnLst>
-      <p:par>
-        <p:cTn id="1" dur="indefinite" restart="never" nodeType="tmRoot"/>
-      </p:par>
-    </p:tnLst>
-  </p:timing>
-</p:sld>
-</file>
-
-<file path=ppt/slides/slide32.xml><?xml version="1.0" encoding="utf-8"?>
-<p:sld xmlns:a="http://schemas.openxmlformats.org/drawingml/2006/main" xmlns:r="http://schemas.openxmlformats.org/officeDocument/2006/relationships" xmlns:p="http://schemas.openxmlformats.org/presentationml/2006/main">
-  <p:cSld>
-    <p:spTree>
-      <p:nvGrpSpPr>
-        <p:cNvPr id="1" name=""/>
-        <p:cNvGrpSpPr/>
-        <p:nvPr/>
-      </p:nvGrpSpPr>
-      <p:grpSpPr>
-        <a:xfrm>
-          <a:off x="0" y="0"/>
-          <a:ext cx="0" cy="0"/>
-          <a:chOff x="0" y="0"/>
-          <a:chExt cx="0" cy="0"/>
-        </a:xfrm>
-      </p:grpSpPr>
-      <p:sp>
-        <p:nvSpPr>
-          <p:cNvPr id="2" name="Τίτλος 1"/>
-          <p:cNvSpPr>
-            <a:spLocks noGrp="1"/>
-          </p:cNvSpPr>
-          <p:nvPr>
-            <p:ph type="title"/>
-          </p:nvPr>
-        </p:nvSpPr>
-        <p:spPr/>
-        <p:txBody>
-          <a:bodyPr/>
-          <a:lstStyle/>
-          <a:p>
-            <a:r>
-              <a:rPr lang="en-US" dirty="0" smtClean="0"/>
-              <a:t>Set of </a:t>
-            </a:r>
-            <a:r>
-              <a:rPr lang="en-US" smtClean="0"/>
-              <a:t>Powerful Libraries</a:t>
-            </a:r>
-            <a:endParaRPr lang="el-GR" dirty="0"/>
-          </a:p>
-        </p:txBody>
-      </p:sp>
-      <p:sp>
-        <p:nvSpPr>
-          <p:cNvPr id="5" name="TextBox 4"/>
-          <p:cNvSpPr txBox="1"/>
-          <p:nvPr/>
-        </p:nvSpPr>
-        <p:spPr>
-          <a:xfrm>
-            <a:off x="136307" y="6381328"/>
-            <a:ext cx="6811957" cy="276999"/>
-          </a:xfrm>
-          <a:prstGeom prst="rect">
-            <a:avLst/>
-          </a:prstGeom>
-          <a:noFill/>
-        </p:spPr>
-        <p:txBody>
-          <a:bodyPr wrap="square" rtlCol="0">
-            <a:spAutoFit/>
-          </a:bodyPr>
-          <a:lstStyle/>
-          <a:p>
-            <a:r>
-              <a:rPr lang="en-GB" sz="1200" dirty="0" smtClean="0"/>
-              <a:t>Source</a:t>
-            </a:r>
-            <a:r>
-              <a:rPr lang="en-GB" sz="1200" dirty="0"/>
-              <a:t>: https://www.datacamp.com/community/blog/python-scientific-computing-case</a:t>
-            </a:r>
-            <a:endParaRPr lang="el-GR" sz="1200" dirty="0"/>
-          </a:p>
-        </p:txBody>
-      </p:sp>
       <p:pic>
         <p:nvPicPr>
-          <p:cNvPr id="5124" name="Picture 4"/>
+          <p:cNvPr id="4100" name="Picture 4"/>
           <p:cNvPicPr>
             <a:picLocks noChangeAspect="1" noChangeArrowheads="1"/>
           </p:cNvPicPr>
           <p:nvPr/>
         </p:nvPicPr>
         <p:blipFill>
-          <a:blip r:embed="rId2">
+          <a:blip r:embed="rId4">
             <a:extLst>
               <a:ext uri="{28A0092B-C50C-407E-A947-70E740481C1C}">
                 <a14:useLocalDpi xmlns:a14="http://schemas.microsoft.com/office/drawing/2010/main" val="0"/>
@@ -10763,8 +10277,8 @@
         </p:blipFill>
         <p:spPr bwMode="auto">
           <a:xfrm>
-            <a:off x="1187624" y="1746705"/>
-            <a:ext cx="6930944" cy="4418599"/>
+            <a:off x="6368020" y="1556792"/>
+            <a:ext cx="2524460" cy="2372039"/>
           </a:xfrm>
           <a:prstGeom prst="rect">
             <a:avLst/>
@@ -10804,10 +10318,1043 @@
           </a:extLst>
         </p:spPr>
       </p:pic>
+      <p:pic>
+        <p:nvPicPr>
+          <p:cNvPr id="4101" name="Picture 5"/>
+          <p:cNvPicPr>
+            <a:picLocks noChangeAspect="1" noChangeArrowheads="1"/>
+          </p:cNvPicPr>
+          <p:nvPr/>
+        </p:nvPicPr>
+        <p:blipFill>
+          <a:blip r:embed="rId5">
+            <a:extLst>
+              <a:ext uri="{28A0092B-C50C-407E-A947-70E740481C1C}">
+                <a14:useLocalDpi xmlns:a14="http://schemas.microsoft.com/office/drawing/2010/main" val="0"/>
+              </a:ext>
+            </a:extLst>
+          </a:blip>
+          <a:srcRect/>
+          <a:stretch>
+            <a:fillRect/>
+          </a:stretch>
+        </p:blipFill>
+        <p:spPr bwMode="auto">
+          <a:xfrm>
+            <a:off x="1835696" y="4072640"/>
+            <a:ext cx="2438400" cy="2291176"/>
+          </a:xfrm>
+          <a:prstGeom prst="rect">
+            <a:avLst/>
+          </a:prstGeom>
+          <a:noFill/>
+          <a:ln>
+            <a:noFill/>
+          </a:ln>
+          <a:effectLst/>
+          <a:extLst>
+            <a:ext uri="{909E8E84-426E-40DD-AFC4-6F175D3DCCD1}">
+              <a14:hiddenFill xmlns:a14="http://schemas.microsoft.com/office/drawing/2010/main">
+                <a:solidFill>
+                  <a:schemeClr val="accent1"/>
+                </a:solidFill>
+              </a14:hiddenFill>
+            </a:ext>
+            <a:ext uri="{91240B29-F687-4F45-9708-019B960494DF}">
+              <a14:hiddenLine xmlns:a14="http://schemas.microsoft.com/office/drawing/2010/main" w="9525">
+                <a:solidFill>
+                  <a:schemeClr val="tx1"/>
+                </a:solidFill>
+                <a:miter lim="800000"/>
+                <a:headEnd/>
+                <a:tailEnd/>
+              </a14:hiddenLine>
+            </a:ext>
+            <a:ext uri="{AF507438-7753-43E0-B8FC-AC1667EBCBE1}">
+              <a14:hiddenEffects xmlns:a14="http://schemas.microsoft.com/office/drawing/2010/main">
+                <a:effectLst>
+                  <a:outerShdw dist="35921" dir="2700000" algn="ctr" rotWithShape="0">
+                    <a:schemeClr val="bg2"/>
+                  </a:outerShdw>
+                </a:effectLst>
+              </a14:hiddenEffects>
+            </a:ext>
+          </a:extLst>
+        </p:spPr>
+      </p:pic>
+      <p:pic>
+        <p:nvPicPr>
+          <p:cNvPr id="4102" name="Picture 6"/>
+          <p:cNvPicPr>
+            <a:picLocks noChangeAspect="1" noChangeArrowheads="1"/>
+          </p:cNvPicPr>
+          <p:nvPr/>
+        </p:nvPicPr>
+        <p:blipFill>
+          <a:blip r:embed="rId6">
+            <a:extLst>
+              <a:ext uri="{28A0092B-C50C-407E-A947-70E740481C1C}">
+                <a14:useLocalDpi xmlns:a14="http://schemas.microsoft.com/office/drawing/2010/main" val="0"/>
+              </a:ext>
+            </a:extLst>
+          </a:blip>
+          <a:srcRect/>
+          <a:stretch>
+            <a:fillRect/>
+          </a:stretch>
+        </p:blipFill>
+        <p:spPr bwMode="auto">
+          <a:xfrm>
+            <a:off x="4932040" y="4072640"/>
+            <a:ext cx="2423295" cy="2320771"/>
+          </a:xfrm>
+          <a:prstGeom prst="rect">
+            <a:avLst/>
+          </a:prstGeom>
+          <a:noFill/>
+          <a:ln>
+            <a:noFill/>
+          </a:ln>
+          <a:effectLst/>
+          <a:extLst>
+            <a:ext uri="{909E8E84-426E-40DD-AFC4-6F175D3DCCD1}">
+              <a14:hiddenFill xmlns:a14="http://schemas.microsoft.com/office/drawing/2010/main">
+                <a:solidFill>
+                  <a:schemeClr val="accent1"/>
+                </a:solidFill>
+              </a14:hiddenFill>
+            </a:ext>
+            <a:ext uri="{91240B29-F687-4F45-9708-019B960494DF}">
+              <a14:hiddenLine xmlns:a14="http://schemas.microsoft.com/office/drawing/2010/main" w="9525">
+                <a:solidFill>
+                  <a:schemeClr val="tx1"/>
+                </a:solidFill>
+                <a:miter lim="800000"/>
+                <a:headEnd/>
+                <a:tailEnd/>
+              </a14:hiddenLine>
+            </a:ext>
+            <a:ext uri="{AF507438-7753-43E0-B8FC-AC1667EBCBE1}">
+              <a14:hiddenEffects xmlns:a14="http://schemas.microsoft.com/office/drawing/2010/main">
+                <a:effectLst>
+                  <a:outerShdw dist="35921" dir="2700000" algn="ctr" rotWithShape="0">
+                    <a:schemeClr val="bg2"/>
+                  </a:outerShdw>
+                </a:effectLst>
+              </a14:hiddenEffects>
+            </a:ext>
+          </a:extLst>
+        </p:spPr>
+      </p:pic>
+      <p:sp>
+        <p:nvSpPr>
+          <p:cNvPr id="10" name="TextBox 9"/>
+          <p:cNvSpPr txBox="1"/>
+          <p:nvPr/>
+        </p:nvSpPr>
+        <p:spPr>
+          <a:xfrm>
+            <a:off x="371004" y="3102059"/>
+            <a:ext cx="2438400" cy="830997"/>
+          </a:xfrm>
+          <a:prstGeom prst="rect">
+            <a:avLst/>
+          </a:prstGeom>
+          <a:solidFill>
+            <a:srgbClr val="FFFFFF">
+              <a:alpha val="74902"/>
+            </a:srgbClr>
+          </a:solidFill>
+        </p:spPr>
+        <p:txBody>
+          <a:bodyPr wrap="square" rtlCol="0">
+            <a:spAutoFit/>
+          </a:bodyPr>
+          <a:lstStyle/>
+          <a:p>
+            <a:pPr algn="r"/>
+            <a:r>
+              <a:rPr lang="en-GB" sz="1600" dirty="0" smtClean="0">
+                <a:latin typeface="Arial Unicode MS" pitchFamily="34" charset="-128"/>
+                <a:ea typeface="Arial Unicode MS" pitchFamily="34" charset="-128"/>
+                <a:cs typeface="Arial Unicode MS" pitchFamily="34" charset="-128"/>
+              </a:rPr>
+              <a:t>Cancer Cell Detection</a:t>
+            </a:r>
+          </a:p>
+          <a:p>
+            <a:pPr algn="r"/>
+            <a:r>
+              <a:rPr lang="en-GB" sz="1600" dirty="0" smtClean="0">
+                <a:latin typeface="Arial Unicode MS" pitchFamily="34" charset="-128"/>
+                <a:ea typeface="Arial Unicode MS" pitchFamily="34" charset="-128"/>
+                <a:cs typeface="Arial Unicode MS" pitchFamily="34" charset="-128"/>
+              </a:rPr>
+              <a:t>Diabetic Grading</a:t>
+            </a:r>
+          </a:p>
+          <a:p>
+            <a:pPr algn="r"/>
+            <a:r>
+              <a:rPr lang="en-GB" sz="1600" dirty="0" smtClean="0">
+                <a:latin typeface="Arial Unicode MS" pitchFamily="34" charset="-128"/>
+                <a:ea typeface="Arial Unicode MS" pitchFamily="34" charset="-128"/>
+                <a:cs typeface="Arial Unicode MS" pitchFamily="34" charset="-128"/>
+              </a:rPr>
+              <a:t>Drug Discovery</a:t>
+            </a:r>
+            <a:endParaRPr lang="el-GR" sz="1600" dirty="0">
+              <a:latin typeface="Arial Unicode MS" pitchFamily="34" charset="-128"/>
+              <a:ea typeface="Arial Unicode MS" pitchFamily="34" charset="-128"/>
+              <a:cs typeface="Arial Unicode MS" pitchFamily="34" charset="-128"/>
+            </a:endParaRPr>
+          </a:p>
+        </p:txBody>
+      </p:sp>
+      <p:sp>
+        <p:nvSpPr>
+          <p:cNvPr id="13" name="TextBox 12"/>
+          <p:cNvSpPr txBox="1"/>
+          <p:nvPr/>
+        </p:nvSpPr>
+        <p:spPr>
+          <a:xfrm>
+            <a:off x="371003" y="1556792"/>
+            <a:ext cx="1639339" cy="646331"/>
+          </a:xfrm>
+          <a:prstGeom prst="rect">
+            <a:avLst/>
+          </a:prstGeom>
+          <a:noFill/>
+        </p:spPr>
+        <p:txBody>
+          <a:bodyPr wrap="square" rtlCol="0">
+            <a:spAutoFit/>
+          </a:bodyPr>
+          <a:lstStyle/>
+          <a:p>
+            <a:r>
+              <a:rPr lang="en-GB" dirty="0" smtClean="0">
+                <a:ln w="18415" cmpd="sng">
+                  <a:solidFill>
+                    <a:srgbClr val="FFFFFF"/>
+                  </a:solidFill>
+                  <a:prstDash val="solid"/>
+                </a:ln>
+                <a:solidFill>
+                  <a:srgbClr val="FFFFFF"/>
+                </a:solidFill>
+                <a:effectLst>
+                  <a:outerShdw blurRad="63500" dir="3600000" algn="tl" rotWithShape="0">
+                    <a:srgbClr val="000000">
+                      <a:alpha val="70000"/>
+                    </a:srgbClr>
+                  </a:outerShdw>
+                </a:effectLst>
+                <a:latin typeface="Arial Unicode MS" pitchFamily="34" charset="-128"/>
+                <a:ea typeface="Arial Unicode MS" pitchFamily="34" charset="-128"/>
+                <a:cs typeface="Arial Unicode MS" pitchFamily="34" charset="-128"/>
+              </a:rPr>
+              <a:t>MEDICINE &amp;</a:t>
+            </a:r>
+          </a:p>
+          <a:p>
+            <a:r>
+              <a:rPr lang="en-GB" dirty="0" smtClean="0">
+                <a:ln w="18415" cmpd="sng">
+                  <a:solidFill>
+                    <a:srgbClr val="FFFFFF"/>
+                  </a:solidFill>
+                  <a:prstDash val="solid"/>
+                </a:ln>
+                <a:solidFill>
+                  <a:srgbClr val="FFFFFF"/>
+                </a:solidFill>
+                <a:effectLst>
+                  <a:outerShdw blurRad="63500" dir="3600000" algn="tl" rotWithShape="0">
+                    <a:srgbClr val="000000">
+                      <a:alpha val="70000"/>
+                    </a:srgbClr>
+                  </a:outerShdw>
+                </a:effectLst>
+                <a:latin typeface="Arial Unicode MS" pitchFamily="34" charset="-128"/>
+                <a:ea typeface="Arial Unicode MS" pitchFamily="34" charset="-128"/>
+                <a:cs typeface="Arial Unicode MS" pitchFamily="34" charset="-128"/>
+              </a:rPr>
+              <a:t>BIOLOGY</a:t>
+            </a:r>
+          </a:p>
+        </p:txBody>
+      </p:sp>
+      <p:sp>
+        <p:nvSpPr>
+          <p:cNvPr id="15" name="TextBox 14"/>
+          <p:cNvSpPr txBox="1"/>
+          <p:nvPr/>
+        </p:nvSpPr>
+        <p:spPr>
+          <a:xfrm>
+            <a:off x="3343683" y="3102059"/>
+            <a:ext cx="2524461" cy="830997"/>
+          </a:xfrm>
+          <a:prstGeom prst="rect">
+            <a:avLst/>
+          </a:prstGeom>
+          <a:solidFill>
+            <a:srgbClr val="FFFFFF">
+              <a:alpha val="74902"/>
+            </a:srgbClr>
+          </a:solidFill>
+        </p:spPr>
+        <p:txBody>
+          <a:bodyPr wrap="square" rtlCol="0">
+            <a:spAutoFit/>
+          </a:bodyPr>
+          <a:lstStyle/>
+          <a:p>
+            <a:pPr algn="r"/>
+            <a:r>
+              <a:rPr lang="en-GB" sz="1600" dirty="0">
+                <a:latin typeface="Arial Unicode MS" pitchFamily="34" charset="-128"/>
+                <a:ea typeface="Arial Unicode MS" pitchFamily="34" charset="-128"/>
+                <a:cs typeface="Arial Unicode MS" pitchFamily="34" charset="-128"/>
+              </a:rPr>
+              <a:t>Image Classification</a:t>
+            </a:r>
+          </a:p>
+          <a:p>
+            <a:pPr algn="r"/>
+            <a:r>
+              <a:rPr lang="en-GB" sz="1600" dirty="0">
+                <a:latin typeface="Arial Unicode MS" pitchFamily="34" charset="-128"/>
+                <a:ea typeface="Arial Unicode MS" pitchFamily="34" charset="-128"/>
+                <a:cs typeface="Arial Unicode MS" pitchFamily="34" charset="-128"/>
+              </a:rPr>
+              <a:t>Speech Recognition</a:t>
+            </a:r>
+          </a:p>
+          <a:p>
+            <a:pPr algn="r"/>
+            <a:r>
+              <a:rPr lang="en-GB" sz="1600" dirty="0">
+                <a:latin typeface="Arial Unicode MS" pitchFamily="34" charset="-128"/>
+                <a:ea typeface="Arial Unicode MS" pitchFamily="34" charset="-128"/>
+                <a:cs typeface="Arial Unicode MS" pitchFamily="34" charset="-128"/>
+              </a:rPr>
+              <a:t>Language Translation</a:t>
+            </a:r>
+          </a:p>
+        </p:txBody>
+      </p:sp>
+      <p:sp>
+        <p:nvSpPr>
+          <p:cNvPr id="16" name="TextBox 15"/>
+          <p:cNvSpPr txBox="1"/>
+          <p:nvPr/>
+        </p:nvSpPr>
+        <p:spPr>
+          <a:xfrm>
+            <a:off x="3343683" y="1556792"/>
+            <a:ext cx="1639339" cy="646331"/>
+          </a:xfrm>
+          <a:prstGeom prst="rect">
+            <a:avLst/>
+          </a:prstGeom>
+          <a:noFill/>
+        </p:spPr>
+        <p:txBody>
+          <a:bodyPr wrap="square" rtlCol="0">
+            <a:spAutoFit/>
+          </a:bodyPr>
+          <a:lstStyle/>
+          <a:p>
+            <a:r>
+              <a:rPr lang="en-GB" dirty="0">
+                <a:ln w="18415" cmpd="sng">
+                  <a:solidFill>
+                    <a:srgbClr val="FFFFFF"/>
+                  </a:solidFill>
+                  <a:prstDash val="solid"/>
+                </a:ln>
+                <a:solidFill>
+                  <a:srgbClr val="FFFFFF"/>
+                </a:solidFill>
+                <a:effectLst>
+                  <a:outerShdw blurRad="63500" dir="3600000" algn="tl" rotWithShape="0">
+                    <a:srgbClr val="000000">
+                      <a:alpha val="70000"/>
+                    </a:srgbClr>
+                  </a:outerShdw>
+                </a:effectLst>
+                <a:latin typeface="Arial Unicode MS" pitchFamily="34" charset="-128"/>
+                <a:ea typeface="Arial Unicode MS" pitchFamily="34" charset="-128"/>
+                <a:cs typeface="Arial Unicode MS" pitchFamily="34" charset="-128"/>
+              </a:rPr>
+              <a:t>INTERNET &amp; </a:t>
+            </a:r>
+            <a:endParaRPr lang="en-GB" dirty="0" smtClean="0">
+              <a:ln w="18415" cmpd="sng">
+                <a:solidFill>
+                  <a:srgbClr val="FFFFFF"/>
+                </a:solidFill>
+                <a:prstDash val="solid"/>
+              </a:ln>
+              <a:solidFill>
+                <a:srgbClr val="FFFFFF"/>
+              </a:solidFill>
+              <a:effectLst>
+                <a:outerShdw blurRad="63500" dir="3600000" algn="tl" rotWithShape="0">
+                  <a:srgbClr val="000000">
+                    <a:alpha val="70000"/>
+                  </a:srgbClr>
+                </a:outerShdw>
+              </a:effectLst>
+              <a:latin typeface="Arial Unicode MS" pitchFamily="34" charset="-128"/>
+              <a:ea typeface="Arial Unicode MS" pitchFamily="34" charset="-128"/>
+              <a:cs typeface="Arial Unicode MS" pitchFamily="34" charset="-128"/>
+            </a:endParaRPr>
+          </a:p>
+          <a:p>
+            <a:r>
+              <a:rPr lang="en-GB" dirty="0" smtClean="0">
+                <a:ln w="18415" cmpd="sng">
+                  <a:solidFill>
+                    <a:srgbClr val="FFFFFF"/>
+                  </a:solidFill>
+                  <a:prstDash val="solid"/>
+                </a:ln>
+                <a:solidFill>
+                  <a:srgbClr val="FFFFFF"/>
+                </a:solidFill>
+                <a:effectLst>
+                  <a:outerShdw blurRad="63500" dir="3600000" algn="tl" rotWithShape="0">
+                    <a:srgbClr val="000000">
+                      <a:alpha val="70000"/>
+                    </a:srgbClr>
+                  </a:outerShdw>
+                </a:effectLst>
+                <a:latin typeface="Arial Unicode MS" pitchFamily="34" charset="-128"/>
+                <a:ea typeface="Arial Unicode MS" pitchFamily="34" charset="-128"/>
+                <a:cs typeface="Arial Unicode MS" pitchFamily="34" charset="-128"/>
+              </a:rPr>
+              <a:t>CLOUD</a:t>
+            </a:r>
+            <a:endParaRPr lang="en-GB" dirty="0">
+              <a:ln w="18415" cmpd="sng">
+                <a:solidFill>
+                  <a:srgbClr val="FFFFFF"/>
+                </a:solidFill>
+                <a:prstDash val="solid"/>
+              </a:ln>
+              <a:solidFill>
+                <a:srgbClr val="FFFFFF"/>
+              </a:solidFill>
+              <a:effectLst>
+                <a:outerShdw blurRad="63500" dir="3600000" algn="tl" rotWithShape="0">
+                  <a:srgbClr val="000000">
+                    <a:alpha val="70000"/>
+                  </a:srgbClr>
+                </a:outerShdw>
+              </a:effectLst>
+              <a:latin typeface="Arial Unicode MS" pitchFamily="34" charset="-128"/>
+              <a:ea typeface="Arial Unicode MS" pitchFamily="34" charset="-128"/>
+              <a:cs typeface="Arial Unicode MS" pitchFamily="34" charset="-128"/>
+            </a:endParaRPr>
+          </a:p>
+        </p:txBody>
+      </p:sp>
+      <p:sp>
+        <p:nvSpPr>
+          <p:cNvPr id="17" name="TextBox 16"/>
+          <p:cNvSpPr txBox="1"/>
+          <p:nvPr/>
+        </p:nvSpPr>
+        <p:spPr>
+          <a:xfrm>
+            <a:off x="6372200" y="1561001"/>
+            <a:ext cx="2160240" cy="646331"/>
+          </a:xfrm>
+          <a:prstGeom prst="rect">
+            <a:avLst/>
+          </a:prstGeom>
+          <a:noFill/>
+        </p:spPr>
+        <p:txBody>
+          <a:bodyPr wrap="square" rtlCol="0">
+            <a:spAutoFit/>
+          </a:bodyPr>
+          <a:lstStyle/>
+          <a:p>
+            <a:r>
+              <a:rPr lang="en-GB" dirty="0" smtClean="0">
+                <a:ln w="18415" cmpd="sng">
+                  <a:solidFill>
+                    <a:srgbClr val="FFFFFF"/>
+                  </a:solidFill>
+                  <a:prstDash val="solid"/>
+                </a:ln>
+                <a:solidFill>
+                  <a:srgbClr val="FFFFFF"/>
+                </a:solidFill>
+                <a:effectLst>
+                  <a:outerShdw blurRad="63500" dir="3600000" algn="tl" rotWithShape="0">
+                    <a:srgbClr val="000000">
+                      <a:alpha val="70000"/>
+                    </a:srgbClr>
+                  </a:outerShdw>
+                </a:effectLst>
+                <a:latin typeface="Arial Unicode MS" pitchFamily="34" charset="-128"/>
+                <a:ea typeface="Arial Unicode MS" pitchFamily="34" charset="-128"/>
+                <a:cs typeface="Arial Unicode MS" pitchFamily="34" charset="-128"/>
+              </a:rPr>
+              <a:t>MEDIA </a:t>
+            </a:r>
+            <a:r>
+              <a:rPr lang="en-GB" dirty="0">
+                <a:ln w="18415" cmpd="sng">
+                  <a:solidFill>
+                    <a:srgbClr val="FFFFFF"/>
+                  </a:solidFill>
+                  <a:prstDash val="solid"/>
+                </a:ln>
+                <a:solidFill>
+                  <a:srgbClr val="FFFFFF"/>
+                </a:solidFill>
+                <a:effectLst>
+                  <a:outerShdw blurRad="63500" dir="3600000" algn="tl" rotWithShape="0">
+                    <a:srgbClr val="000000">
+                      <a:alpha val="70000"/>
+                    </a:srgbClr>
+                  </a:outerShdw>
+                </a:effectLst>
+                <a:latin typeface="Arial Unicode MS" pitchFamily="34" charset="-128"/>
+                <a:ea typeface="Arial Unicode MS" pitchFamily="34" charset="-128"/>
+                <a:cs typeface="Arial Unicode MS" pitchFamily="34" charset="-128"/>
+              </a:rPr>
+              <a:t>&amp; </a:t>
+            </a:r>
+            <a:endParaRPr lang="en-GB" dirty="0" smtClean="0">
+              <a:ln w="18415" cmpd="sng">
+                <a:solidFill>
+                  <a:srgbClr val="FFFFFF"/>
+                </a:solidFill>
+                <a:prstDash val="solid"/>
+              </a:ln>
+              <a:solidFill>
+                <a:srgbClr val="FFFFFF"/>
+              </a:solidFill>
+              <a:effectLst>
+                <a:outerShdw blurRad="63500" dir="3600000" algn="tl" rotWithShape="0">
+                  <a:srgbClr val="000000">
+                    <a:alpha val="70000"/>
+                  </a:srgbClr>
+                </a:outerShdw>
+              </a:effectLst>
+              <a:latin typeface="Arial Unicode MS" pitchFamily="34" charset="-128"/>
+              <a:ea typeface="Arial Unicode MS" pitchFamily="34" charset="-128"/>
+              <a:cs typeface="Arial Unicode MS" pitchFamily="34" charset="-128"/>
+            </a:endParaRPr>
+          </a:p>
+          <a:p>
+            <a:r>
+              <a:rPr lang="en-GB" dirty="0" smtClean="0">
+                <a:ln w="18415" cmpd="sng">
+                  <a:solidFill>
+                    <a:srgbClr val="FFFFFF"/>
+                  </a:solidFill>
+                  <a:prstDash val="solid"/>
+                </a:ln>
+                <a:solidFill>
+                  <a:srgbClr val="FFFFFF"/>
+                </a:solidFill>
+                <a:effectLst>
+                  <a:outerShdw blurRad="63500" dir="3600000" algn="tl" rotWithShape="0">
+                    <a:srgbClr val="000000">
+                      <a:alpha val="70000"/>
+                    </a:srgbClr>
+                  </a:outerShdw>
+                </a:effectLst>
+                <a:latin typeface="Arial Unicode MS" pitchFamily="34" charset="-128"/>
+                <a:ea typeface="Arial Unicode MS" pitchFamily="34" charset="-128"/>
+                <a:cs typeface="Arial Unicode MS" pitchFamily="34" charset="-128"/>
+              </a:rPr>
+              <a:t>ENTERTAINMENT</a:t>
+            </a:r>
+            <a:endParaRPr lang="en-GB" dirty="0">
+              <a:ln w="18415" cmpd="sng">
+                <a:solidFill>
+                  <a:srgbClr val="FFFFFF"/>
+                </a:solidFill>
+                <a:prstDash val="solid"/>
+              </a:ln>
+              <a:solidFill>
+                <a:srgbClr val="FFFFFF"/>
+              </a:solidFill>
+              <a:effectLst>
+                <a:outerShdw blurRad="63500" dir="3600000" algn="tl" rotWithShape="0">
+                  <a:srgbClr val="000000">
+                    <a:alpha val="70000"/>
+                  </a:srgbClr>
+                </a:outerShdw>
+              </a:effectLst>
+              <a:latin typeface="Arial Unicode MS" pitchFamily="34" charset="-128"/>
+              <a:ea typeface="Arial Unicode MS" pitchFamily="34" charset="-128"/>
+              <a:cs typeface="Arial Unicode MS" pitchFamily="34" charset="-128"/>
+            </a:endParaRPr>
+          </a:p>
+        </p:txBody>
+      </p:sp>
+      <p:sp>
+        <p:nvSpPr>
+          <p:cNvPr id="18" name="TextBox 17"/>
+          <p:cNvSpPr txBox="1"/>
+          <p:nvPr/>
+        </p:nvSpPr>
+        <p:spPr>
+          <a:xfrm>
+            <a:off x="6368020" y="3102059"/>
+            <a:ext cx="2524461" cy="830997"/>
+          </a:xfrm>
+          <a:prstGeom prst="rect">
+            <a:avLst/>
+          </a:prstGeom>
+          <a:solidFill>
+            <a:srgbClr val="FFFFFF">
+              <a:alpha val="74902"/>
+            </a:srgbClr>
+          </a:solidFill>
+        </p:spPr>
+        <p:txBody>
+          <a:bodyPr wrap="square" rtlCol="0">
+            <a:spAutoFit/>
+          </a:bodyPr>
+          <a:lstStyle/>
+          <a:p>
+            <a:pPr algn="r"/>
+            <a:r>
+              <a:rPr lang="en-US" sz="1600" dirty="0">
+                <a:latin typeface="Arial Unicode MS" pitchFamily="34" charset="-128"/>
+                <a:ea typeface="Arial Unicode MS" pitchFamily="34" charset="-128"/>
+                <a:cs typeface="Arial Unicode MS" pitchFamily="34" charset="-128"/>
+              </a:rPr>
+              <a:t>Video Captioning</a:t>
+            </a:r>
+          </a:p>
+          <a:p>
+            <a:pPr algn="r"/>
+            <a:r>
+              <a:rPr lang="en-US" sz="1600" dirty="0">
+                <a:latin typeface="Arial Unicode MS" pitchFamily="34" charset="-128"/>
+                <a:ea typeface="Arial Unicode MS" pitchFamily="34" charset="-128"/>
+                <a:cs typeface="Arial Unicode MS" pitchFamily="34" charset="-128"/>
+              </a:rPr>
+              <a:t>Video Search</a:t>
+            </a:r>
+          </a:p>
+          <a:p>
+            <a:pPr algn="r"/>
+            <a:r>
+              <a:rPr lang="en-US" sz="1600" dirty="0">
+                <a:latin typeface="Arial Unicode MS" pitchFamily="34" charset="-128"/>
+                <a:ea typeface="Arial Unicode MS" pitchFamily="34" charset="-128"/>
+                <a:cs typeface="Arial Unicode MS" pitchFamily="34" charset="-128"/>
+              </a:rPr>
+              <a:t>Real Time Translation</a:t>
+            </a:r>
+          </a:p>
+        </p:txBody>
+      </p:sp>
+      <p:sp>
+        <p:nvSpPr>
+          <p:cNvPr id="19" name="TextBox 18"/>
+          <p:cNvSpPr txBox="1"/>
+          <p:nvPr/>
+        </p:nvSpPr>
+        <p:spPr>
+          <a:xfrm>
+            <a:off x="1835696" y="4072640"/>
+            <a:ext cx="1639339" cy="646331"/>
+          </a:xfrm>
+          <a:prstGeom prst="rect">
+            <a:avLst/>
+          </a:prstGeom>
+          <a:noFill/>
+        </p:spPr>
+        <p:txBody>
+          <a:bodyPr wrap="square" rtlCol="0">
+            <a:spAutoFit/>
+          </a:bodyPr>
+          <a:lstStyle/>
+          <a:p>
+            <a:r>
+              <a:rPr lang="en-GB" dirty="0" smtClean="0">
+                <a:ln w="18415" cmpd="sng">
+                  <a:solidFill>
+                    <a:srgbClr val="FFFFFF"/>
+                  </a:solidFill>
+                  <a:prstDash val="solid"/>
+                </a:ln>
+                <a:solidFill>
+                  <a:srgbClr val="FFFFFF"/>
+                </a:solidFill>
+                <a:effectLst>
+                  <a:outerShdw blurRad="63500" dir="3600000" algn="tl" rotWithShape="0">
+                    <a:srgbClr val="000000">
+                      <a:alpha val="70000"/>
+                    </a:srgbClr>
+                  </a:outerShdw>
+                </a:effectLst>
+                <a:latin typeface="Arial Unicode MS" pitchFamily="34" charset="-128"/>
+                <a:ea typeface="Arial Unicode MS" pitchFamily="34" charset="-128"/>
+                <a:cs typeface="Arial Unicode MS" pitchFamily="34" charset="-128"/>
+              </a:rPr>
+              <a:t>SECURITY </a:t>
+            </a:r>
+            <a:r>
+              <a:rPr lang="en-GB" dirty="0">
+                <a:ln w="18415" cmpd="sng">
+                  <a:solidFill>
+                    <a:srgbClr val="FFFFFF"/>
+                  </a:solidFill>
+                  <a:prstDash val="solid"/>
+                </a:ln>
+                <a:solidFill>
+                  <a:srgbClr val="FFFFFF"/>
+                </a:solidFill>
+                <a:effectLst>
+                  <a:outerShdw blurRad="63500" dir="3600000" algn="tl" rotWithShape="0">
+                    <a:srgbClr val="000000">
+                      <a:alpha val="70000"/>
+                    </a:srgbClr>
+                  </a:outerShdw>
+                </a:effectLst>
+                <a:latin typeface="Arial Unicode MS" pitchFamily="34" charset="-128"/>
+                <a:ea typeface="Arial Unicode MS" pitchFamily="34" charset="-128"/>
+                <a:cs typeface="Arial Unicode MS" pitchFamily="34" charset="-128"/>
+              </a:rPr>
+              <a:t>&amp; </a:t>
+            </a:r>
+            <a:endParaRPr lang="en-GB" dirty="0" smtClean="0">
+              <a:ln w="18415" cmpd="sng">
+                <a:solidFill>
+                  <a:srgbClr val="FFFFFF"/>
+                </a:solidFill>
+                <a:prstDash val="solid"/>
+              </a:ln>
+              <a:solidFill>
+                <a:srgbClr val="FFFFFF"/>
+              </a:solidFill>
+              <a:effectLst>
+                <a:outerShdw blurRad="63500" dir="3600000" algn="tl" rotWithShape="0">
+                  <a:srgbClr val="000000">
+                    <a:alpha val="70000"/>
+                  </a:srgbClr>
+                </a:outerShdw>
+              </a:effectLst>
+              <a:latin typeface="Arial Unicode MS" pitchFamily="34" charset="-128"/>
+              <a:ea typeface="Arial Unicode MS" pitchFamily="34" charset="-128"/>
+              <a:cs typeface="Arial Unicode MS" pitchFamily="34" charset="-128"/>
+            </a:endParaRPr>
+          </a:p>
+          <a:p>
+            <a:r>
+              <a:rPr lang="en-GB" dirty="0" smtClean="0">
+                <a:ln w="18415" cmpd="sng">
+                  <a:solidFill>
+                    <a:srgbClr val="FFFFFF"/>
+                  </a:solidFill>
+                  <a:prstDash val="solid"/>
+                </a:ln>
+                <a:solidFill>
+                  <a:srgbClr val="FFFFFF"/>
+                </a:solidFill>
+                <a:effectLst>
+                  <a:outerShdw blurRad="63500" dir="3600000" algn="tl" rotWithShape="0">
+                    <a:srgbClr val="000000">
+                      <a:alpha val="70000"/>
+                    </a:srgbClr>
+                  </a:outerShdw>
+                </a:effectLst>
+                <a:latin typeface="Arial Unicode MS" pitchFamily="34" charset="-128"/>
+                <a:ea typeface="Arial Unicode MS" pitchFamily="34" charset="-128"/>
+                <a:cs typeface="Arial Unicode MS" pitchFamily="34" charset="-128"/>
+              </a:rPr>
+              <a:t>DEFENSE</a:t>
+            </a:r>
+            <a:endParaRPr lang="en-GB" dirty="0">
+              <a:ln w="18415" cmpd="sng">
+                <a:solidFill>
+                  <a:srgbClr val="FFFFFF"/>
+                </a:solidFill>
+                <a:prstDash val="solid"/>
+              </a:ln>
+              <a:solidFill>
+                <a:srgbClr val="FFFFFF"/>
+              </a:solidFill>
+              <a:effectLst>
+                <a:outerShdw blurRad="63500" dir="3600000" algn="tl" rotWithShape="0">
+                  <a:srgbClr val="000000">
+                    <a:alpha val="70000"/>
+                  </a:srgbClr>
+                </a:outerShdw>
+              </a:effectLst>
+              <a:latin typeface="Arial Unicode MS" pitchFamily="34" charset="-128"/>
+              <a:ea typeface="Arial Unicode MS" pitchFamily="34" charset="-128"/>
+              <a:cs typeface="Arial Unicode MS" pitchFamily="34" charset="-128"/>
+            </a:endParaRPr>
+          </a:p>
+        </p:txBody>
+      </p:sp>
+      <p:sp>
+        <p:nvSpPr>
+          <p:cNvPr id="20" name="TextBox 19"/>
+          <p:cNvSpPr txBox="1"/>
+          <p:nvPr/>
+        </p:nvSpPr>
+        <p:spPr>
+          <a:xfrm>
+            <a:off x="4932040" y="4072639"/>
+            <a:ext cx="2016224" cy="646331"/>
+          </a:xfrm>
+          <a:prstGeom prst="rect">
+            <a:avLst/>
+          </a:prstGeom>
+          <a:noFill/>
+        </p:spPr>
+        <p:txBody>
+          <a:bodyPr wrap="square" rtlCol="0">
+            <a:spAutoFit/>
+          </a:bodyPr>
+          <a:lstStyle/>
+          <a:p>
+            <a:r>
+              <a:rPr lang="en-GB" dirty="0" smtClean="0">
+                <a:ln w="18415" cmpd="sng">
+                  <a:solidFill>
+                    <a:srgbClr val="FFFFFF"/>
+                  </a:solidFill>
+                  <a:prstDash val="solid"/>
+                </a:ln>
+                <a:solidFill>
+                  <a:srgbClr val="FFFFFF"/>
+                </a:solidFill>
+                <a:effectLst>
+                  <a:outerShdw blurRad="63500" dir="3600000" algn="tl" rotWithShape="0">
+                    <a:srgbClr val="000000">
+                      <a:alpha val="70000"/>
+                    </a:srgbClr>
+                  </a:outerShdw>
+                </a:effectLst>
+                <a:latin typeface="Arial Unicode MS" pitchFamily="34" charset="-128"/>
+                <a:ea typeface="Arial Unicode MS" pitchFamily="34" charset="-128"/>
+                <a:cs typeface="Arial Unicode MS" pitchFamily="34" charset="-128"/>
+              </a:rPr>
+              <a:t>AUTONOMOUS </a:t>
+            </a:r>
+          </a:p>
+          <a:p>
+            <a:r>
+              <a:rPr lang="en-GB" dirty="0" smtClean="0">
+                <a:ln w="18415" cmpd="sng">
+                  <a:solidFill>
+                    <a:srgbClr val="FFFFFF"/>
+                  </a:solidFill>
+                  <a:prstDash val="solid"/>
+                </a:ln>
+                <a:solidFill>
+                  <a:srgbClr val="FFFFFF"/>
+                </a:solidFill>
+                <a:effectLst>
+                  <a:outerShdw blurRad="63500" dir="3600000" algn="tl" rotWithShape="0">
+                    <a:srgbClr val="000000">
+                      <a:alpha val="70000"/>
+                    </a:srgbClr>
+                  </a:outerShdw>
+                </a:effectLst>
+                <a:latin typeface="Arial Unicode MS" pitchFamily="34" charset="-128"/>
+                <a:ea typeface="Arial Unicode MS" pitchFamily="34" charset="-128"/>
+                <a:cs typeface="Arial Unicode MS" pitchFamily="34" charset="-128"/>
+              </a:rPr>
+              <a:t>MACHINES</a:t>
+            </a:r>
+            <a:endParaRPr lang="en-GB" dirty="0">
+              <a:ln w="18415" cmpd="sng">
+                <a:solidFill>
+                  <a:srgbClr val="FFFFFF"/>
+                </a:solidFill>
+                <a:prstDash val="solid"/>
+              </a:ln>
+              <a:solidFill>
+                <a:srgbClr val="FFFFFF"/>
+              </a:solidFill>
+              <a:effectLst>
+                <a:outerShdw blurRad="63500" dir="3600000" algn="tl" rotWithShape="0">
+                  <a:srgbClr val="000000">
+                    <a:alpha val="70000"/>
+                  </a:srgbClr>
+                </a:outerShdw>
+              </a:effectLst>
+              <a:latin typeface="Arial Unicode MS" pitchFamily="34" charset="-128"/>
+              <a:ea typeface="Arial Unicode MS" pitchFamily="34" charset="-128"/>
+              <a:cs typeface="Arial Unicode MS" pitchFamily="34" charset="-128"/>
+            </a:endParaRPr>
+          </a:p>
+        </p:txBody>
+      </p:sp>
+      <p:sp>
+        <p:nvSpPr>
+          <p:cNvPr id="21" name="TextBox 20"/>
+          <p:cNvSpPr txBox="1"/>
+          <p:nvPr/>
+        </p:nvSpPr>
+        <p:spPr>
+          <a:xfrm>
+            <a:off x="1835697" y="5525246"/>
+            <a:ext cx="2438400" cy="830997"/>
+          </a:xfrm>
+          <a:prstGeom prst="rect">
+            <a:avLst/>
+          </a:prstGeom>
+          <a:solidFill>
+            <a:srgbClr val="FFFFFF">
+              <a:alpha val="74902"/>
+            </a:srgbClr>
+          </a:solidFill>
+        </p:spPr>
+        <p:txBody>
+          <a:bodyPr wrap="square" rtlCol="0">
+            <a:spAutoFit/>
+          </a:bodyPr>
+          <a:lstStyle/>
+          <a:p>
+            <a:pPr algn="r"/>
+            <a:r>
+              <a:rPr lang="en-GB" sz="1600" dirty="0" smtClean="0">
+                <a:latin typeface="Arial Unicode MS" pitchFamily="34" charset="-128"/>
+                <a:ea typeface="Arial Unicode MS" pitchFamily="34" charset="-128"/>
+                <a:cs typeface="Arial Unicode MS" pitchFamily="34" charset="-128"/>
+              </a:rPr>
+              <a:t>Face Detection</a:t>
+            </a:r>
+            <a:endParaRPr lang="en-GB" sz="1600" dirty="0">
+              <a:latin typeface="Arial Unicode MS" pitchFamily="34" charset="-128"/>
+              <a:ea typeface="Arial Unicode MS" pitchFamily="34" charset="-128"/>
+              <a:cs typeface="Arial Unicode MS" pitchFamily="34" charset="-128"/>
+            </a:endParaRPr>
+          </a:p>
+          <a:p>
+            <a:pPr algn="r"/>
+            <a:r>
+              <a:rPr lang="en-GB" sz="1600" dirty="0" smtClean="0">
+                <a:latin typeface="Arial Unicode MS" pitchFamily="34" charset="-128"/>
+                <a:ea typeface="Arial Unicode MS" pitchFamily="34" charset="-128"/>
+                <a:cs typeface="Arial Unicode MS" pitchFamily="34" charset="-128"/>
+              </a:rPr>
+              <a:t>Video Surveillance</a:t>
+            </a:r>
+            <a:endParaRPr lang="en-GB" sz="1600" dirty="0">
+              <a:latin typeface="Arial Unicode MS" pitchFamily="34" charset="-128"/>
+              <a:ea typeface="Arial Unicode MS" pitchFamily="34" charset="-128"/>
+              <a:cs typeface="Arial Unicode MS" pitchFamily="34" charset="-128"/>
+            </a:endParaRPr>
+          </a:p>
+          <a:p>
+            <a:pPr algn="r"/>
+            <a:r>
+              <a:rPr lang="en-GB" sz="1600" dirty="0" smtClean="0">
+                <a:latin typeface="Arial Unicode MS" pitchFamily="34" charset="-128"/>
+                <a:ea typeface="Arial Unicode MS" pitchFamily="34" charset="-128"/>
+                <a:cs typeface="Arial Unicode MS" pitchFamily="34" charset="-128"/>
+              </a:rPr>
+              <a:t>Satellite Imagery</a:t>
+            </a:r>
+            <a:endParaRPr lang="en-GB" sz="1600" dirty="0">
+              <a:latin typeface="Arial Unicode MS" pitchFamily="34" charset="-128"/>
+              <a:ea typeface="Arial Unicode MS" pitchFamily="34" charset="-128"/>
+              <a:cs typeface="Arial Unicode MS" pitchFamily="34" charset="-128"/>
+            </a:endParaRPr>
+          </a:p>
+        </p:txBody>
+      </p:sp>
+      <p:sp>
+        <p:nvSpPr>
+          <p:cNvPr id="22" name="TextBox 21"/>
+          <p:cNvSpPr txBox="1"/>
+          <p:nvPr/>
+        </p:nvSpPr>
+        <p:spPr>
+          <a:xfrm>
+            <a:off x="4916935" y="5527895"/>
+            <a:ext cx="2438400" cy="856177"/>
+          </a:xfrm>
+          <a:prstGeom prst="rect">
+            <a:avLst/>
+          </a:prstGeom>
+          <a:solidFill>
+            <a:srgbClr val="FFFFFF">
+              <a:alpha val="74902"/>
+            </a:srgbClr>
+          </a:solidFill>
+        </p:spPr>
+        <p:txBody>
+          <a:bodyPr wrap="square" rtlCol="0">
+            <a:spAutoFit/>
+          </a:bodyPr>
+          <a:lstStyle/>
+          <a:p>
+            <a:pPr algn="r"/>
+            <a:r>
+              <a:rPr lang="en-GB" sz="1600" dirty="0" smtClean="0">
+                <a:latin typeface="Arial Unicode MS" pitchFamily="34" charset="-128"/>
+                <a:ea typeface="Arial Unicode MS" pitchFamily="34" charset="-128"/>
+                <a:cs typeface="Arial Unicode MS" pitchFamily="34" charset="-128"/>
+              </a:rPr>
+              <a:t>Pedestrian Detection</a:t>
+            </a:r>
+            <a:endParaRPr lang="en-GB" sz="1600" dirty="0">
+              <a:latin typeface="Arial Unicode MS" pitchFamily="34" charset="-128"/>
+              <a:ea typeface="Arial Unicode MS" pitchFamily="34" charset="-128"/>
+              <a:cs typeface="Arial Unicode MS" pitchFamily="34" charset="-128"/>
+            </a:endParaRPr>
+          </a:p>
+          <a:p>
+            <a:pPr algn="r"/>
+            <a:r>
+              <a:rPr lang="en-GB" sz="1600" dirty="0" smtClean="0">
+                <a:latin typeface="Arial Unicode MS" pitchFamily="34" charset="-128"/>
+                <a:ea typeface="Arial Unicode MS" pitchFamily="34" charset="-128"/>
+                <a:cs typeface="Arial Unicode MS" pitchFamily="34" charset="-128"/>
+              </a:rPr>
+              <a:t>Lane Tracking</a:t>
+            </a:r>
+            <a:endParaRPr lang="en-GB" sz="1600" dirty="0">
+              <a:latin typeface="Arial Unicode MS" pitchFamily="34" charset="-128"/>
+              <a:ea typeface="Arial Unicode MS" pitchFamily="34" charset="-128"/>
+              <a:cs typeface="Arial Unicode MS" pitchFamily="34" charset="-128"/>
+            </a:endParaRPr>
+          </a:p>
+          <a:p>
+            <a:pPr algn="r"/>
+            <a:r>
+              <a:rPr lang="en-GB" sz="1600" dirty="0" smtClean="0">
+                <a:latin typeface="Arial Unicode MS" pitchFamily="34" charset="-128"/>
+                <a:ea typeface="Arial Unicode MS" pitchFamily="34" charset="-128"/>
+                <a:cs typeface="Arial Unicode MS" pitchFamily="34" charset="-128"/>
+              </a:rPr>
+              <a:t>Recognize Traffic Sign</a:t>
+            </a:r>
+            <a:endParaRPr lang="en-GB" sz="1600" dirty="0">
+              <a:latin typeface="Arial Unicode MS" pitchFamily="34" charset="-128"/>
+              <a:ea typeface="Arial Unicode MS" pitchFamily="34" charset="-128"/>
+              <a:cs typeface="Arial Unicode MS" pitchFamily="34" charset="-128"/>
+            </a:endParaRPr>
+          </a:p>
+        </p:txBody>
+      </p:sp>
     </p:spTree>
     <p:extLst>
       <p:ext uri="{BB962C8B-B14F-4D97-AF65-F5344CB8AC3E}">
-        <p14:creationId xmlns:p14="http://schemas.microsoft.com/office/powerpoint/2010/main" val="2687548404"/>
+        <p14:creationId xmlns:p14="http://schemas.microsoft.com/office/powerpoint/2010/main" val="3656297097"/>
       </p:ext>
     </p:extLst>
   </p:cSld>
@@ -10858,135 +11405,16 @@
           <a:p>
             <a:r>
               <a:rPr lang="en-US" dirty="0" smtClean="0"/>
-              <a:t>Machine Learning Libraries</a:t>
+              <a:t>Deep LEARNING With Python</a:t>
             </a:r>
             <a:endParaRPr lang="el-GR" dirty="0"/>
-          </a:p>
-        </p:txBody>
-      </p:sp>
-      <p:sp>
-        <p:nvSpPr>
-          <p:cNvPr id="3" name="Θέση περιεχομένου 2"/>
-          <p:cNvSpPr>
-            <a:spLocks noGrp="1"/>
-          </p:cNvSpPr>
-          <p:nvPr>
-            <p:ph idx="1"/>
-          </p:nvPr>
-        </p:nvSpPr>
-        <p:spPr/>
-        <p:txBody>
-          <a:bodyPr/>
-          <a:lstStyle/>
-          <a:p>
-            <a:r>
-              <a:rPr lang="en-US" dirty="0" err="1" smtClean="0"/>
-              <a:t>numpy</a:t>
-            </a:r>
-            <a:endParaRPr lang="en-US" dirty="0" smtClean="0"/>
-          </a:p>
-          <a:p>
-            <a:pPr lvl="1"/>
-            <a:r>
-              <a:rPr lang="en-US" dirty="0" smtClean="0"/>
-              <a:t>Arrays: universal point of reference in the python ML world</a:t>
-            </a:r>
-          </a:p>
-          <a:p>
-            <a:r>
-              <a:rPr lang="en-US" dirty="0" smtClean="0"/>
-              <a:t>pandas</a:t>
-            </a:r>
-          </a:p>
-          <a:p>
-            <a:pPr lvl="1"/>
-            <a:r>
-              <a:rPr lang="en-US" dirty="0" smtClean="0"/>
-              <a:t>Data manipulation made easy</a:t>
-            </a:r>
-          </a:p>
-          <a:p>
-            <a:r>
-              <a:rPr lang="en-US" dirty="0" err="1" smtClean="0"/>
-              <a:t>scipy</a:t>
-            </a:r>
-            <a:endParaRPr lang="en-US" dirty="0" smtClean="0"/>
-          </a:p>
-          <a:p>
-            <a:pPr lvl="1"/>
-            <a:r>
-              <a:rPr lang="en-US" dirty="0" smtClean="0"/>
-              <a:t>Basis of scientific computing</a:t>
-            </a:r>
-          </a:p>
-          <a:p>
-            <a:r>
-              <a:rPr lang="en-US" dirty="0" err="1" smtClean="0"/>
-              <a:t>scikit</a:t>
-            </a:r>
-            <a:r>
-              <a:rPr lang="en-US" dirty="0" smtClean="0"/>
-              <a:t>-learn</a:t>
-            </a:r>
-          </a:p>
-          <a:p>
-            <a:pPr lvl="1"/>
-            <a:r>
-              <a:rPr lang="en-US" dirty="0" smtClean="0"/>
-              <a:t>(Almost) all machine learning algorithms you will ever need</a:t>
-            </a:r>
-          </a:p>
-          <a:p>
-            <a:r>
-              <a:rPr lang="en-US" dirty="0" err="1" smtClean="0"/>
-              <a:t>matplotlib</a:t>
-            </a:r>
-            <a:endParaRPr lang="en-US" dirty="0" smtClean="0"/>
-          </a:p>
-          <a:p>
-            <a:pPr lvl="1"/>
-            <a:r>
-              <a:rPr lang="en-US" dirty="0" smtClean="0"/>
-              <a:t>Plot all of the above</a:t>
-            </a:r>
-          </a:p>
-        </p:txBody>
-      </p:sp>
-      <p:sp>
-        <p:nvSpPr>
-          <p:cNvPr id="7" name="TextBox 6"/>
-          <p:cNvSpPr txBox="1"/>
-          <p:nvPr/>
-        </p:nvSpPr>
-        <p:spPr>
-          <a:xfrm>
-            <a:off x="1879636" y="5909210"/>
-            <a:ext cx="5629719" cy="400110"/>
-          </a:xfrm>
-          <a:prstGeom prst="rect">
-            <a:avLst/>
-          </a:prstGeom>
-          <a:noFill/>
-        </p:spPr>
-        <p:txBody>
-          <a:bodyPr wrap="square" rtlCol="0">
-            <a:spAutoFit/>
-          </a:bodyPr>
-          <a:lstStyle/>
-          <a:p>
-            <a:pPr algn="ctr"/>
-            <a:r>
-              <a:rPr lang="en-GB" sz="2000" dirty="0" smtClean="0"/>
-              <a:t>… and all of these are seamlessly connected!</a:t>
-            </a:r>
-            <a:endParaRPr lang="el-GR" sz="2000" dirty="0"/>
           </a:p>
         </p:txBody>
       </p:sp>
     </p:spTree>
     <p:extLst>
       <p:ext uri="{BB962C8B-B14F-4D97-AF65-F5344CB8AC3E}">
-        <p14:creationId xmlns:p14="http://schemas.microsoft.com/office/powerpoint/2010/main" val="585532413"/>
+        <p14:creationId xmlns:p14="http://schemas.microsoft.com/office/powerpoint/2010/main" val="3723878617"/>
       </p:ext>
     </p:extLst>
   </p:cSld>
@@ -11037,43 +11465,13 @@
           <a:p>
             <a:r>
               <a:rPr lang="en-US" dirty="0" smtClean="0"/>
-              <a:t>Deep Learning with Python </a:t>
+              <a:t>Set of </a:t>
+            </a:r>
+            <a:r>
+              <a:rPr lang="en-US" smtClean="0"/>
+              <a:t>Powerful Libraries</a:t>
             </a:r>
             <a:endParaRPr lang="el-GR" dirty="0"/>
-          </a:p>
-        </p:txBody>
-      </p:sp>
-      <p:sp>
-        <p:nvSpPr>
-          <p:cNvPr id="3" name="Θέση περιεχομένου 2"/>
-          <p:cNvSpPr>
-            <a:spLocks noGrp="1"/>
-          </p:cNvSpPr>
-          <p:nvPr>
-            <p:ph idx="1"/>
-          </p:nvPr>
-        </p:nvSpPr>
-        <p:spPr/>
-        <p:txBody>
-          <a:bodyPr/>
-          <a:lstStyle/>
-          <a:p>
-            <a:r>
-              <a:rPr lang="en-US" dirty="0" smtClean="0"/>
-              <a:t>Multiple options</a:t>
-            </a:r>
-          </a:p>
-          <a:p>
-            <a:r>
-              <a:rPr lang="en-US" dirty="0" smtClean="0"/>
-              <a:t>All equivalent but all different</a:t>
-            </a:r>
-          </a:p>
-          <a:p>
-            <a:r>
-              <a:rPr lang="en-US" dirty="0" smtClean="0"/>
-              <a:t>Hard to port solutions</a:t>
-            </a:r>
           </a:p>
         </p:txBody>
       </p:sp>
@@ -11105,7 +11503,7 @@
             </a:r>
             <a:r>
               <a:rPr lang="en-GB" sz="1200" dirty="0"/>
-              <a:t>: https://www.slideshare.net/kuanhoong/big-data-malaysia-a-primer-on-deep-learning</a:t>
+              <a:t>: https://www.datacamp.com/community/blog/python-scientific-computing-case</a:t>
             </a:r>
             <a:endParaRPr lang="el-GR" sz="1200" dirty="0"/>
           </a:p>
@@ -11113,92 +11511,14 @@
       </p:sp>
       <p:pic>
         <p:nvPicPr>
-          <p:cNvPr id="6146" name="Picture 2" descr="Αποτέλεσμα εικόνας για python tensorflow"/>
-          <p:cNvPicPr>
-            <a:picLocks noChangeAspect="1" noChangeArrowheads="1"/>
-          </p:cNvPicPr>
-          <p:nvPr/>
-        </p:nvPicPr>
-        <p:blipFill rotWithShape="1">
-          <a:blip r:embed="rId2" cstate="print">
-            <a:extLst>
-              <a:ext uri="{28A0092B-C50C-407E-A947-70E740481C1C}">
-                <a14:useLocalDpi xmlns:a14="http://schemas.microsoft.com/office/drawing/2010/main" val="0"/>
-              </a:ext>
-            </a:extLst>
-          </a:blip>
-          <a:srcRect l="8381" t="5869" r="8381" b="5869"/>
-          <a:stretch/>
-        </p:blipFill>
-        <p:spPr bwMode="auto">
-          <a:xfrm>
-            <a:off x="3755456" y="2897850"/>
-            <a:ext cx="2322760" cy="1384451"/>
-          </a:xfrm>
-          <a:prstGeom prst="rect">
-            <a:avLst/>
-          </a:prstGeom>
-          <a:noFill/>
-          <a:extLst>
-            <a:ext uri="{909E8E84-426E-40DD-AFC4-6F175D3DCCD1}">
-              <a14:hiddenFill xmlns:a14="http://schemas.microsoft.com/office/drawing/2010/main">
-                <a:solidFill>
-                  <a:srgbClr val="FFFFFF"/>
-                </a:solidFill>
-              </a14:hiddenFill>
-            </a:ext>
-          </a:extLst>
-        </p:spPr>
-      </p:pic>
-      <p:pic>
-        <p:nvPicPr>
-          <p:cNvPr id="6148" name="Picture 4" descr="Αποτέλεσμα εικόνας για python theano"/>
-          <p:cNvPicPr>
-            <a:picLocks noChangeAspect="1" noChangeArrowheads="1"/>
-          </p:cNvPicPr>
-          <p:nvPr/>
-        </p:nvPicPr>
-        <p:blipFill rotWithShape="1">
-          <a:blip r:embed="rId3" cstate="print">
-            <a:extLst>
-              <a:ext uri="{28A0092B-C50C-407E-A947-70E740481C1C}">
-                <a14:useLocalDpi xmlns:a14="http://schemas.microsoft.com/office/drawing/2010/main" val="0"/>
-              </a:ext>
-            </a:extLst>
-          </a:blip>
-          <a:srcRect l="6658" t="37176" r="6658" b="37176"/>
-          <a:stretch/>
-        </p:blipFill>
-        <p:spPr bwMode="auto">
-          <a:xfrm>
-            <a:off x="769480" y="3266114"/>
-            <a:ext cx="2189788" cy="647923"/>
-          </a:xfrm>
-          <a:prstGeom prst="rect">
-            <a:avLst/>
-          </a:prstGeom>
-          <a:noFill/>
-          <a:extLst>
-            <a:ext uri="{909E8E84-426E-40DD-AFC4-6F175D3DCCD1}">
-              <a14:hiddenFill xmlns:a14="http://schemas.microsoft.com/office/drawing/2010/main">
-                <a:solidFill>
-                  <a:srgbClr val="FFFFFF"/>
-                </a:solidFill>
-              </a14:hiddenFill>
-            </a:ext>
-          </a:extLst>
-        </p:spPr>
-      </p:pic>
-      <p:pic>
-        <p:nvPicPr>
-          <p:cNvPr id="6150" name="Picture 6" descr="Αποτέλεσμα εικόνας για microsoft cntk logo"/>
+          <p:cNvPr id="5124" name="Picture 4"/>
           <p:cNvPicPr>
             <a:picLocks noChangeAspect="1" noChangeArrowheads="1"/>
           </p:cNvPicPr>
           <p:nvPr/>
         </p:nvPicPr>
         <p:blipFill>
-          <a:blip r:embed="rId4">
+          <a:blip r:embed="rId2">
             <a:extLst>
               <a:ext uri="{28A0092B-C50C-407E-A947-70E740481C1C}">
                 <a14:useLocalDpi xmlns:a14="http://schemas.microsoft.com/office/drawing/2010/main" val="0"/>
@@ -11212,20 +11532,43 @@
         </p:blipFill>
         <p:spPr bwMode="auto">
           <a:xfrm>
-            <a:off x="6825542" y="3058723"/>
-            <a:ext cx="1574380" cy="1062707"/>
+            <a:off x="1187624" y="1746705"/>
+            <a:ext cx="6930944" cy="4418599"/>
           </a:xfrm>
           <a:prstGeom prst="rect">
             <a:avLst/>
           </a:prstGeom>
           <a:noFill/>
+          <a:ln>
+            <a:noFill/>
+          </a:ln>
+          <a:effectLst/>
           <a:extLst>
             <a:ext uri="{909E8E84-426E-40DD-AFC4-6F175D3DCCD1}">
               <a14:hiddenFill xmlns:a14="http://schemas.microsoft.com/office/drawing/2010/main">
                 <a:solidFill>
-                  <a:srgbClr val="FFFFFF"/>
+                  <a:schemeClr val="accent1"/>
                 </a:solidFill>
               </a14:hiddenFill>
+            </a:ext>
+            <a:ext uri="{91240B29-F687-4F45-9708-019B960494DF}">
+              <a14:hiddenLine xmlns:a14="http://schemas.microsoft.com/office/drawing/2010/main" w="9525">
+                <a:solidFill>
+                  <a:schemeClr val="tx1"/>
+                </a:solidFill>
+                <a:miter lim="800000"/>
+                <a:headEnd/>
+                <a:tailEnd/>
+              </a14:hiddenLine>
+            </a:ext>
+            <a:ext uri="{AF507438-7753-43E0-B8FC-AC1667EBCBE1}">
+              <a14:hiddenEffects xmlns:a14="http://schemas.microsoft.com/office/drawing/2010/main">
+                <a:effectLst>
+                  <a:outerShdw dist="35921" dir="2700000" algn="ctr" rotWithShape="0">
+                    <a:schemeClr val="bg2"/>
+                  </a:outerShdw>
+                </a:effectLst>
+              </a14:hiddenEffects>
             </a:ext>
           </a:extLst>
         </p:spPr>
@@ -11233,7 +11576,7 @@
     </p:spTree>
     <p:extLst>
       <p:ext uri="{BB962C8B-B14F-4D97-AF65-F5344CB8AC3E}">
-        <p14:creationId xmlns:p14="http://schemas.microsoft.com/office/powerpoint/2010/main" val="1280988996"/>
+        <p14:creationId xmlns:p14="http://schemas.microsoft.com/office/powerpoint/2010/main" val="2687548404"/>
       </p:ext>
     </p:extLst>
   </p:cSld>
@@ -11284,11 +11627,7 @@
           <a:p>
             <a:r>
               <a:rPr lang="en-US" dirty="0" smtClean="0"/>
-              <a:t>Deep Learning with </a:t>
-            </a:r>
-            <a:r>
-              <a:rPr lang="en-US" dirty="0" err="1" smtClean="0"/>
-              <a:t>Keras</a:t>
+              <a:t>Machine Learning Libraries</a:t>
             </a:r>
             <a:endParaRPr lang="el-GR" dirty="0"/>
           </a:p>
@@ -11310,34 +11649,88 @@
           <a:lstStyle/>
           <a:p>
             <a:r>
+              <a:rPr lang="en-US" dirty="0" err="1" smtClean="0"/>
+              <a:t>numpy</a:t>
+            </a:r>
+            <a:endParaRPr lang="en-US" dirty="0" smtClean="0"/>
+          </a:p>
+          <a:p>
+            <a:pPr lvl="1"/>
+            <a:r>
               <a:rPr lang="en-US" dirty="0" smtClean="0"/>
-              <a:t>One framework to rule them all</a:t>
+              <a:t>Arrays: universal point of reference in the python ML world</a:t>
             </a:r>
           </a:p>
           <a:p>
             <a:r>
               <a:rPr lang="en-US" dirty="0" smtClean="0"/>
-              <a:t>Easier to code and read</a:t>
-            </a:r>
-          </a:p>
-          <a:p>
+              <a:t>pandas</a:t>
+            </a:r>
+          </a:p>
+          <a:p>
+            <a:pPr lvl="1"/>
             <a:r>
               <a:rPr lang="en-US" dirty="0" smtClean="0"/>
-              <a:t>Can harness CPU and GPU</a:t>
-            </a:r>
-          </a:p>
-        </p:txBody>
-      </p:sp>
-      <p:sp>
-        <p:nvSpPr>
-          <p:cNvPr id="5" name="TextBox 4"/>
+              <a:t>Data manipulation made easy</a:t>
+            </a:r>
+          </a:p>
+          <a:p>
+            <a:r>
+              <a:rPr lang="en-US" dirty="0" err="1" smtClean="0"/>
+              <a:t>scipy</a:t>
+            </a:r>
+            <a:endParaRPr lang="en-US" dirty="0" smtClean="0"/>
+          </a:p>
+          <a:p>
+            <a:pPr lvl="1"/>
+            <a:r>
+              <a:rPr lang="en-US" dirty="0" smtClean="0"/>
+              <a:t>Basis of scientific computing</a:t>
+            </a:r>
+          </a:p>
+          <a:p>
+            <a:r>
+              <a:rPr lang="en-US" dirty="0" err="1" smtClean="0"/>
+              <a:t>scikit</a:t>
+            </a:r>
+            <a:r>
+              <a:rPr lang="en-US" dirty="0" smtClean="0"/>
+              <a:t>-learn</a:t>
+            </a:r>
+          </a:p>
+          <a:p>
+            <a:pPr lvl="1"/>
+            <a:r>
+              <a:rPr lang="en-US" dirty="0" smtClean="0"/>
+              <a:t>(Almost) all machine learning algorithms you will ever need</a:t>
+            </a:r>
+          </a:p>
+          <a:p>
+            <a:r>
+              <a:rPr lang="en-US" dirty="0" err="1" smtClean="0"/>
+              <a:t>matplotlib</a:t>
+            </a:r>
+            <a:endParaRPr lang="en-US" dirty="0" smtClean="0"/>
+          </a:p>
+          <a:p>
+            <a:pPr lvl="1"/>
+            <a:r>
+              <a:rPr lang="en-US" dirty="0" smtClean="0"/>
+              <a:t>Plot all of the above</a:t>
+            </a:r>
+          </a:p>
+        </p:txBody>
+      </p:sp>
+      <p:sp>
+        <p:nvSpPr>
+          <p:cNvPr id="7" name="TextBox 6"/>
           <p:cNvSpPr txBox="1"/>
           <p:nvPr/>
         </p:nvSpPr>
         <p:spPr>
           <a:xfrm>
-            <a:off x="136307" y="6381328"/>
-            <a:ext cx="6811957" cy="276999"/>
+            <a:off x="1879636" y="5909210"/>
+            <a:ext cx="5629719" cy="400110"/>
           </a:xfrm>
           <a:prstGeom prst="rect">
             <a:avLst/>
@@ -11350,224 +11743,19 @@
           </a:bodyPr>
           <a:lstStyle/>
           <a:p>
-            <a:r>
-              <a:rPr lang="en-GB" sz="1200" dirty="0" smtClean="0"/>
-              <a:t>Source</a:t>
-            </a:r>
-            <a:r>
-              <a:rPr lang="en-GB" sz="1200" dirty="0"/>
-              <a:t>: https://www.slideshare.net/kuanhoong/big-data-malaysia-a-primer-on-deep-learning</a:t>
-            </a:r>
-            <a:endParaRPr lang="el-GR" sz="1200" dirty="0"/>
-          </a:p>
-        </p:txBody>
-      </p:sp>
-      <p:pic>
-        <p:nvPicPr>
-          <p:cNvPr id="6146" name="Picture 2" descr="Αποτέλεσμα εικόνας για python tensorflow"/>
-          <p:cNvPicPr>
-            <a:picLocks noChangeAspect="1" noChangeArrowheads="1"/>
-          </p:cNvPicPr>
-          <p:nvPr/>
-        </p:nvPicPr>
-        <p:blipFill rotWithShape="1">
-          <a:blip r:embed="rId2" cstate="print">
-            <a:extLst>
-              <a:ext uri="{28A0092B-C50C-407E-A947-70E740481C1C}">
-                <a14:useLocalDpi xmlns:a14="http://schemas.microsoft.com/office/drawing/2010/main" val="0"/>
-              </a:ext>
-            </a:extLst>
-          </a:blip>
-          <a:srcRect l="8381" t="5869" r="8381" b="5869"/>
-          <a:stretch/>
-        </p:blipFill>
-        <p:spPr bwMode="auto">
-          <a:xfrm>
-            <a:off x="3755456" y="2897850"/>
-            <a:ext cx="2322760" cy="1384451"/>
-          </a:xfrm>
-          <a:prstGeom prst="rect">
-            <a:avLst/>
-          </a:prstGeom>
-          <a:noFill/>
-          <a:extLst>
-            <a:ext uri="{909E8E84-426E-40DD-AFC4-6F175D3DCCD1}">
-              <a14:hiddenFill xmlns:a14="http://schemas.microsoft.com/office/drawing/2010/main">
-                <a:solidFill>
-                  <a:srgbClr val="FFFFFF"/>
-                </a:solidFill>
-              </a14:hiddenFill>
-            </a:ext>
-          </a:extLst>
-        </p:spPr>
-      </p:pic>
-      <p:pic>
-        <p:nvPicPr>
-          <p:cNvPr id="6148" name="Picture 4" descr="Αποτέλεσμα εικόνας για python theano"/>
-          <p:cNvPicPr>
-            <a:picLocks noChangeAspect="1" noChangeArrowheads="1"/>
-          </p:cNvPicPr>
-          <p:nvPr/>
-        </p:nvPicPr>
-        <p:blipFill rotWithShape="1">
-          <a:blip r:embed="rId3" cstate="print">
-            <a:extLst>
-              <a:ext uri="{28A0092B-C50C-407E-A947-70E740481C1C}">
-                <a14:useLocalDpi xmlns:a14="http://schemas.microsoft.com/office/drawing/2010/main" val="0"/>
-              </a:ext>
-            </a:extLst>
-          </a:blip>
-          <a:srcRect l="6658" t="37176" r="6658" b="37176"/>
-          <a:stretch/>
-        </p:blipFill>
-        <p:spPr bwMode="auto">
-          <a:xfrm>
-            <a:off x="769480" y="3266114"/>
-            <a:ext cx="2189788" cy="647923"/>
-          </a:xfrm>
-          <a:prstGeom prst="rect">
-            <a:avLst/>
-          </a:prstGeom>
-          <a:noFill/>
-          <a:extLst>
-            <a:ext uri="{909E8E84-426E-40DD-AFC4-6F175D3DCCD1}">
-              <a14:hiddenFill xmlns:a14="http://schemas.microsoft.com/office/drawing/2010/main">
-                <a:solidFill>
-                  <a:srgbClr val="FFFFFF"/>
-                </a:solidFill>
-              </a14:hiddenFill>
-            </a:ext>
-          </a:extLst>
-        </p:spPr>
-      </p:pic>
-      <p:pic>
-        <p:nvPicPr>
-          <p:cNvPr id="6150" name="Picture 6" descr="Αποτέλεσμα εικόνας για microsoft cntk logo"/>
-          <p:cNvPicPr>
-            <a:picLocks noChangeAspect="1" noChangeArrowheads="1"/>
-          </p:cNvPicPr>
-          <p:nvPr/>
-        </p:nvPicPr>
-        <p:blipFill>
-          <a:blip r:embed="rId4">
-            <a:extLst>
-              <a:ext uri="{28A0092B-C50C-407E-A947-70E740481C1C}">
-                <a14:useLocalDpi xmlns:a14="http://schemas.microsoft.com/office/drawing/2010/main" val="0"/>
-              </a:ext>
-            </a:extLst>
-          </a:blip>
-          <a:srcRect/>
-          <a:stretch>
-            <a:fillRect/>
-          </a:stretch>
-        </p:blipFill>
-        <p:spPr bwMode="auto">
-          <a:xfrm>
-            <a:off x="6825542" y="3058723"/>
-            <a:ext cx="1574380" cy="1062707"/>
-          </a:xfrm>
-          <a:prstGeom prst="rect">
-            <a:avLst/>
-          </a:prstGeom>
-          <a:noFill/>
-          <a:extLst>
-            <a:ext uri="{909E8E84-426E-40DD-AFC4-6F175D3DCCD1}">
-              <a14:hiddenFill xmlns:a14="http://schemas.microsoft.com/office/drawing/2010/main">
-                <a:solidFill>
-                  <a:srgbClr val="FFFFFF"/>
-                </a:solidFill>
-              </a14:hiddenFill>
-            </a:ext>
-          </a:extLst>
-        </p:spPr>
-      </p:pic>
-      <p:pic>
-        <p:nvPicPr>
-          <p:cNvPr id="6152" name="Picture 8" descr="https://s3.amazonaws.com/keras.io/img/keras-logo-2018-large-1200.png"/>
-          <p:cNvPicPr>
-            <a:picLocks noChangeAspect="1" noChangeArrowheads="1"/>
-          </p:cNvPicPr>
-          <p:nvPr/>
-        </p:nvPicPr>
-        <p:blipFill>
-          <a:blip r:embed="rId5" cstate="print">
-            <a:extLst>
-              <a:ext uri="{28A0092B-C50C-407E-A947-70E740481C1C}">
-                <a14:useLocalDpi xmlns:a14="http://schemas.microsoft.com/office/drawing/2010/main" val="0"/>
-              </a:ext>
-            </a:extLst>
-          </a:blip>
-          <a:srcRect/>
-          <a:stretch>
-            <a:fillRect/>
-          </a:stretch>
-        </p:blipFill>
-        <p:spPr bwMode="auto">
-          <a:xfrm>
-            <a:off x="3263093" y="5205154"/>
-            <a:ext cx="3310864" cy="960150"/>
-          </a:xfrm>
-          <a:prstGeom prst="rect">
-            <a:avLst/>
-          </a:prstGeom>
-          <a:noFill/>
-          <a:extLst>
-            <a:ext uri="{909E8E84-426E-40DD-AFC4-6F175D3DCCD1}">
-              <a14:hiddenFill xmlns:a14="http://schemas.microsoft.com/office/drawing/2010/main">
-                <a:solidFill>
-                  <a:srgbClr val="FFFFFF"/>
-                </a:solidFill>
-              </a14:hiddenFill>
-            </a:ext>
-          </a:extLst>
-        </p:spPr>
-      </p:pic>
-      <p:sp>
-        <p:nvSpPr>
-          <p:cNvPr id="4" name="Δεξιό άγκιστρο 3"/>
-          <p:cNvSpPr/>
-          <p:nvPr/>
-        </p:nvSpPr>
-        <p:spPr>
-          <a:xfrm rot="5400000">
-            <a:off x="4125619" y="563013"/>
-            <a:ext cx="786136" cy="7958270"/>
-          </a:xfrm>
-          <a:prstGeom prst="rightBrace">
-            <a:avLst>
-              <a:gd name="adj1" fmla="val 170806"/>
-              <a:gd name="adj2" fmla="val 50000"/>
-            </a:avLst>
-          </a:prstGeom>
-          <a:ln w="57150"/>
-        </p:spPr>
-        <p:style>
-          <a:lnRef idx="1">
-            <a:schemeClr val="accent1"/>
-          </a:lnRef>
-          <a:fillRef idx="0">
-            <a:schemeClr val="accent1"/>
-          </a:fillRef>
-          <a:effectRef idx="0">
-            <a:schemeClr val="accent1"/>
-          </a:effectRef>
-          <a:fontRef idx="minor">
-            <a:schemeClr val="tx1"/>
-          </a:fontRef>
-        </p:style>
-        <p:txBody>
-          <a:bodyPr rtlCol="0" anchor="ctr"/>
-          <a:lstStyle/>
-          <a:p>
             <a:pPr algn="ctr"/>
-            <a:endParaRPr lang="el-GR"/>
+            <a:r>
+              <a:rPr lang="en-GB" sz="2000" dirty="0" smtClean="0"/>
+              <a:t>… and all of these are seamlessly connected!</a:t>
+            </a:r>
+            <a:endParaRPr lang="el-GR" sz="2000" dirty="0"/>
           </a:p>
         </p:txBody>
       </p:sp>
     </p:spTree>
     <p:extLst>
       <p:ext uri="{BB962C8B-B14F-4D97-AF65-F5344CB8AC3E}">
-        <p14:creationId xmlns:p14="http://schemas.microsoft.com/office/powerpoint/2010/main" val="2061183898"/>
+        <p14:creationId xmlns:p14="http://schemas.microsoft.com/office/powerpoint/2010/main" val="585532413"/>
       </p:ext>
     </p:extLst>
   </p:cSld>
@@ -11617,6 +11805,587 @@
           <a:lstStyle/>
           <a:p>
             <a:r>
+              <a:rPr lang="en-US" dirty="0" smtClean="0"/>
+              <a:t>Deep Learning with Python </a:t>
+            </a:r>
+            <a:endParaRPr lang="el-GR" dirty="0"/>
+          </a:p>
+        </p:txBody>
+      </p:sp>
+      <p:sp>
+        <p:nvSpPr>
+          <p:cNvPr id="3" name="Θέση περιεχομένου 2"/>
+          <p:cNvSpPr>
+            <a:spLocks noGrp="1"/>
+          </p:cNvSpPr>
+          <p:nvPr>
+            <p:ph idx="1"/>
+          </p:nvPr>
+        </p:nvSpPr>
+        <p:spPr/>
+        <p:txBody>
+          <a:bodyPr/>
+          <a:lstStyle/>
+          <a:p>
+            <a:r>
+              <a:rPr lang="en-US" dirty="0" smtClean="0"/>
+              <a:t>Multiple options</a:t>
+            </a:r>
+          </a:p>
+          <a:p>
+            <a:r>
+              <a:rPr lang="en-US" dirty="0" smtClean="0"/>
+              <a:t>All equivalent but all different</a:t>
+            </a:r>
+          </a:p>
+          <a:p>
+            <a:r>
+              <a:rPr lang="en-US" dirty="0" smtClean="0"/>
+              <a:t>Hard to port solutions</a:t>
+            </a:r>
+          </a:p>
+        </p:txBody>
+      </p:sp>
+      <p:sp>
+        <p:nvSpPr>
+          <p:cNvPr id="5" name="TextBox 4"/>
+          <p:cNvSpPr txBox="1"/>
+          <p:nvPr/>
+        </p:nvSpPr>
+        <p:spPr>
+          <a:xfrm>
+            <a:off x="136307" y="6381328"/>
+            <a:ext cx="6811957" cy="276999"/>
+          </a:xfrm>
+          <a:prstGeom prst="rect">
+            <a:avLst/>
+          </a:prstGeom>
+          <a:noFill/>
+        </p:spPr>
+        <p:txBody>
+          <a:bodyPr wrap="square" rtlCol="0">
+            <a:spAutoFit/>
+          </a:bodyPr>
+          <a:lstStyle/>
+          <a:p>
+            <a:r>
+              <a:rPr lang="en-GB" sz="1200" dirty="0" smtClean="0"/>
+              <a:t>Source</a:t>
+            </a:r>
+            <a:r>
+              <a:rPr lang="en-GB" sz="1200" dirty="0"/>
+              <a:t>: https://www.slideshare.net/kuanhoong/big-data-malaysia-a-primer-on-deep-learning</a:t>
+            </a:r>
+            <a:endParaRPr lang="el-GR" sz="1200" dirty="0"/>
+          </a:p>
+        </p:txBody>
+      </p:sp>
+      <p:pic>
+        <p:nvPicPr>
+          <p:cNvPr id="6146" name="Picture 2" descr="Αποτέλεσμα εικόνας για python tensorflow"/>
+          <p:cNvPicPr>
+            <a:picLocks noChangeAspect="1" noChangeArrowheads="1"/>
+          </p:cNvPicPr>
+          <p:nvPr/>
+        </p:nvPicPr>
+        <p:blipFill rotWithShape="1">
+          <a:blip r:embed="rId2" cstate="print">
+            <a:extLst>
+              <a:ext uri="{28A0092B-C50C-407E-A947-70E740481C1C}">
+                <a14:useLocalDpi xmlns:a14="http://schemas.microsoft.com/office/drawing/2010/main" val="0"/>
+              </a:ext>
+            </a:extLst>
+          </a:blip>
+          <a:srcRect l="8381" t="5869" r="8381" b="5869"/>
+          <a:stretch/>
+        </p:blipFill>
+        <p:spPr bwMode="auto">
+          <a:xfrm>
+            <a:off x="3755456" y="2897850"/>
+            <a:ext cx="2322760" cy="1384451"/>
+          </a:xfrm>
+          <a:prstGeom prst="rect">
+            <a:avLst/>
+          </a:prstGeom>
+          <a:noFill/>
+          <a:extLst>
+            <a:ext uri="{909E8E84-426E-40DD-AFC4-6F175D3DCCD1}">
+              <a14:hiddenFill xmlns:a14="http://schemas.microsoft.com/office/drawing/2010/main">
+                <a:solidFill>
+                  <a:srgbClr val="FFFFFF"/>
+                </a:solidFill>
+              </a14:hiddenFill>
+            </a:ext>
+          </a:extLst>
+        </p:spPr>
+      </p:pic>
+      <p:pic>
+        <p:nvPicPr>
+          <p:cNvPr id="6148" name="Picture 4" descr="Αποτέλεσμα εικόνας για python theano"/>
+          <p:cNvPicPr>
+            <a:picLocks noChangeAspect="1" noChangeArrowheads="1"/>
+          </p:cNvPicPr>
+          <p:nvPr/>
+        </p:nvPicPr>
+        <p:blipFill rotWithShape="1">
+          <a:blip r:embed="rId3" cstate="print">
+            <a:extLst>
+              <a:ext uri="{28A0092B-C50C-407E-A947-70E740481C1C}">
+                <a14:useLocalDpi xmlns:a14="http://schemas.microsoft.com/office/drawing/2010/main" val="0"/>
+              </a:ext>
+            </a:extLst>
+          </a:blip>
+          <a:srcRect l="6658" t="37176" r="6658" b="37176"/>
+          <a:stretch/>
+        </p:blipFill>
+        <p:spPr bwMode="auto">
+          <a:xfrm>
+            <a:off x="769480" y="3266114"/>
+            <a:ext cx="2189788" cy="647923"/>
+          </a:xfrm>
+          <a:prstGeom prst="rect">
+            <a:avLst/>
+          </a:prstGeom>
+          <a:noFill/>
+          <a:extLst>
+            <a:ext uri="{909E8E84-426E-40DD-AFC4-6F175D3DCCD1}">
+              <a14:hiddenFill xmlns:a14="http://schemas.microsoft.com/office/drawing/2010/main">
+                <a:solidFill>
+                  <a:srgbClr val="FFFFFF"/>
+                </a:solidFill>
+              </a14:hiddenFill>
+            </a:ext>
+          </a:extLst>
+        </p:spPr>
+      </p:pic>
+      <p:pic>
+        <p:nvPicPr>
+          <p:cNvPr id="6150" name="Picture 6" descr="Αποτέλεσμα εικόνας για microsoft cntk logo"/>
+          <p:cNvPicPr>
+            <a:picLocks noChangeAspect="1" noChangeArrowheads="1"/>
+          </p:cNvPicPr>
+          <p:nvPr/>
+        </p:nvPicPr>
+        <p:blipFill>
+          <a:blip r:embed="rId4">
+            <a:extLst>
+              <a:ext uri="{28A0092B-C50C-407E-A947-70E740481C1C}">
+                <a14:useLocalDpi xmlns:a14="http://schemas.microsoft.com/office/drawing/2010/main" val="0"/>
+              </a:ext>
+            </a:extLst>
+          </a:blip>
+          <a:srcRect/>
+          <a:stretch>
+            <a:fillRect/>
+          </a:stretch>
+        </p:blipFill>
+        <p:spPr bwMode="auto">
+          <a:xfrm>
+            <a:off x="6825542" y="3058723"/>
+            <a:ext cx="1574380" cy="1062707"/>
+          </a:xfrm>
+          <a:prstGeom prst="rect">
+            <a:avLst/>
+          </a:prstGeom>
+          <a:noFill/>
+          <a:extLst>
+            <a:ext uri="{909E8E84-426E-40DD-AFC4-6F175D3DCCD1}">
+              <a14:hiddenFill xmlns:a14="http://schemas.microsoft.com/office/drawing/2010/main">
+                <a:solidFill>
+                  <a:srgbClr val="FFFFFF"/>
+                </a:solidFill>
+              </a14:hiddenFill>
+            </a:ext>
+          </a:extLst>
+        </p:spPr>
+      </p:pic>
+    </p:spTree>
+    <p:extLst>
+      <p:ext uri="{BB962C8B-B14F-4D97-AF65-F5344CB8AC3E}">
+        <p14:creationId xmlns:p14="http://schemas.microsoft.com/office/powerpoint/2010/main" val="1280988996"/>
+      </p:ext>
+    </p:extLst>
+  </p:cSld>
+  <p:clrMapOvr>
+    <a:masterClrMapping/>
+  </p:clrMapOvr>
+  <p:timing>
+    <p:tnLst>
+      <p:par>
+        <p:cTn id="1" dur="indefinite" restart="never" nodeType="tmRoot"/>
+      </p:par>
+    </p:tnLst>
+  </p:timing>
+</p:sld>
+</file>
+
+<file path=ppt/slides/slide37.xml><?xml version="1.0" encoding="utf-8"?>
+<p:sld xmlns:a="http://schemas.openxmlformats.org/drawingml/2006/main" xmlns:r="http://schemas.openxmlformats.org/officeDocument/2006/relationships" xmlns:p="http://schemas.openxmlformats.org/presentationml/2006/main">
+  <p:cSld>
+    <p:spTree>
+      <p:nvGrpSpPr>
+        <p:cNvPr id="1" name=""/>
+        <p:cNvGrpSpPr/>
+        <p:nvPr/>
+      </p:nvGrpSpPr>
+      <p:grpSpPr>
+        <a:xfrm>
+          <a:off x="0" y="0"/>
+          <a:ext cx="0" cy="0"/>
+          <a:chOff x="0" y="0"/>
+          <a:chExt cx="0" cy="0"/>
+        </a:xfrm>
+      </p:grpSpPr>
+      <p:sp>
+        <p:nvSpPr>
+          <p:cNvPr id="2" name="Τίτλος 1"/>
+          <p:cNvSpPr>
+            <a:spLocks noGrp="1"/>
+          </p:cNvSpPr>
+          <p:nvPr>
+            <p:ph type="title"/>
+          </p:nvPr>
+        </p:nvSpPr>
+        <p:spPr/>
+        <p:txBody>
+          <a:bodyPr/>
+          <a:lstStyle/>
+          <a:p>
+            <a:r>
+              <a:rPr lang="en-US" dirty="0" smtClean="0"/>
+              <a:t>Deep Learning with </a:t>
+            </a:r>
+            <a:r>
+              <a:rPr lang="en-US" dirty="0" err="1" smtClean="0"/>
+              <a:t>Keras</a:t>
+            </a:r>
+            <a:endParaRPr lang="el-GR" dirty="0"/>
+          </a:p>
+        </p:txBody>
+      </p:sp>
+      <p:sp>
+        <p:nvSpPr>
+          <p:cNvPr id="3" name="Θέση περιεχομένου 2"/>
+          <p:cNvSpPr>
+            <a:spLocks noGrp="1"/>
+          </p:cNvSpPr>
+          <p:nvPr>
+            <p:ph idx="1"/>
+          </p:nvPr>
+        </p:nvSpPr>
+        <p:spPr/>
+        <p:txBody>
+          <a:bodyPr/>
+          <a:lstStyle/>
+          <a:p>
+            <a:r>
+              <a:rPr lang="en-US" dirty="0" smtClean="0"/>
+              <a:t>One framework to rule them all</a:t>
+            </a:r>
+          </a:p>
+          <a:p>
+            <a:r>
+              <a:rPr lang="en-US" dirty="0" smtClean="0"/>
+              <a:t>Easier to code and read</a:t>
+            </a:r>
+          </a:p>
+          <a:p>
+            <a:r>
+              <a:rPr lang="en-US" dirty="0" smtClean="0"/>
+              <a:t>Can harness CPU and GPU</a:t>
+            </a:r>
+          </a:p>
+        </p:txBody>
+      </p:sp>
+      <p:sp>
+        <p:nvSpPr>
+          <p:cNvPr id="5" name="TextBox 4"/>
+          <p:cNvSpPr txBox="1"/>
+          <p:nvPr/>
+        </p:nvSpPr>
+        <p:spPr>
+          <a:xfrm>
+            <a:off x="136307" y="6381328"/>
+            <a:ext cx="6811957" cy="276999"/>
+          </a:xfrm>
+          <a:prstGeom prst="rect">
+            <a:avLst/>
+          </a:prstGeom>
+          <a:noFill/>
+        </p:spPr>
+        <p:txBody>
+          <a:bodyPr wrap="square" rtlCol="0">
+            <a:spAutoFit/>
+          </a:bodyPr>
+          <a:lstStyle/>
+          <a:p>
+            <a:r>
+              <a:rPr lang="en-GB" sz="1200" dirty="0" smtClean="0"/>
+              <a:t>Source</a:t>
+            </a:r>
+            <a:r>
+              <a:rPr lang="en-GB" sz="1200" dirty="0"/>
+              <a:t>: https://www.slideshare.net/kuanhoong/big-data-malaysia-a-primer-on-deep-learning</a:t>
+            </a:r>
+            <a:endParaRPr lang="el-GR" sz="1200" dirty="0"/>
+          </a:p>
+        </p:txBody>
+      </p:sp>
+      <p:pic>
+        <p:nvPicPr>
+          <p:cNvPr id="6146" name="Picture 2" descr="Αποτέλεσμα εικόνας για python tensorflow"/>
+          <p:cNvPicPr>
+            <a:picLocks noChangeAspect="1" noChangeArrowheads="1"/>
+          </p:cNvPicPr>
+          <p:nvPr/>
+        </p:nvPicPr>
+        <p:blipFill rotWithShape="1">
+          <a:blip r:embed="rId2" cstate="print">
+            <a:extLst>
+              <a:ext uri="{28A0092B-C50C-407E-A947-70E740481C1C}">
+                <a14:useLocalDpi xmlns:a14="http://schemas.microsoft.com/office/drawing/2010/main" val="0"/>
+              </a:ext>
+            </a:extLst>
+          </a:blip>
+          <a:srcRect l="8381" t="5869" r="8381" b="5869"/>
+          <a:stretch/>
+        </p:blipFill>
+        <p:spPr bwMode="auto">
+          <a:xfrm>
+            <a:off x="3755456" y="2897850"/>
+            <a:ext cx="2322760" cy="1384451"/>
+          </a:xfrm>
+          <a:prstGeom prst="rect">
+            <a:avLst/>
+          </a:prstGeom>
+          <a:noFill/>
+          <a:extLst>
+            <a:ext uri="{909E8E84-426E-40DD-AFC4-6F175D3DCCD1}">
+              <a14:hiddenFill xmlns:a14="http://schemas.microsoft.com/office/drawing/2010/main">
+                <a:solidFill>
+                  <a:srgbClr val="FFFFFF"/>
+                </a:solidFill>
+              </a14:hiddenFill>
+            </a:ext>
+          </a:extLst>
+        </p:spPr>
+      </p:pic>
+      <p:pic>
+        <p:nvPicPr>
+          <p:cNvPr id="6148" name="Picture 4" descr="Αποτέλεσμα εικόνας για python theano"/>
+          <p:cNvPicPr>
+            <a:picLocks noChangeAspect="1" noChangeArrowheads="1"/>
+          </p:cNvPicPr>
+          <p:nvPr/>
+        </p:nvPicPr>
+        <p:blipFill rotWithShape="1">
+          <a:blip r:embed="rId3" cstate="print">
+            <a:extLst>
+              <a:ext uri="{28A0092B-C50C-407E-A947-70E740481C1C}">
+                <a14:useLocalDpi xmlns:a14="http://schemas.microsoft.com/office/drawing/2010/main" val="0"/>
+              </a:ext>
+            </a:extLst>
+          </a:blip>
+          <a:srcRect l="6658" t="37176" r="6658" b="37176"/>
+          <a:stretch/>
+        </p:blipFill>
+        <p:spPr bwMode="auto">
+          <a:xfrm>
+            <a:off x="769480" y="3266114"/>
+            <a:ext cx="2189788" cy="647923"/>
+          </a:xfrm>
+          <a:prstGeom prst="rect">
+            <a:avLst/>
+          </a:prstGeom>
+          <a:noFill/>
+          <a:extLst>
+            <a:ext uri="{909E8E84-426E-40DD-AFC4-6F175D3DCCD1}">
+              <a14:hiddenFill xmlns:a14="http://schemas.microsoft.com/office/drawing/2010/main">
+                <a:solidFill>
+                  <a:srgbClr val="FFFFFF"/>
+                </a:solidFill>
+              </a14:hiddenFill>
+            </a:ext>
+          </a:extLst>
+        </p:spPr>
+      </p:pic>
+      <p:pic>
+        <p:nvPicPr>
+          <p:cNvPr id="6150" name="Picture 6" descr="Αποτέλεσμα εικόνας για microsoft cntk logo"/>
+          <p:cNvPicPr>
+            <a:picLocks noChangeAspect="1" noChangeArrowheads="1"/>
+          </p:cNvPicPr>
+          <p:nvPr/>
+        </p:nvPicPr>
+        <p:blipFill>
+          <a:blip r:embed="rId4">
+            <a:extLst>
+              <a:ext uri="{28A0092B-C50C-407E-A947-70E740481C1C}">
+                <a14:useLocalDpi xmlns:a14="http://schemas.microsoft.com/office/drawing/2010/main" val="0"/>
+              </a:ext>
+            </a:extLst>
+          </a:blip>
+          <a:srcRect/>
+          <a:stretch>
+            <a:fillRect/>
+          </a:stretch>
+        </p:blipFill>
+        <p:spPr bwMode="auto">
+          <a:xfrm>
+            <a:off x="6825542" y="3058723"/>
+            <a:ext cx="1574380" cy="1062707"/>
+          </a:xfrm>
+          <a:prstGeom prst="rect">
+            <a:avLst/>
+          </a:prstGeom>
+          <a:noFill/>
+          <a:extLst>
+            <a:ext uri="{909E8E84-426E-40DD-AFC4-6F175D3DCCD1}">
+              <a14:hiddenFill xmlns:a14="http://schemas.microsoft.com/office/drawing/2010/main">
+                <a:solidFill>
+                  <a:srgbClr val="FFFFFF"/>
+                </a:solidFill>
+              </a14:hiddenFill>
+            </a:ext>
+          </a:extLst>
+        </p:spPr>
+      </p:pic>
+      <p:pic>
+        <p:nvPicPr>
+          <p:cNvPr id="6152" name="Picture 8" descr="https://s3.amazonaws.com/keras.io/img/keras-logo-2018-large-1200.png"/>
+          <p:cNvPicPr>
+            <a:picLocks noChangeAspect="1" noChangeArrowheads="1"/>
+          </p:cNvPicPr>
+          <p:nvPr/>
+        </p:nvPicPr>
+        <p:blipFill>
+          <a:blip r:embed="rId5" cstate="print">
+            <a:extLst>
+              <a:ext uri="{28A0092B-C50C-407E-A947-70E740481C1C}">
+                <a14:useLocalDpi xmlns:a14="http://schemas.microsoft.com/office/drawing/2010/main" val="0"/>
+              </a:ext>
+            </a:extLst>
+          </a:blip>
+          <a:srcRect/>
+          <a:stretch>
+            <a:fillRect/>
+          </a:stretch>
+        </p:blipFill>
+        <p:spPr bwMode="auto">
+          <a:xfrm>
+            <a:off x="3263093" y="5205154"/>
+            <a:ext cx="3310864" cy="960150"/>
+          </a:xfrm>
+          <a:prstGeom prst="rect">
+            <a:avLst/>
+          </a:prstGeom>
+          <a:noFill/>
+          <a:extLst>
+            <a:ext uri="{909E8E84-426E-40DD-AFC4-6F175D3DCCD1}">
+              <a14:hiddenFill xmlns:a14="http://schemas.microsoft.com/office/drawing/2010/main">
+                <a:solidFill>
+                  <a:srgbClr val="FFFFFF"/>
+                </a:solidFill>
+              </a14:hiddenFill>
+            </a:ext>
+          </a:extLst>
+        </p:spPr>
+      </p:pic>
+      <p:sp>
+        <p:nvSpPr>
+          <p:cNvPr id="4" name="Δεξιό άγκιστρο 3"/>
+          <p:cNvSpPr/>
+          <p:nvPr/>
+        </p:nvSpPr>
+        <p:spPr>
+          <a:xfrm rot="5400000">
+            <a:off x="4125619" y="563013"/>
+            <a:ext cx="786136" cy="7958270"/>
+          </a:xfrm>
+          <a:prstGeom prst="rightBrace">
+            <a:avLst>
+              <a:gd name="adj1" fmla="val 170806"/>
+              <a:gd name="adj2" fmla="val 50000"/>
+            </a:avLst>
+          </a:prstGeom>
+          <a:ln w="57150"/>
+        </p:spPr>
+        <p:style>
+          <a:lnRef idx="1">
+            <a:schemeClr val="accent1"/>
+          </a:lnRef>
+          <a:fillRef idx="0">
+            <a:schemeClr val="accent1"/>
+          </a:fillRef>
+          <a:effectRef idx="0">
+            <a:schemeClr val="accent1"/>
+          </a:effectRef>
+          <a:fontRef idx="minor">
+            <a:schemeClr val="tx1"/>
+          </a:fontRef>
+        </p:style>
+        <p:txBody>
+          <a:bodyPr rtlCol="0" anchor="ctr"/>
+          <a:lstStyle/>
+          <a:p>
+            <a:pPr algn="ctr"/>
+            <a:endParaRPr lang="el-GR"/>
+          </a:p>
+        </p:txBody>
+      </p:sp>
+    </p:spTree>
+    <p:extLst>
+      <p:ext uri="{BB962C8B-B14F-4D97-AF65-F5344CB8AC3E}">
+        <p14:creationId xmlns:p14="http://schemas.microsoft.com/office/powerpoint/2010/main" val="2061183898"/>
+      </p:ext>
+    </p:extLst>
+  </p:cSld>
+  <p:clrMapOvr>
+    <a:masterClrMapping/>
+  </p:clrMapOvr>
+  <p:timing>
+    <p:tnLst>
+      <p:par>
+        <p:cTn id="1" dur="indefinite" restart="never" nodeType="tmRoot"/>
+      </p:par>
+    </p:tnLst>
+  </p:timing>
+</p:sld>
+</file>
+
+<file path=ppt/slides/slide38.xml><?xml version="1.0" encoding="utf-8"?>
+<p:sld xmlns:a="http://schemas.openxmlformats.org/drawingml/2006/main" xmlns:r="http://schemas.openxmlformats.org/officeDocument/2006/relationships" xmlns:p="http://schemas.openxmlformats.org/presentationml/2006/main">
+  <p:cSld>
+    <p:spTree>
+      <p:nvGrpSpPr>
+        <p:cNvPr id="1" name=""/>
+        <p:cNvGrpSpPr/>
+        <p:nvPr/>
+      </p:nvGrpSpPr>
+      <p:grpSpPr>
+        <a:xfrm>
+          <a:off x="0" y="0"/>
+          <a:ext cx="0" cy="0"/>
+          <a:chOff x="0" y="0"/>
+          <a:chExt cx="0" cy="0"/>
+        </a:xfrm>
+      </p:grpSpPr>
+      <p:sp>
+        <p:nvSpPr>
+          <p:cNvPr id="2" name="Τίτλος 1"/>
+          <p:cNvSpPr>
+            <a:spLocks noGrp="1"/>
+          </p:cNvSpPr>
+          <p:nvPr>
+            <p:ph type="title"/>
+          </p:nvPr>
+        </p:nvSpPr>
+        <p:spPr/>
+        <p:txBody>
+          <a:bodyPr/>
+          <a:lstStyle/>
+          <a:p>
+            <a:r>
               <a:rPr lang="en-US" dirty="0" err="1" smtClean="0"/>
               <a:t>Keras</a:t>
             </a:r>
@@ -11907,7 +12676,7 @@
 </p:sld>
 </file>
 
-<file path=ppt/slides/slide37.xml><?xml version="1.0" encoding="utf-8"?>
+<file path=ppt/slides/slide39.xml><?xml version="1.0" encoding="utf-8"?>
 <p:sld xmlns:a="http://schemas.openxmlformats.org/drawingml/2006/main" xmlns:r="http://schemas.openxmlformats.org/officeDocument/2006/relationships" xmlns:p="http://schemas.openxmlformats.org/presentationml/2006/main">
   <p:cSld>
     <p:spTree>
@@ -12815,6 +13584,72 @@
 </p:sld>
 </file>
 
+<file path=ppt/slides/slide40.xml><?xml version="1.0" encoding="utf-8"?>
+<p:sld xmlns:a="http://schemas.openxmlformats.org/drawingml/2006/main" xmlns:r="http://schemas.openxmlformats.org/officeDocument/2006/relationships" xmlns:p="http://schemas.openxmlformats.org/presentationml/2006/main">
+  <p:cSld>
+    <p:spTree>
+      <p:nvGrpSpPr>
+        <p:cNvPr id="1" name=""/>
+        <p:cNvGrpSpPr/>
+        <p:nvPr/>
+      </p:nvGrpSpPr>
+      <p:grpSpPr>
+        <a:xfrm>
+          <a:off x="0" y="0"/>
+          <a:ext cx="0" cy="0"/>
+          <a:chOff x="0" y="0"/>
+          <a:chExt cx="0" cy="0"/>
+        </a:xfrm>
+      </p:grpSpPr>
+      <p:sp>
+        <p:nvSpPr>
+          <p:cNvPr id="2" name="Τίτλος 1"/>
+          <p:cNvSpPr>
+            <a:spLocks noGrp="1"/>
+          </p:cNvSpPr>
+          <p:nvPr>
+            <p:ph type="title"/>
+          </p:nvPr>
+        </p:nvSpPr>
+        <p:spPr>
+          <a:xfrm>
+            <a:off x="457200" y="3014464"/>
+            <a:ext cx="8229600" cy="990600"/>
+          </a:xfrm>
+        </p:spPr>
+        <p:txBody>
+          <a:bodyPr/>
+          <a:lstStyle/>
+          <a:p>
+            <a:pPr algn="ctr"/>
+            <a:r>
+              <a:rPr lang="en-US" dirty="0" smtClean="0"/>
+              <a:t>Time for hands-on!</a:t>
+            </a:r>
+            <a:endParaRPr lang="el-GR" dirty="0"/>
+          </a:p>
+        </p:txBody>
+      </p:sp>
+    </p:spTree>
+    <p:extLst>
+      <p:ext uri="{BB962C8B-B14F-4D97-AF65-F5344CB8AC3E}">
+        <p14:creationId xmlns:p14="http://schemas.microsoft.com/office/powerpoint/2010/main" val="2214191786"/>
+      </p:ext>
+    </p:extLst>
+  </p:cSld>
+  <p:clrMapOvr>
+    <a:masterClrMapping/>
+  </p:clrMapOvr>
+  <p:timing>
+    <p:tnLst>
+      <p:par>
+        <p:cTn id="1" dur="indefinite" restart="never" nodeType="tmRoot"/>
+      </p:par>
+    </p:tnLst>
+  </p:timing>
+</p:sld>
+</file>
+
 <file path=ppt/slides/slide5.xml><?xml version="1.0" encoding="utf-8"?>
 <p:sld xmlns:a="http://schemas.openxmlformats.org/drawingml/2006/main" xmlns:r="http://schemas.openxmlformats.org/officeDocument/2006/relationships" xmlns:p="http://schemas.openxmlformats.org/presentationml/2006/main">
   <p:cSld>
@@ -13182,11 +14017,11 @@
           <a:p>
             <a:r>
               <a:rPr lang="en-GB" sz="1200" dirty="0" smtClean="0"/>
-              <a:t>Source: https</a:t>
-            </a:r>
-            <a:r>
-              <a:rPr lang="en-GB" sz="1200" dirty="0"/>
-              <a:t>://towardsdatascience.com/supervised-vs-unsupervised-learning-14f68e32ea8d</a:t>
+              <a:t>Source: </a:t>
+            </a:r>
+            <a:r>
+              <a:rPr lang="en-GB" sz="1200" dirty="0" smtClean="0"/>
+              <a:t>https://towardsdatascience.com/supervised-vs-unsupervised-learning-14f68e32ea8d</a:t>
             </a:r>
             <a:endParaRPr lang="el-GR" sz="1200" dirty="0"/>
           </a:p>
@@ -13293,6 +14128,7 @@
             <a:endParaRPr lang="en-US" dirty="0"/>
           </a:p>
           <a:p>
+            <a:pPr lvl="1"/>
             <a:endParaRPr lang="en-US" dirty="0"/>
           </a:p>
           <a:p>
@@ -13410,13 +14246,13 @@
           <p:nvPr>
             <p:extLst>
               <p:ext uri="{D42A27DB-BD31-4B8C-83A1-F6EECF244321}">
-                <p14:modId xmlns:p14="http://schemas.microsoft.com/office/powerpoint/2010/main" val="1605652115"/>
+                <p14:modId xmlns:p14="http://schemas.microsoft.com/office/powerpoint/2010/main" val="3440155953"/>
               </p:ext>
             </p:extLst>
           </p:nvPr>
         </p:nvGraphicFramePr>
         <p:xfrm>
-          <a:off x="928620" y="3319047"/>
+          <a:off x="928620" y="3290019"/>
           <a:ext cx="5091048" cy="1584960"/>
         </p:xfrm>
         <a:graphic>
@@ -13890,7 +14726,7 @@
         </p:nvSpPr>
         <p:spPr>
           <a:xfrm>
-            <a:off x="2069004" y="2550390"/>
+            <a:off x="2069004" y="2521362"/>
             <a:ext cx="1091864" cy="769441"/>
           </a:xfrm>
           <a:prstGeom prst="rect">
@@ -13928,7 +14764,7 @@
         </p:nvSpPr>
         <p:spPr>
           <a:xfrm>
-            <a:off x="568580" y="2959791"/>
+            <a:off x="568580" y="2930763"/>
             <a:ext cx="1482481" cy="707886"/>
           </a:xfrm>
           <a:prstGeom prst="rect">
@@ -13966,7 +14802,7 @@
         </p:nvCxnSpPr>
         <p:spPr>
           <a:xfrm flipH="1" flipV="1">
-            <a:off x="1677166" y="2772795"/>
+            <a:off x="1677166" y="2743767"/>
             <a:ext cx="936104" cy="936104"/>
           </a:xfrm>
           <a:prstGeom prst="line">
@@ -13989,190 +14825,47 @@
           </a:fontRef>
         </p:style>
       </p:cxnSp>
-    </p:spTree>
-    <p:extLst>
-      <p:ext uri="{BB962C8B-B14F-4D97-AF65-F5344CB8AC3E}">
-        <p14:creationId xmlns:p14="http://schemas.microsoft.com/office/powerpoint/2010/main" val="3324093098"/>
-      </p:ext>
-    </p:extLst>
-  </p:cSld>
-  <p:clrMapOvr>
-    <a:masterClrMapping/>
-  </p:clrMapOvr>
-</p:sld>
-</file>
-
-<file path=ppt/slides/slide8.xml><?xml version="1.0" encoding="utf-8"?>
-<p:sld xmlns:a="http://schemas.openxmlformats.org/drawingml/2006/main" xmlns:r="http://schemas.openxmlformats.org/officeDocument/2006/relationships" xmlns:p="http://schemas.openxmlformats.org/presentationml/2006/main">
-  <p:cSld>
-    <p:spTree>
-      <p:nvGrpSpPr>
-        <p:cNvPr id="1" name=""/>
-        <p:cNvGrpSpPr/>
-        <p:nvPr/>
-      </p:nvGrpSpPr>
-      <p:grpSpPr>
-        <a:xfrm>
-          <a:off x="0" y="0"/>
-          <a:ext cx="0" cy="0"/>
-          <a:chOff x="0" y="0"/>
-          <a:chExt cx="0" cy="0"/>
-        </a:xfrm>
-      </p:grpSpPr>
-      <p:sp>
-        <p:nvSpPr>
-          <p:cNvPr id="2" name="Τίτλος 1"/>
-          <p:cNvSpPr>
-            <a:spLocks noGrp="1"/>
-          </p:cNvSpPr>
-          <p:nvPr>
-            <p:ph type="title"/>
-          </p:nvPr>
-        </p:nvSpPr>
-        <p:spPr/>
-        <p:txBody>
-          <a:bodyPr/>
-          <a:lstStyle/>
-          <a:p>
-            <a:r>
-              <a:rPr lang="en-US" dirty="0" smtClean="0"/>
-              <a:t>Regression</a:t>
-            </a:r>
-            <a:endParaRPr lang="el-GR" dirty="0"/>
-          </a:p>
-        </p:txBody>
-      </p:sp>
-      <p:sp>
-        <p:nvSpPr>
-          <p:cNvPr id="3" name="Θέση περιεχομένου 2"/>
-          <p:cNvSpPr>
-            <a:spLocks noGrp="1"/>
-          </p:cNvSpPr>
-          <p:nvPr>
-            <p:ph idx="1"/>
-          </p:nvPr>
-        </p:nvSpPr>
-        <p:spPr/>
-        <p:txBody>
-          <a:bodyPr>
-            <a:normAutofit/>
+      <p:sp>
+        <p:nvSpPr>
+          <p:cNvPr id="9" name="TextBox 8"/>
+          <p:cNvSpPr txBox="1"/>
+          <p:nvPr/>
+        </p:nvSpPr>
+        <p:spPr>
+          <a:xfrm>
+            <a:off x="5501720" y="4897626"/>
+            <a:ext cx="3230338" cy="461665"/>
+          </a:xfrm>
+          <a:prstGeom prst="rect">
+            <a:avLst/>
+          </a:prstGeom>
+          <a:noFill/>
+        </p:spPr>
+        <p:txBody>
+          <a:bodyPr wrap="square" rtlCol="0">
+            <a:spAutoFit/>
           </a:bodyPr>
           <a:lstStyle/>
           <a:p>
-            <a:r>
-              <a:rPr lang="en-US" dirty="0" smtClean="0"/>
-              <a:t>Build a model that fits the data</a:t>
-            </a:r>
-          </a:p>
-          <a:p>
-            <a:r>
-              <a:rPr lang="en-US" dirty="0" smtClean="0"/>
-              <a:t>Actual (</a:t>
-            </a:r>
-            <a:r>
-              <a:rPr lang="en-US" dirty="0" err="1" smtClean="0"/>
-              <a:t>y</a:t>
-            </a:r>
-            <a:r>
-              <a:rPr lang="en-US" baseline="-25000" dirty="0" err="1" smtClean="0"/>
-              <a:t>i</a:t>
-            </a:r>
-            <a:r>
-              <a:rPr lang="en-US" dirty="0" smtClean="0"/>
-              <a:t>) and predicted values (</a:t>
-            </a:r>
-            <a:r>
-              <a:rPr lang="cy-GB" dirty="0" smtClean="0"/>
-              <a:t>ŷ</a:t>
-            </a:r>
-            <a:r>
-              <a:rPr lang="en-US" baseline="-25000" dirty="0" smtClean="0"/>
-              <a:t>i</a:t>
-            </a:r>
-            <a:r>
-              <a:rPr lang="en-US" dirty="0" smtClean="0"/>
-              <a:t>)</a:t>
-            </a:r>
-          </a:p>
-          <a:p>
-            <a:pPr lvl="1"/>
-            <a:r>
-              <a:rPr lang="en-US" dirty="0" smtClean="0"/>
-              <a:t>Mean Absolute Error</a:t>
-            </a:r>
-          </a:p>
-          <a:p>
-            <a:pPr lvl="2"/>
-            <a:endParaRPr lang="en-US" dirty="0"/>
-          </a:p>
-          <a:p>
-            <a:pPr lvl="2"/>
-            <a:endParaRPr lang="en-US" dirty="0" smtClean="0"/>
-          </a:p>
-          <a:p>
-            <a:pPr lvl="2"/>
-            <a:endParaRPr lang="en-US" dirty="0"/>
-          </a:p>
-          <a:p>
-            <a:pPr lvl="1"/>
-            <a:r>
-              <a:rPr lang="en-US" dirty="0" smtClean="0"/>
-              <a:t>Mean Squared Error</a:t>
-            </a:r>
-          </a:p>
-          <a:p>
-            <a:pPr lvl="2"/>
-            <a:endParaRPr lang="en-US" dirty="0"/>
-          </a:p>
-          <a:p>
-            <a:pPr lvl="2"/>
-            <a:endParaRPr lang="en-US" dirty="0" smtClean="0"/>
-          </a:p>
-          <a:p>
-            <a:pPr lvl="2"/>
-            <a:endParaRPr lang="en-US" dirty="0"/>
-          </a:p>
-          <a:p>
-            <a:pPr lvl="1"/>
-            <a:r>
-              <a:rPr lang="en-US" dirty="0" smtClean="0"/>
-              <a:t>Coefficient of Determination</a:t>
-            </a:r>
-          </a:p>
-          <a:p>
-            <a:pPr lvl="1"/>
-            <a:endParaRPr lang="en-US" sz="900" dirty="0" smtClean="0"/>
-          </a:p>
-          <a:p>
-            <a:pPr marL="274320" lvl="1" indent="0">
-              <a:buNone/>
-              <a:tabLst>
-                <a:tab pos="2424113" algn="l"/>
-                <a:tab pos="5646738" algn="l"/>
-              </a:tabLst>
-            </a:pPr>
-            <a:r>
-              <a:rPr lang="en-US" dirty="0"/>
-              <a:t>	</a:t>
-            </a:r>
-            <a:r>
-              <a:rPr lang="en-US" dirty="0" smtClean="0"/>
-              <a:t>where	and</a:t>
-            </a:r>
-            <a:endParaRPr lang="en-US" dirty="0"/>
+            <a:pPr algn="ctr"/>
+            <a:r>
+              <a:rPr lang="en-GB" sz="2400" dirty="0" smtClean="0"/>
+              <a:t>Bonus: Cross Entropy</a:t>
+            </a:r>
+            <a:endParaRPr lang="el-GR" sz="2400" dirty="0"/>
           </a:p>
         </p:txBody>
       </p:sp>
       <p:pic>
         <p:nvPicPr>
-          <p:cNvPr id="5" name="Picture 3"/>
+          <p:cNvPr id="7170" name="Picture 2"/>
           <p:cNvPicPr>
             <a:picLocks noChangeAspect="1" noChangeArrowheads="1"/>
           </p:cNvPicPr>
           <p:nvPr/>
         </p:nvPicPr>
         <p:blipFill>
-          <a:blip r:embed="rId3" cstate="print">
+          <a:blip r:embed="rId3">
             <a:extLst>
               <a:ext uri="{28A0092B-C50C-407E-A947-70E740481C1C}">
                 <a14:useLocalDpi xmlns:a14="http://schemas.microsoft.com/office/drawing/2010/main" val="0"/>
@@ -14186,8 +14879,8 @@
         </p:blipFill>
         <p:spPr bwMode="auto">
           <a:xfrm>
-            <a:off x="6242136" y="1677876"/>
-            <a:ext cx="2690326" cy="2399480"/>
+            <a:off x="5143671" y="5366956"/>
+            <a:ext cx="3946435" cy="768855"/>
           </a:xfrm>
           <a:prstGeom prst="rect">
             <a:avLst/>
@@ -14227,6 +14920,278 @@
           </a:extLst>
         </p:spPr>
       </p:pic>
+      <p:sp>
+        <p:nvSpPr>
+          <p:cNvPr id="11" name="TextBox 10"/>
+          <p:cNvSpPr txBox="1"/>
+          <p:nvPr/>
+        </p:nvSpPr>
+        <p:spPr>
+          <a:xfrm>
+            <a:off x="136307" y="6381328"/>
+            <a:ext cx="6811957" cy="276999"/>
+          </a:xfrm>
+          <a:prstGeom prst="rect">
+            <a:avLst/>
+          </a:prstGeom>
+          <a:noFill/>
+        </p:spPr>
+        <p:txBody>
+          <a:bodyPr wrap="square" rtlCol="0">
+            <a:spAutoFit/>
+          </a:bodyPr>
+          <a:lstStyle/>
+          <a:p>
+            <a:r>
+              <a:rPr lang="en-GB" sz="1200" dirty="0" smtClean="0"/>
+              <a:t>Source: </a:t>
+            </a:r>
+            <a:r>
+              <a:rPr lang="en-GB" sz="1200" dirty="0"/>
+              <a:t>https://rdipietro.github.io/friendly-intro-to-cross-entropy-loss/</a:t>
+            </a:r>
+            <a:endParaRPr lang="el-GR" sz="1200" dirty="0"/>
+          </a:p>
+        </p:txBody>
+      </p:sp>
+    </p:spTree>
+    <p:extLst>
+      <p:ext uri="{BB962C8B-B14F-4D97-AF65-F5344CB8AC3E}">
+        <p14:creationId xmlns:p14="http://schemas.microsoft.com/office/powerpoint/2010/main" val="3324093098"/>
+      </p:ext>
+    </p:extLst>
+  </p:cSld>
+  <p:clrMapOvr>
+    <a:masterClrMapping/>
+  </p:clrMapOvr>
+</p:sld>
+</file>
+
+<file path=ppt/slides/slide8.xml><?xml version="1.0" encoding="utf-8"?>
+<p:sld xmlns:a="http://schemas.openxmlformats.org/drawingml/2006/main" xmlns:r="http://schemas.openxmlformats.org/officeDocument/2006/relationships" xmlns:p="http://schemas.openxmlformats.org/presentationml/2006/main">
+  <p:cSld>
+    <p:spTree>
+      <p:nvGrpSpPr>
+        <p:cNvPr id="1" name=""/>
+        <p:cNvGrpSpPr/>
+        <p:nvPr/>
+      </p:nvGrpSpPr>
+      <p:grpSpPr>
+        <a:xfrm>
+          <a:off x="0" y="0"/>
+          <a:ext cx="0" cy="0"/>
+          <a:chOff x="0" y="0"/>
+          <a:chExt cx="0" cy="0"/>
+        </a:xfrm>
+      </p:grpSpPr>
+      <p:sp>
+        <p:nvSpPr>
+          <p:cNvPr id="2" name="Τίτλος 1"/>
+          <p:cNvSpPr>
+            <a:spLocks noGrp="1"/>
+          </p:cNvSpPr>
+          <p:nvPr>
+            <p:ph type="title"/>
+          </p:nvPr>
+        </p:nvSpPr>
+        <p:spPr/>
+        <p:txBody>
+          <a:bodyPr/>
+          <a:lstStyle/>
+          <a:p>
+            <a:r>
+              <a:rPr lang="en-US" dirty="0" smtClean="0"/>
+              <a:t>Regression</a:t>
+            </a:r>
+            <a:endParaRPr lang="el-GR" dirty="0"/>
+          </a:p>
+        </p:txBody>
+      </p:sp>
+      <p:sp>
+        <p:nvSpPr>
+          <p:cNvPr id="3" name="Θέση περιεχομένου 2"/>
+          <p:cNvSpPr>
+            <a:spLocks noGrp="1"/>
+          </p:cNvSpPr>
+          <p:nvPr>
+            <p:ph idx="1"/>
+          </p:nvPr>
+        </p:nvSpPr>
+        <p:spPr/>
+        <p:txBody>
+          <a:bodyPr>
+            <a:normAutofit/>
+          </a:bodyPr>
+          <a:lstStyle/>
+          <a:p>
+            <a:r>
+              <a:rPr lang="en-US" dirty="0" smtClean="0"/>
+              <a:t>Build a model that fits the data</a:t>
+            </a:r>
+          </a:p>
+          <a:p>
+            <a:r>
+              <a:rPr lang="en-US" dirty="0" smtClean="0"/>
+              <a:t>Actual (</a:t>
+            </a:r>
+            <a:r>
+              <a:rPr lang="en-US" dirty="0" err="1" smtClean="0"/>
+              <a:t>y</a:t>
+            </a:r>
+            <a:r>
+              <a:rPr lang="en-US" baseline="-25000" dirty="0" err="1" smtClean="0"/>
+              <a:t>i</a:t>
+            </a:r>
+            <a:r>
+              <a:rPr lang="en-US" dirty="0" smtClean="0"/>
+              <a:t>) and predicted values (</a:t>
+            </a:r>
+            <a:r>
+              <a:rPr lang="cy-GB" dirty="0" smtClean="0"/>
+              <a:t>ŷ</a:t>
+            </a:r>
+            <a:r>
+              <a:rPr lang="en-US" baseline="-25000" dirty="0" smtClean="0"/>
+              <a:t>i</a:t>
+            </a:r>
+            <a:r>
+              <a:rPr lang="en-US" dirty="0" smtClean="0"/>
+              <a:t>)</a:t>
+            </a:r>
+          </a:p>
+          <a:p>
+            <a:pPr lvl="1"/>
+            <a:r>
+              <a:rPr lang="en-US" dirty="0" smtClean="0"/>
+              <a:t>Mean Absolute Error</a:t>
+            </a:r>
+          </a:p>
+          <a:p>
+            <a:pPr lvl="2"/>
+            <a:endParaRPr lang="en-US" dirty="0"/>
+          </a:p>
+          <a:p>
+            <a:pPr lvl="2"/>
+            <a:endParaRPr lang="en-US" dirty="0" smtClean="0"/>
+          </a:p>
+          <a:p>
+            <a:pPr lvl="2"/>
+            <a:endParaRPr lang="en-US" dirty="0"/>
+          </a:p>
+          <a:p>
+            <a:pPr lvl="1"/>
+            <a:r>
+              <a:rPr lang="en-US" dirty="0" smtClean="0"/>
+              <a:t>Mean Squared Error</a:t>
+            </a:r>
+          </a:p>
+          <a:p>
+            <a:pPr lvl="2"/>
+            <a:endParaRPr lang="en-US" dirty="0"/>
+          </a:p>
+          <a:p>
+            <a:pPr lvl="2"/>
+            <a:endParaRPr lang="en-US" dirty="0" smtClean="0"/>
+          </a:p>
+          <a:p>
+            <a:pPr lvl="2"/>
+            <a:endParaRPr lang="en-US" dirty="0"/>
+          </a:p>
+          <a:p>
+            <a:pPr lvl="1"/>
+            <a:r>
+              <a:rPr lang="en-US" dirty="0" smtClean="0"/>
+              <a:t>Coefficient of Determination</a:t>
+            </a:r>
+          </a:p>
+          <a:p>
+            <a:pPr lvl="1"/>
+            <a:endParaRPr lang="en-US" sz="900" dirty="0" smtClean="0"/>
+          </a:p>
+          <a:p>
+            <a:pPr marL="274320" lvl="1" indent="0">
+              <a:buNone/>
+              <a:tabLst>
+                <a:tab pos="2424113" algn="l"/>
+                <a:tab pos="5646738" algn="l"/>
+              </a:tabLst>
+            </a:pPr>
+            <a:r>
+              <a:rPr lang="en-US" dirty="0"/>
+              <a:t>	</a:t>
+            </a:r>
+            <a:r>
+              <a:rPr lang="en-US" dirty="0" smtClean="0"/>
+              <a:t>where	and</a:t>
+            </a:r>
+            <a:endParaRPr lang="en-US" dirty="0"/>
+          </a:p>
+        </p:txBody>
+      </p:sp>
+      <p:pic>
+        <p:nvPicPr>
+          <p:cNvPr id="5" name="Picture 3"/>
+          <p:cNvPicPr>
+            <a:picLocks noChangeAspect="1" noChangeArrowheads="1"/>
+          </p:cNvPicPr>
+          <p:nvPr/>
+        </p:nvPicPr>
+        <p:blipFill>
+          <a:blip r:embed="rId3" cstate="print">
+            <a:extLst>
+              <a:ext uri="{28A0092B-C50C-407E-A947-70E740481C1C}">
+                <a14:useLocalDpi xmlns:a14="http://schemas.microsoft.com/office/drawing/2010/main" val="0"/>
+              </a:ext>
+            </a:extLst>
+          </a:blip>
+          <a:srcRect/>
+          <a:stretch>
+            <a:fillRect/>
+          </a:stretch>
+        </p:blipFill>
+        <p:spPr bwMode="auto">
+          <a:xfrm>
+            <a:off x="6242136" y="1677876"/>
+            <a:ext cx="2690326" cy="2399480"/>
+          </a:xfrm>
+          <a:prstGeom prst="rect">
+            <a:avLst/>
+          </a:prstGeom>
+          <a:noFill/>
+          <a:ln>
+            <a:noFill/>
+          </a:ln>
+          <a:effectLst/>
+          <a:extLst>
+            <a:ext uri="{909E8E84-426E-40DD-AFC4-6F175D3DCCD1}">
+              <a14:hiddenFill xmlns:a14="http://schemas.microsoft.com/office/drawing/2010/main">
+                <a:solidFill>
+                  <a:schemeClr val="accent1"/>
+                </a:solidFill>
+              </a14:hiddenFill>
+            </a:ext>
+            <a:ext uri="{91240B29-F687-4F45-9708-019B960494DF}">
+              <a14:hiddenLine xmlns:a14="http://schemas.microsoft.com/office/drawing/2010/main" w="9525">
+                <a:solidFill>
+                  <a:schemeClr val="tx1"/>
+                </a:solidFill>
+                <a:miter lim="800000"/>
+                <a:headEnd/>
+                <a:tailEnd/>
+              </a14:hiddenLine>
+            </a:ext>
+            <a:ext uri="{AF507438-7753-43E0-B8FC-AC1667EBCBE1}">
+              <a14:hiddenEffects xmlns:a14="http://schemas.microsoft.com/office/drawing/2010/main">
+                <a:effectLst>
+                  <a:outerShdw dist="35921" dir="2700000" algn="ctr" rotWithShape="0">
+                    <a:schemeClr val="bg2"/>
+                  </a:outerShdw>
+                </a:effectLst>
+              </a14:hiddenEffects>
+            </a:ext>
+          </a:extLst>
+        </p:spPr>
+      </p:pic>
       <p:graphicFrame>
         <p:nvGraphicFramePr>
           <p:cNvPr id="6" name="Αντικείμενο 5"/>
@@ -14249,7 +15214,7 @@
           <a:graphicData uri="http://schemas.openxmlformats.org/presentationml/2006/ole">
             <mc:AlternateContent xmlns:mc="http://schemas.openxmlformats.org/markup-compatibility/2006">
               <mc:Choice xmlns:v="urn:schemas-microsoft-com:vml" Requires="v">
-                <p:oleObj spid="_x0000_s4321" name="Equation" r:id="rId4" imgW="1193760" imgH="457200" progId="Equation.DSMT4">
+                <p:oleObj spid="_x0000_s4376" name="Equation" r:id="rId4" imgW="1193760" imgH="457200" progId="Equation.DSMT4">
                   <p:embed/>
                 </p:oleObj>
               </mc:Choice>
@@ -14306,7 +15271,7 @@
           <a:graphicData uri="http://schemas.openxmlformats.org/presentationml/2006/ole">
             <mc:AlternateContent xmlns:mc="http://schemas.openxmlformats.org/markup-compatibility/2006">
               <mc:Choice xmlns:v="urn:schemas-microsoft-com:vml" Requires="v">
-                <p:oleObj spid="_x0000_s4322" name="Equation" r:id="rId6" imgW="1307880" imgH="457200" progId="Equation.DSMT4">
+                <p:oleObj spid="_x0000_s4377" name="Equation" r:id="rId6" imgW="1307880" imgH="457200" progId="Equation.DSMT4">
                   <p:embed/>
                 </p:oleObj>
               </mc:Choice>
@@ -14389,7 +15354,7 @@
           <a:graphicData uri="http://schemas.openxmlformats.org/presentationml/2006/ole">
             <mc:AlternateContent xmlns:mc="http://schemas.openxmlformats.org/markup-compatibility/2006">
               <mc:Choice xmlns:v="urn:schemas-microsoft-com:vml" Requires="v">
-                <p:oleObj spid="_x0000_s4323" name="Equation" r:id="rId8" imgW="838080" imgH="431640" progId="Equation.DSMT4">
+                <p:oleObj spid="_x0000_s4378" name="Equation" r:id="rId8" imgW="838080" imgH="431640" progId="Equation.DSMT4">
                   <p:embed/>
                 </p:oleObj>
               </mc:Choice>
@@ -14472,7 +15437,7 @@
           <a:graphicData uri="http://schemas.openxmlformats.org/presentationml/2006/ole">
             <mc:AlternateContent xmlns:mc="http://schemas.openxmlformats.org/markup-compatibility/2006">
               <mc:Choice xmlns:v="urn:schemas-microsoft-com:vml" Requires="v">
-                <p:oleObj spid="_x0000_s4324" name="Equation" r:id="rId10" imgW="1193760" imgH="457200" progId="Equation.DSMT4">
+                <p:oleObj spid="_x0000_s4379" name="Equation" r:id="rId10" imgW="1193760" imgH="457200" progId="Equation.DSMT4">
                   <p:embed/>
                 </p:oleObj>
               </mc:Choice>
@@ -14555,7 +15520,7 @@
           <a:graphicData uri="http://schemas.openxmlformats.org/presentationml/2006/ole">
             <mc:AlternateContent xmlns:mc="http://schemas.openxmlformats.org/markup-compatibility/2006">
               <mc:Choice xmlns:v="urn:schemas-microsoft-com:vml" Requires="v">
-                <p:oleObj spid="_x0000_s4325" name="Equation" r:id="rId12" imgW="1168200" imgH="457200" progId="Equation.DSMT4">
+                <p:oleObj spid="_x0000_s4380" name="Equation" r:id="rId12" imgW="1168200" imgH="457200" progId="Equation.DSMT4">
                   <p:embed/>
                 </p:oleObj>
               </mc:Choice>
